--- a/source/lessons/lsn31/Lsn30.pptx
+++ b/source/lessons/lsn31/Lsn30.pptx
@@ -7,10 +7,10 @@
     <p:sldMasterId id="2147483667" r:id="rId3"/>
   </p:sldMasterIdLst>
   <p:notesMasterIdLst>
-    <p:notesMasterId r:id="rId34"/>
+    <p:notesMasterId r:id="rId26"/>
   </p:notesMasterIdLst>
   <p:handoutMasterIdLst>
-    <p:handoutMasterId r:id="rId35"/>
+    <p:handoutMasterId r:id="rId27"/>
   </p:handoutMasterIdLst>
   <p:sldIdLst>
     <p:sldId id="352" r:id="rId4"/>
@@ -35,14 +35,6 @@
     <p:sldId id="386" r:id="rId23"/>
     <p:sldId id="387" r:id="rId24"/>
     <p:sldId id="353" r:id="rId25"/>
-    <p:sldId id="355" r:id="rId26"/>
-    <p:sldId id="360" r:id="rId27"/>
-    <p:sldId id="361" r:id="rId28"/>
-    <p:sldId id="362" r:id="rId29"/>
-    <p:sldId id="356" r:id="rId30"/>
-    <p:sldId id="357" r:id="rId31"/>
-    <p:sldId id="358" r:id="rId32"/>
-    <p:sldId id="359" r:id="rId33"/>
   </p:sldIdLst>
   <p:sldSz cx="9144000" cy="6858000" type="screen4x3"/>
   <p:notesSz cx="7010400" cy="9296400"/>
@@ -1347,6 +1339,2373 @@
 </file>
 
 <file path=ppt/slideLayouts/slideLayout10.xml><?xml version="1.0" encoding="utf-8"?>
+<p:sldLayout xmlns:a="http://schemas.openxmlformats.org/drawingml/2006/main" xmlns:r="http://schemas.openxmlformats.org/officeDocument/2006/relationships" xmlns:p="http://schemas.openxmlformats.org/presentationml/2006/main" type="blank" preserve="1">
+  <p:cSld name="Blank">
+    <p:spTree>
+      <p:nvGrpSpPr>
+        <p:cNvPr id="1" name=""/>
+        <p:cNvGrpSpPr/>
+        <p:nvPr/>
+      </p:nvGrpSpPr>
+      <p:grpSpPr>
+        <a:xfrm>
+          <a:off x="0" y="0"/>
+          <a:ext cx="0" cy="0"/>
+          <a:chOff x="0" y="0"/>
+          <a:chExt cx="0" cy="0"/>
+        </a:xfrm>
+      </p:grpSpPr>
+      <p:sp>
+        <p:nvSpPr>
+          <p:cNvPr id="2" name="Date Placeholder 1"/>
+          <p:cNvSpPr>
+            <a:spLocks noGrp="1"/>
+          </p:cNvSpPr>
+          <p:nvPr>
+            <p:ph type="dt" sz="half" idx="10"/>
+          </p:nvPr>
+        </p:nvSpPr>
+        <p:spPr/>
+        <p:txBody>
+          <a:bodyPr/>
+          <a:lstStyle/>
+          <a:p>
+            <a:fld id="{834513E8-165F-4932-9E2D-FD497CB9A4FD}" type="datetimeFigureOut">
+              <a:rPr lang="en-US" smtClean="0"/>
+              <a:t>8/8/2018</a:t>
+            </a:fld>
+            <a:endParaRPr lang="en-US"/>
+          </a:p>
+        </p:txBody>
+      </p:sp>
+      <p:sp>
+        <p:nvSpPr>
+          <p:cNvPr id="3" name="Footer Placeholder 2"/>
+          <p:cNvSpPr>
+            <a:spLocks noGrp="1"/>
+          </p:cNvSpPr>
+          <p:nvPr>
+            <p:ph type="ftr" sz="quarter" idx="11"/>
+          </p:nvPr>
+        </p:nvSpPr>
+        <p:spPr/>
+        <p:txBody>
+          <a:bodyPr/>
+          <a:lstStyle/>
+          <a:p>
+            <a:endParaRPr lang="en-US"/>
+          </a:p>
+        </p:txBody>
+      </p:sp>
+      <p:sp>
+        <p:nvSpPr>
+          <p:cNvPr id="4" name="Slide Number Placeholder 3"/>
+          <p:cNvSpPr>
+            <a:spLocks noGrp="1"/>
+          </p:cNvSpPr>
+          <p:nvPr>
+            <p:ph type="sldNum" sz="quarter" idx="12"/>
+          </p:nvPr>
+        </p:nvSpPr>
+        <p:spPr/>
+        <p:txBody>
+          <a:bodyPr/>
+          <a:lstStyle/>
+          <a:p>
+            <a:fld id="{3E852FCF-D44D-4D06-AC89-29A3B60A1814}" type="slidenum">
+              <a:rPr lang="en-US" smtClean="0"/>
+              <a:t>‹#›</a:t>
+            </a:fld>
+            <a:endParaRPr lang="en-US"/>
+          </a:p>
+        </p:txBody>
+      </p:sp>
+    </p:spTree>
+    <p:extLst>
+      <p:ext uri="{BB962C8B-B14F-4D97-AF65-F5344CB8AC3E}">
+        <p14:creationId xmlns:p14="http://schemas.microsoft.com/office/powerpoint/2010/main" val="3072286336"/>
+      </p:ext>
+    </p:extLst>
+  </p:cSld>
+  <p:clrMapOvr>
+    <a:masterClrMapping/>
+  </p:clrMapOvr>
+</p:sldLayout>
+</file>
+
+<file path=ppt/slideLayouts/slideLayout11.xml><?xml version="1.0" encoding="utf-8"?>
+<p:sldLayout xmlns:a="http://schemas.openxmlformats.org/drawingml/2006/main" xmlns:r="http://schemas.openxmlformats.org/officeDocument/2006/relationships" xmlns:p="http://schemas.openxmlformats.org/presentationml/2006/main" type="objTx" preserve="1">
+  <p:cSld name="Content with Caption">
+    <p:spTree>
+      <p:nvGrpSpPr>
+        <p:cNvPr id="1" name=""/>
+        <p:cNvGrpSpPr/>
+        <p:nvPr/>
+      </p:nvGrpSpPr>
+      <p:grpSpPr>
+        <a:xfrm>
+          <a:off x="0" y="0"/>
+          <a:ext cx="0" cy="0"/>
+          <a:chOff x="0" y="0"/>
+          <a:chExt cx="0" cy="0"/>
+        </a:xfrm>
+      </p:grpSpPr>
+      <p:sp>
+        <p:nvSpPr>
+          <p:cNvPr id="2" name="Title 1"/>
+          <p:cNvSpPr>
+            <a:spLocks noGrp="1"/>
+          </p:cNvSpPr>
+          <p:nvPr>
+            <p:ph type="title"/>
+          </p:nvPr>
+        </p:nvSpPr>
+        <p:spPr>
+          <a:xfrm>
+            <a:off x="630238" y="457200"/>
+            <a:ext cx="2949575" cy="1600200"/>
+          </a:xfrm>
+        </p:spPr>
+        <p:txBody>
+          <a:bodyPr anchor="b"/>
+          <a:lstStyle>
+            <a:lvl1pPr>
+              <a:defRPr sz="3200"/>
+            </a:lvl1pPr>
+          </a:lstStyle>
+          <a:p>
+            <a:r>
+              <a:rPr lang="en-US" smtClean="0"/>
+              <a:t>Click to edit Master title style</a:t>
+            </a:r>
+            <a:endParaRPr lang="en-US"/>
+          </a:p>
+        </p:txBody>
+      </p:sp>
+      <p:sp>
+        <p:nvSpPr>
+          <p:cNvPr id="3" name="Content Placeholder 2"/>
+          <p:cNvSpPr>
+            <a:spLocks noGrp="1"/>
+          </p:cNvSpPr>
+          <p:nvPr>
+            <p:ph idx="1"/>
+          </p:nvPr>
+        </p:nvSpPr>
+        <p:spPr>
+          <a:xfrm>
+            <a:off x="3887788" y="987425"/>
+            <a:ext cx="4629150" cy="4873625"/>
+          </a:xfrm>
+        </p:spPr>
+        <p:txBody>
+          <a:bodyPr/>
+          <a:lstStyle>
+            <a:lvl1pPr>
+              <a:defRPr sz="3200"/>
+            </a:lvl1pPr>
+            <a:lvl2pPr>
+              <a:defRPr sz="2800"/>
+            </a:lvl2pPr>
+            <a:lvl3pPr>
+              <a:defRPr sz="2400"/>
+            </a:lvl3pPr>
+            <a:lvl4pPr>
+              <a:defRPr sz="2000"/>
+            </a:lvl4pPr>
+            <a:lvl5pPr>
+              <a:defRPr sz="2000"/>
+            </a:lvl5pPr>
+            <a:lvl6pPr>
+              <a:defRPr sz="2000"/>
+            </a:lvl6pPr>
+            <a:lvl7pPr>
+              <a:defRPr sz="2000"/>
+            </a:lvl7pPr>
+            <a:lvl8pPr>
+              <a:defRPr sz="2000"/>
+            </a:lvl8pPr>
+            <a:lvl9pPr>
+              <a:defRPr sz="2000"/>
+            </a:lvl9pPr>
+          </a:lstStyle>
+          <a:p>
+            <a:pPr lvl="0"/>
+            <a:r>
+              <a:rPr lang="en-US" smtClean="0"/>
+              <a:t>Click to edit Master text styles</a:t>
+            </a:r>
+          </a:p>
+          <a:p>
+            <a:pPr lvl="1"/>
+            <a:r>
+              <a:rPr lang="en-US" smtClean="0"/>
+              <a:t>Second level</a:t>
+            </a:r>
+          </a:p>
+          <a:p>
+            <a:pPr lvl="2"/>
+            <a:r>
+              <a:rPr lang="en-US" smtClean="0"/>
+              <a:t>Third level</a:t>
+            </a:r>
+          </a:p>
+          <a:p>
+            <a:pPr lvl="3"/>
+            <a:r>
+              <a:rPr lang="en-US" smtClean="0"/>
+              <a:t>Fourth level</a:t>
+            </a:r>
+          </a:p>
+          <a:p>
+            <a:pPr lvl="4"/>
+            <a:r>
+              <a:rPr lang="en-US" smtClean="0"/>
+              <a:t>Fifth level</a:t>
+            </a:r>
+            <a:endParaRPr lang="en-US"/>
+          </a:p>
+        </p:txBody>
+      </p:sp>
+      <p:sp>
+        <p:nvSpPr>
+          <p:cNvPr id="4" name="Text Placeholder 3"/>
+          <p:cNvSpPr>
+            <a:spLocks noGrp="1"/>
+          </p:cNvSpPr>
+          <p:nvPr>
+            <p:ph type="body" sz="half" idx="2"/>
+          </p:nvPr>
+        </p:nvSpPr>
+        <p:spPr>
+          <a:xfrm>
+            <a:off x="630238" y="2057400"/>
+            <a:ext cx="2949575" cy="3811588"/>
+          </a:xfrm>
+        </p:spPr>
+        <p:txBody>
+          <a:bodyPr/>
+          <a:lstStyle>
+            <a:lvl1pPr marL="0" indent="0">
+              <a:buNone/>
+              <a:defRPr sz="1600"/>
+            </a:lvl1pPr>
+            <a:lvl2pPr marL="457200" indent="0">
+              <a:buNone/>
+              <a:defRPr sz="1400"/>
+            </a:lvl2pPr>
+            <a:lvl3pPr marL="914400" indent="0">
+              <a:buNone/>
+              <a:defRPr sz="1200"/>
+            </a:lvl3pPr>
+            <a:lvl4pPr marL="1371600" indent="0">
+              <a:buNone/>
+              <a:defRPr sz="1000"/>
+            </a:lvl4pPr>
+            <a:lvl5pPr marL="1828800" indent="0">
+              <a:buNone/>
+              <a:defRPr sz="1000"/>
+            </a:lvl5pPr>
+            <a:lvl6pPr marL="2286000" indent="0">
+              <a:buNone/>
+              <a:defRPr sz="1000"/>
+            </a:lvl6pPr>
+            <a:lvl7pPr marL="2743200" indent="0">
+              <a:buNone/>
+              <a:defRPr sz="1000"/>
+            </a:lvl7pPr>
+            <a:lvl8pPr marL="3200400" indent="0">
+              <a:buNone/>
+              <a:defRPr sz="1000"/>
+            </a:lvl8pPr>
+            <a:lvl9pPr marL="3657600" indent="0">
+              <a:buNone/>
+              <a:defRPr sz="1000"/>
+            </a:lvl9pPr>
+          </a:lstStyle>
+          <a:p>
+            <a:pPr lvl="0"/>
+            <a:r>
+              <a:rPr lang="en-US" smtClean="0"/>
+              <a:t>Click to edit Master text styles</a:t>
+            </a:r>
+          </a:p>
+        </p:txBody>
+      </p:sp>
+      <p:sp>
+        <p:nvSpPr>
+          <p:cNvPr id="5" name="Date Placeholder 4"/>
+          <p:cNvSpPr>
+            <a:spLocks noGrp="1"/>
+          </p:cNvSpPr>
+          <p:nvPr>
+            <p:ph type="dt" sz="half" idx="10"/>
+          </p:nvPr>
+        </p:nvSpPr>
+        <p:spPr/>
+        <p:txBody>
+          <a:bodyPr/>
+          <a:lstStyle/>
+          <a:p>
+            <a:fld id="{834513E8-165F-4932-9E2D-FD497CB9A4FD}" type="datetimeFigureOut">
+              <a:rPr lang="en-US" smtClean="0"/>
+              <a:t>8/8/2018</a:t>
+            </a:fld>
+            <a:endParaRPr lang="en-US"/>
+          </a:p>
+        </p:txBody>
+      </p:sp>
+      <p:sp>
+        <p:nvSpPr>
+          <p:cNvPr id="6" name="Footer Placeholder 5"/>
+          <p:cNvSpPr>
+            <a:spLocks noGrp="1"/>
+          </p:cNvSpPr>
+          <p:nvPr>
+            <p:ph type="ftr" sz="quarter" idx="11"/>
+          </p:nvPr>
+        </p:nvSpPr>
+        <p:spPr/>
+        <p:txBody>
+          <a:bodyPr/>
+          <a:lstStyle/>
+          <a:p>
+            <a:endParaRPr lang="en-US"/>
+          </a:p>
+        </p:txBody>
+      </p:sp>
+      <p:sp>
+        <p:nvSpPr>
+          <p:cNvPr id="7" name="Slide Number Placeholder 6"/>
+          <p:cNvSpPr>
+            <a:spLocks noGrp="1"/>
+          </p:cNvSpPr>
+          <p:nvPr>
+            <p:ph type="sldNum" sz="quarter" idx="12"/>
+          </p:nvPr>
+        </p:nvSpPr>
+        <p:spPr/>
+        <p:txBody>
+          <a:bodyPr/>
+          <a:lstStyle/>
+          <a:p>
+            <a:fld id="{3E852FCF-D44D-4D06-AC89-29A3B60A1814}" type="slidenum">
+              <a:rPr lang="en-US" smtClean="0"/>
+              <a:t>‹#›</a:t>
+            </a:fld>
+            <a:endParaRPr lang="en-US"/>
+          </a:p>
+        </p:txBody>
+      </p:sp>
+    </p:spTree>
+    <p:extLst>
+      <p:ext uri="{BB962C8B-B14F-4D97-AF65-F5344CB8AC3E}">
+        <p14:creationId xmlns:p14="http://schemas.microsoft.com/office/powerpoint/2010/main" val="2987723682"/>
+      </p:ext>
+    </p:extLst>
+  </p:cSld>
+  <p:clrMapOvr>
+    <a:masterClrMapping/>
+  </p:clrMapOvr>
+</p:sldLayout>
+</file>
+
+<file path=ppt/slideLayouts/slideLayout12.xml><?xml version="1.0" encoding="utf-8"?>
+<p:sldLayout xmlns:a="http://schemas.openxmlformats.org/drawingml/2006/main" xmlns:r="http://schemas.openxmlformats.org/officeDocument/2006/relationships" xmlns:p="http://schemas.openxmlformats.org/presentationml/2006/main" type="picTx" preserve="1">
+  <p:cSld name="Picture with Caption">
+    <p:spTree>
+      <p:nvGrpSpPr>
+        <p:cNvPr id="1" name=""/>
+        <p:cNvGrpSpPr/>
+        <p:nvPr/>
+      </p:nvGrpSpPr>
+      <p:grpSpPr>
+        <a:xfrm>
+          <a:off x="0" y="0"/>
+          <a:ext cx="0" cy="0"/>
+          <a:chOff x="0" y="0"/>
+          <a:chExt cx="0" cy="0"/>
+        </a:xfrm>
+      </p:grpSpPr>
+      <p:sp>
+        <p:nvSpPr>
+          <p:cNvPr id="2" name="Title 1"/>
+          <p:cNvSpPr>
+            <a:spLocks noGrp="1"/>
+          </p:cNvSpPr>
+          <p:nvPr>
+            <p:ph type="title"/>
+          </p:nvPr>
+        </p:nvSpPr>
+        <p:spPr>
+          <a:xfrm>
+            <a:off x="630238" y="457200"/>
+            <a:ext cx="2949575" cy="1600200"/>
+          </a:xfrm>
+        </p:spPr>
+        <p:txBody>
+          <a:bodyPr anchor="b"/>
+          <a:lstStyle>
+            <a:lvl1pPr>
+              <a:defRPr sz="3200"/>
+            </a:lvl1pPr>
+          </a:lstStyle>
+          <a:p>
+            <a:r>
+              <a:rPr lang="en-US" smtClean="0"/>
+              <a:t>Click to edit Master title style</a:t>
+            </a:r>
+            <a:endParaRPr lang="en-US"/>
+          </a:p>
+        </p:txBody>
+      </p:sp>
+      <p:sp>
+        <p:nvSpPr>
+          <p:cNvPr id="3" name="Picture Placeholder 2"/>
+          <p:cNvSpPr>
+            <a:spLocks noGrp="1"/>
+          </p:cNvSpPr>
+          <p:nvPr>
+            <p:ph type="pic" idx="1"/>
+          </p:nvPr>
+        </p:nvSpPr>
+        <p:spPr>
+          <a:xfrm>
+            <a:off x="3887788" y="987425"/>
+            <a:ext cx="4629150" cy="4873625"/>
+          </a:xfrm>
+        </p:spPr>
+        <p:txBody>
+          <a:bodyPr/>
+          <a:lstStyle>
+            <a:lvl1pPr marL="0" indent="0">
+              <a:buNone/>
+              <a:defRPr sz="3200"/>
+            </a:lvl1pPr>
+            <a:lvl2pPr marL="457200" indent="0">
+              <a:buNone/>
+              <a:defRPr sz="2800"/>
+            </a:lvl2pPr>
+            <a:lvl3pPr marL="914400" indent="0">
+              <a:buNone/>
+              <a:defRPr sz="2400"/>
+            </a:lvl3pPr>
+            <a:lvl4pPr marL="1371600" indent="0">
+              <a:buNone/>
+              <a:defRPr sz="2000"/>
+            </a:lvl4pPr>
+            <a:lvl5pPr marL="1828800" indent="0">
+              <a:buNone/>
+              <a:defRPr sz="2000"/>
+            </a:lvl5pPr>
+            <a:lvl6pPr marL="2286000" indent="0">
+              <a:buNone/>
+              <a:defRPr sz="2000"/>
+            </a:lvl6pPr>
+            <a:lvl7pPr marL="2743200" indent="0">
+              <a:buNone/>
+              <a:defRPr sz="2000"/>
+            </a:lvl7pPr>
+            <a:lvl8pPr marL="3200400" indent="0">
+              <a:buNone/>
+              <a:defRPr sz="2000"/>
+            </a:lvl8pPr>
+            <a:lvl9pPr marL="3657600" indent="0">
+              <a:buNone/>
+              <a:defRPr sz="2000"/>
+            </a:lvl9pPr>
+          </a:lstStyle>
+          <a:p>
+            <a:endParaRPr lang="en-US"/>
+          </a:p>
+        </p:txBody>
+      </p:sp>
+      <p:sp>
+        <p:nvSpPr>
+          <p:cNvPr id="4" name="Text Placeholder 3"/>
+          <p:cNvSpPr>
+            <a:spLocks noGrp="1"/>
+          </p:cNvSpPr>
+          <p:nvPr>
+            <p:ph type="body" sz="half" idx="2"/>
+          </p:nvPr>
+        </p:nvSpPr>
+        <p:spPr>
+          <a:xfrm>
+            <a:off x="630238" y="2057400"/>
+            <a:ext cx="2949575" cy="3811588"/>
+          </a:xfrm>
+        </p:spPr>
+        <p:txBody>
+          <a:bodyPr/>
+          <a:lstStyle>
+            <a:lvl1pPr marL="0" indent="0">
+              <a:buNone/>
+              <a:defRPr sz="1600"/>
+            </a:lvl1pPr>
+            <a:lvl2pPr marL="457200" indent="0">
+              <a:buNone/>
+              <a:defRPr sz="1400"/>
+            </a:lvl2pPr>
+            <a:lvl3pPr marL="914400" indent="0">
+              <a:buNone/>
+              <a:defRPr sz="1200"/>
+            </a:lvl3pPr>
+            <a:lvl4pPr marL="1371600" indent="0">
+              <a:buNone/>
+              <a:defRPr sz="1000"/>
+            </a:lvl4pPr>
+            <a:lvl5pPr marL="1828800" indent="0">
+              <a:buNone/>
+              <a:defRPr sz="1000"/>
+            </a:lvl5pPr>
+            <a:lvl6pPr marL="2286000" indent="0">
+              <a:buNone/>
+              <a:defRPr sz="1000"/>
+            </a:lvl6pPr>
+            <a:lvl7pPr marL="2743200" indent="0">
+              <a:buNone/>
+              <a:defRPr sz="1000"/>
+            </a:lvl7pPr>
+            <a:lvl8pPr marL="3200400" indent="0">
+              <a:buNone/>
+              <a:defRPr sz="1000"/>
+            </a:lvl8pPr>
+            <a:lvl9pPr marL="3657600" indent="0">
+              <a:buNone/>
+              <a:defRPr sz="1000"/>
+            </a:lvl9pPr>
+          </a:lstStyle>
+          <a:p>
+            <a:pPr lvl="0"/>
+            <a:r>
+              <a:rPr lang="en-US" smtClean="0"/>
+              <a:t>Click to edit Master text styles</a:t>
+            </a:r>
+          </a:p>
+        </p:txBody>
+      </p:sp>
+      <p:sp>
+        <p:nvSpPr>
+          <p:cNvPr id="5" name="Date Placeholder 4"/>
+          <p:cNvSpPr>
+            <a:spLocks noGrp="1"/>
+          </p:cNvSpPr>
+          <p:nvPr>
+            <p:ph type="dt" sz="half" idx="10"/>
+          </p:nvPr>
+        </p:nvSpPr>
+        <p:spPr/>
+        <p:txBody>
+          <a:bodyPr/>
+          <a:lstStyle/>
+          <a:p>
+            <a:fld id="{834513E8-165F-4932-9E2D-FD497CB9A4FD}" type="datetimeFigureOut">
+              <a:rPr lang="en-US" smtClean="0"/>
+              <a:t>8/8/2018</a:t>
+            </a:fld>
+            <a:endParaRPr lang="en-US"/>
+          </a:p>
+        </p:txBody>
+      </p:sp>
+      <p:sp>
+        <p:nvSpPr>
+          <p:cNvPr id="6" name="Footer Placeholder 5"/>
+          <p:cNvSpPr>
+            <a:spLocks noGrp="1"/>
+          </p:cNvSpPr>
+          <p:nvPr>
+            <p:ph type="ftr" sz="quarter" idx="11"/>
+          </p:nvPr>
+        </p:nvSpPr>
+        <p:spPr/>
+        <p:txBody>
+          <a:bodyPr/>
+          <a:lstStyle/>
+          <a:p>
+            <a:endParaRPr lang="en-US"/>
+          </a:p>
+        </p:txBody>
+      </p:sp>
+      <p:sp>
+        <p:nvSpPr>
+          <p:cNvPr id="7" name="Slide Number Placeholder 6"/>
+          <p:cNvSpPr>
+            <a:spLocks noGrp="1"/>
+          </p:cNvSpPr>
+          <p:nvPr>
+            <p:ph type="sldNum" sz="quarter" idx="12"/>
+          </p:nvPr>
+        </p:nvSpPr>
+        <p:spPr/>
+        <p:txBody>
+          <a:bodyPr/>
+          <a:lstStyle/>
+          <a:p>
+            <a:fld id="{3E852FCF-D44D-4D06-AC89-29A3B60A1814}" type="slidenum">
+              <a:rPr lang="en-US" smtClean="0"/>
+              <a:t>‹#›</a:t>
+            </a:fld>
+            <a:endParaRPr lang="en-US"/>
+          </a:p>
+        </p:txBody>
+      </p:sp>
+    </p:spTree>
+    <p:extLst>
+      <p:ext uri="{BB962C8B-B14F-4D97-AF65-F5344CB8AC3E}">
+        <p14:creationId xmlns:p14="http://schemas.microsoft.com/office/powerpoint/2010/main" val="1785021468"/>
+      </p:ext>
+    </p:extLst>
+  </p:cSld>
+  <p:clrMapOvr>
+    <a:masterClrMapping/>
+  </p:clrMapOvr>
+</p:sldLayout>
+</file>
+
+<file path=ppt/slideLayouts/slideLayout13.xml><?xml version="1.0" encoding="utf-8"?>
+<p:sldLayout xmlns:a="http://schemas.openxmlformats.org/drawingml/2006/main" xmlns:r="http://schemas.openxmlformats.org/officeDocument/2006/relationships" xmlns:p="http://schemas.openxmlformats.org/presentationml/2006/main" type="vertTx" preserve="1">
+  <p:cSld name="Title and Vertical Text">
+    <p:spTree>
+      <p:nvGrpSpPr>
+        <p:cNvPr id="1" name=""/>
+        <p:cNvGrpSpPr/>
+        <p:nvPr/>
+      </p:nvGrpSpPr>
+      <p:grpSpPr>
+        <a:xfrm>
+          <a:off x="0" y="0"/>
+          <a:ext cx="0" cy="0"/>
+          <a:chOff x="0" y="0"/>
+          <a:chExt cx="0" cy="0"/>
+        </a:xfrm>
+      </p:grpSpPr>
+      <p:sp>
+        <p:nvSpPr>
+          <p:cNvPr id="2" name="Title 1"/>
+          <p:cNvSpPr>
+            <a:spLocks noGrp="1"/>
+          </p:cNvSpPr>
+          <p:nvPr>
+            <p:ph type="title"/>
+          </p:nvPr>
+        </p:nvSpPr>
+        <p:spPr/>
+        <p:txBody>
+          <a:bodyPr/>
+          <a:lstStyle/>
+          <a:p>
+            <a:r>
+              <a:rPr lang="en-US" smtClean="0"/>
+              <a:t>Click to edit Master title style</a:t>
+            </a:r>
+            <a:endParaRPr lang="en-US"/>
+          </a:p>
+        </p:txBody>
+      </p:sp>
+      <p:sp>
+        <p:nvSpPr>
+          <p:cNvPr id="3" name="Vertical Text Placeholder 2"/>
+          <p:cNvSpPr>
+            <a:spLocks noGrp="1"/>
+          </p:cNvSpPr>
+          <p:nvPr>
+            <p:ph type="body" orient="vert" idx="1"/>
+          </p:nvPr>
+        </p:nvSpPr>
+        <p:spPr/>
+        <p:txBody>
+          <a:bodyPr vert="eaVert"/>
+          <a:lstStyle/>
+          <a:p>
+            <a:pPr lvl="0"/>
+            <a:r>
+              <a:rPr lang="en-US" smtClean="0"/>
+              <a:t>Click to edit Master text styles</a:t>
+            </a:r>
+          </a:p>
+          <a:p>
+            <a:pPr lvl="1"/>
+            <a:r>
+              <a:rPr lang="en-US" smtClean="0"/>
+              <a:t>Second level</a:t>
+            </a:r>
+          </a:p>
+          <a:p>
+            <a:pPr lvl="2"/>
+            <a:r>
+              <a:rPr lang="en-US" smtClean="0"/>
+              <a:t>Third level</a:t>
+            </a:r>
+          </a:p>
+          <a:p>
+            <a:pPr lvl="3"/>
+            <a:r>
+              <a:rPr lang="en-US" smtClean="0"/>
+              <a:t>Fourth level</a:t>
+            </a:r>
+          </a:p>
+          <a:p>
+            <a:pPr lvl="4"/>
+            <a:r>
+              <a:rPr lang="en-US" smtClean="0"/>
+              <a:t>Fifth level</a:t>
+            </a:r>
+            <a:endParaRPr lang="en-US"/>
+          </a:p>
+        </p:txBody>
+      </p:sp>
+      <p:sp>
+        <p:nvSpPr>
+          <p:cNvPr id="4" name="Date Placeholder 3"/>
+          <p:cNvSpPr>
+            <a:spLocks noGrp="1"/>
+          </p:cNvSpPr>
+          <p:nvPr>
+            <p:ph type="dt" sz="half" idx="10"/>
+          </p:nvPr>
+        </p:nvSpPr>
+        <p:spPr/>
+        <p:txBody>
+          <a:bodyPr/>
+          <a:lstStyle/>
+          <a:p>
+            <a:fld id="{834513E8-165F-4932-9E2D-FD497CB9A4FD}" type="datetimeFigureOut">
+              <a:rPr lang="en-US" smtClean="0"/>
+              <a:t>8/8/2018</a:t>
+            </a:fld>
+            <a:endParaRPr lang="en-US"/>
+          </a:p>
+        </p:txBody>
+      </p:sp>
+      <p:sp>
+        <p:nvSpPr>
+          <p:cNvPr id="5" name="Footer Placeholder 4"/>
+          <p:cNvSpPr>
+            <a:spLocks noGrp="1"/>
+          </p:cNvSpPr>
+          <p:nvPr>
+            <p:ph type="ftr" sz="quarter" idx="11"/>
+          </p:nvPr>
+        </p:nvSpPr>
+        <p:spPr/>
+        <p:txBody>
+          <a:bodyPr/>
+          <a:lstStyle/>
+          <a:p>
+            <a:endParaRPr lang="en-US"/>
+          </a:p>
+        </p:txBody>
+      </p:sp>
+      <p:sp>
+        <p:nvSpPr>
+          <p:cNvPr id="6" name="Slide Number Placeholder 5"/>
+          <p:cNvSpPr>
+            <a:spLocks noGrp="1"/>
+          </p:cNvSpPr>
+          <p:nvPr>
+            <p:ph type="sldNum" sz="quarter" idx="12"/>
+          </p:nvPr>
+        </p:nvSpPr>
+        <p:spPr/>
+        <p:txBody>
+          <a:bodyPr/>
+          <a:lstStyle/>
+          <a:p>
+            <a:fld id="{3E852FCF-D44D-4D06-AC89-29A3B60A1814}" type="slidenum">
+              <a:rPr lang="en-US" smtClean="0"/>
+              <a:t>‹#›</a:t>
+            </a:fld>
+            <a:endParaRPr lang="en-US"/>
+          </a:p>
+        </p:txBody>
+      </p:sp>
+    </p:spTree>
+    <p:extLst>
+      <p:ext uri="{BB962C8B-B14F-4D97-AF65-F5344CB8AC3E}">
+        <p14:creationId xmlns:p14="http://schemas.microsoft.com/office/powerpoint/2010/main" val="2219195948"/>
+      </p:ext>
+    </p:extLst>
+  </p:cSld>
+  <p:clrMapOvr>
+    <a:masterClrMapping/>
+  </p:clrMapOvr>
+</p:sldLayout>
+</file>
+
+<file path=ppt/slideLayouts/slideLayout14.xml><?xml version="1.0" encoding="utf-8"?>
+<p:sldLayout xmlns:a="http://schemas.openxmlformats.org/drawingml/2006/main" xmlns:r="http://schemas.openxmlformats.org/officeDocument/2006/relationships" xmlns:p="http://schemas.openxmlformats.org/presentationml/2006/main" type="vertTitleAndTx" preserve="1">
+  <p:cSld name="Vertical Title and Text">
+    <p:spTree>
+      <p:nvGrpSpPr>
+        <p:cNvPr id="1" name=""/>
+        <p:cNvGrpSpPr/>
+        <p:nvPr/>
+      </p:nvGrpSpPr>
+      <p:grpSpPr>
+        <a:xfrm>
+          <a:off x="0" y="0"/>
+          <a:ext cx="0" cy="0"/>
+          <a:chOff x="0" y="0"/>
+          <a:chExt cx="0" cy="0"/>
+        </a:xfrm>
+      </p:grpSpPr>
+      <p:sp>
+        <p:nvSpPr>
+          <p:cNvPr id="2" name="Vertical Title 1"/>
+          <p:cNvSpPr>
+            <a:spLocks noGrp="1"/>
+          </p:cNvSpPr>
+          <p:nvPr>
+            <p:ph type="title" orient="vert"/>
+          </p:nvPr>
+        </p:nvSpPr>
+        <p:spPr>
+          <a:xfrm>
+            <a:off x="6543675" y="365125"/>
+            <a:ext cx="1971675" cy="5811838"/>
+          </a:xfrm>
+        </p:spPr>
+        <p:txBody>
+          <a:bodyPr vert="eaVert"/>
+          <a:lstStyle/>
+          <a:p>
+            <a:r>
+              <a:rPr lang="en-US" smtClean="0"/>
+              <a:t>Click to edit Master title style</a:t>
+            </a:r>
+            <a:endParaRPr lang="en-US"/>
+          </a:p>
+        </p:txBody>
+      </p:sp>
+      <p:sp>
+        <p:nvSpPr>
+          <p:cNvPr id="3" name="Vertical Text Placeholder 2"/>
+          <p:cNvSpPr>
+            <a:spLocks noGrp="1"/>
+          </p:cNvSpPr>
+          <p:nvPr>
+            <p:ph type="body" orient="vert" idx="1"/>
+          </p:nvPr>
+        </p:nvSpPr>
+        <p:spPr>
+          <a:xfrm>
+            <a:off x="628650" y="365125"/>
+            <a:ext cx="5762625" cy="5811838"/>
+          </a:xfrm>
+        </p:spPr>
+        <p:txBody>
+          <a:bodyPr vert="eaVert"/>
+          <a:lstStyle/>
+          <a:p>
+            <a:pPr lvl="0"/>
+            <a:r>
+              <a:rPr lang="en-US" smtClean="0"/>
+              <a:t>Click to edit Master text styles</a:t>
+            </a:r>
+          </a:p>
+          <a:p>
+            <a:pPr lvl="1"/>
+            <a:r>
+              <a:rPr lang="en-US" smtClean="0"/>
+              <a:t>Second level</a:t>
+            </a:r>
+          </a:p>
+          <a:p>
+            <a:pPr lvl="2"/>
+            <a:r>
+              <a:rPr lang="en-US" smtClean="0"/>
+              <a:t>Third level</a:t>
+            </a:r>
+          </a:p>
+          <a:p>
+            <a:pPr lvl="3"/>
+            <a:r>
+              <a:rPr lang="en-US" smtClean="0"/>
+              <a:t>Fourth level</a:t>
+            </a:r>
+          </a:p>
+          <a:p>
+            <a:pPr lvl="4"/>
+            <a:r>
+              <a:rPr lang="en-US" smtClean="0"/>
+              <a:t>Fifth level</a:t>
+            </a:r>
+            <a:endParaRPr lang="en-US"/>
+          </a:p>
+        </p:txBody>
+      </p:sp>
+      <p:sp>
+        <p:nvSpPr>
+          <p:cNvPr id="4" name="Date Placeholder 3"/>
+          <p:cNvSpPr>
+            <a:spLocks noGrp="1"/>
+          </p:cNvSpPr>
+          <p:nvPr>
+            <p:ph type="dt" sz="half" idx="10"/>
+          </p:nvPr>
+        </p:nvSpPr>
+        <p:spPr/>
+        <p:txBody>
+          <a:bodyPr/>
+          <a:lstStyle/>
+          <a:p>
+            <a:fld id="{834513E8-165F-4932-9E2D-FD497CB9A4FD}" type="datetimeFigureOut">
+              <a:rPr lang="en-US" smtClean="0"/>
+              <a:t>8/8/2018</a:t>
+            </a:fld>
+            <a:endParaRPr lang="en-US"/>
+          </a:p>
+        </p:txBody>
+      </p:sp>
+      <p:sp>
+        <p:nvSpPr>
+          <p:cNvPr id="5" name="Footer Placeholder 4"/>
+          <p:cNvSpPr>
+            <a:spLocks noGrp="1"/>
+          </p:cNvSpPr>
+          <p:nvPr>
+            <p:ph type="ftr" sz="quarter" idx="11"/>
+          </p:nvPr>
+        </p:nvSpPr>
+        <p:spPr/>
+        <p:txBody>
+          <a:bodyPr/>
+          <a:lstStyle/>
+          <a:p>
+            <a:endParaRPr lang="en-US"/>
+          </a:p>
+        </p:txBody>
+      </p:sp>
+      <p:sp>
+        <p:nvSpPr>
+          <p:cNvPr id="6" name="Slide Number Placeholder 5"/>
+          <p:cNvSpPr>
+            <a:spLocks noGrp="1"/>
+          </p:cNvSpPr>
+          <p:nvPr>
+            <p:ph type="sldNum" sz="quarter" idx="12"/>
+          </p:nvPr>
+        </p:nvSpPr>
+        <p:spPr/>
+        <p:txBody>
+          <a:bodyPr/>
+          <a:lstStyle/>
+          <a:p>
+            <a:fld id="{3E852FCF-D44D-4D06-AC89-29A3B60A1814}" type="slidenum">
+              <a:rPr lang="en-US" smtClean="0"/>
+              <a:t>‹#›</a:t>
+            </a:fld>
+            <a:endParaRPr lang="en-US"/>
+          </a:p>
+        </p:txBody>
+      </p:sp>
+    </p:spTree>
+    <p:extLst>
+      <p:ext uri="{BB962C8B-B14F-4D97-AF65-F5344CB8AC3E}">
+        <p14:creationId xmlns:p14="http://schemas.microsoft.com/office/powerpoint/2010/main" val="585405857"/>
+      </p:ext>
+    </p:extLst>
+  </p:cSld>
+  <p:clrMapOvr>
+    <a:masterClrMapping/>
+  </p:clrMapOvr>
+</p:sldLayout>
+</file>
+
+<file path=ppt/slideLayouts/slideLayout2.xml><?xml version="1.0" encoding="utf-8"?>
+<p:sldLayout xmlns:a="http://schemas.openxmlformats.org/drawingml/2006/main" xmlns:r="http://schemas.openxmlformats.org/officeDocument/2006/relationships" xmlns:p="http://schemas.openxmlformats.org/presentationml/2006/main" preserve="1" userDrawn="1">
+  <p:cSld name="Title Slide">
+    <p:spTree>
+      <p:nvGrpSpPr>
+        <p:cNvPr id="1" name=""/>
+        <p:cNvGrpSpPr/>
+        <p:nvPr/>
+      </p:nvGrpSpPr>
+      <p:grpSpPr>
+        <a:xfrm>
+          <a:off x="0" y="0"/>
+          <a:ext cx="0" cy="0"/>
+          <a:chOff x="0" y="0"/>
+          <a:chExt cx="0" cy="0"/>
+        </a:xfrm>
+      </p:grpSpPr>
+      <p:sp>
+        <p:nvSpPr>
+          <p:cNvPr id="3" name="Subtitle 2"/>
+          <p:cNvSpPr>
+            <a:spLocks noGrp="1"/>
+          </p:cNvSpPr>
+          <p:nvPr>
+            <p:ph type="subTitle" idx="1" hasCustomPrompt="1"/>
+          </p:nvPr>
+        </p:nvSpPr>
+        <p:spPr>
+          <a:xfrm>
+            <a:off x="365760" y="1463040"/>
+            <a:ext cx="8412480" cy="4937760"/>
+          </a:xfrm>
+        </p:spPr>
+        <p:txBody>
+          <a:bodyPr/>
+          <a:lstStyle>
+            <a:lvl1pPr marL="285750" marR="0" indent="-285750" algn="l" defTabSz="914400" rtl="0" eaLnBrk="0" fontAlgn="base" latinLnBrk="0" hangingPunct="0">
+              <a:lnSpc>
+                <a:spcPct val="100000"/>
+              </a:lnSpc>
+              <a:spcBef>
+                <a:spcPct val="20000"/>
+              </a:spcBef>
+              <a:spcAft>
+                <a:spcPct val="0"/>
+              </a:spcAft>
+              <a:buClr>
+                <a:srgbClr val="0C2D83"/>
+              </a:buClr>
+              <a:buSzPct val="80000"/>
+              <a:buFont typeface="Wingdings" pitchFamily="2" charset="2"/>
+              <a:buChar char="n"/>
+              <a:tabLst/>
+              <a:defRPr>
+                <a:solidFill>
+                  <a:schemeClr val="tx1"/>
+                </a:solidFill>
+                <a:latin typeface="Trebuchet MS" panose="020B0603020202020204" pitchFamily="34" charset="0"/>
+              </a:defRPr>
+            </a:lvl1pPr>
+            <a:lvl2pPr marL="688975" marR="0" indent="-282575" algn="l" defTabSz="914400" rtl="0" eaLnBrk="0" fontAlgn="base" latinLnBrk="0" hangingPunct="0">
+              <a:lnSpc>
+                <a:spcPct val="100000"/>
+              </a:lnSpc>
+              <a:spcBef>
+                <a:spcPct val="20000"/>
+              </a:spcBef>
+              <a:spcAft>
+                <a:spcPct val="0"/>
+              </a:spcAft>
+              <a:buClr>
+                <a:srgbClr val="0C2D83"/>
+              </a:buClr>
+              <a:buSzPct val="80000"/>
+              <a:buFont typeface="Wingdings" pitchFamily="2" charset="2"/>
+              <a:buChar char="n"/>
+              <a:tabLst/>
+              <a:defRPr>
+                <a:solidFill>
+                  <a:schemeClr val="tx1"/>
+                </a:solidFill>
+                <a:latin typeface="Trebuchet MS" panose="020B0603020202020204" pitchFamily="34" charset="0"/>
+              </a:defRPr>
+            </a:lvl2pPr>
+            <a:lvl3pPr marL="1027113" marR="0" indent="-223838" algn="l" defTabSz="914400" rtl="0" eaLnBrk="0" fontAlgn="base" latinLnBrk="0" hangingPunct="0">
+              <a:lnSpc>
+                <a:spcPct val="100000"/>
+              </a:lnSpc>
+              <a:spcBef>
+                <a:spcPct val="20000"/>
+              </a:spcBef>
+              <a:spcAft>
+                <a:spcPct val="0"/>
+              </a:spcAft>
+              <a:buClr>
+                <a:srgbClr val="0C2D83"/>
+              </a:buClr>
+              <a:buSzPct val="80000"/>
+              <a:buFont typeface="Wingdings" pitchFamily="2" charset="2"/>
+              <a:buChar char="n"/>
+              <a:tabLst/>
+              <a:defRPr>
+                <a:solidFill>
+                  <a:schemeClr val="tx1"/>
+                </a:solidFill>
+                <a:latin typeface="Trebuchet MS" panose="020B0603020202020204" pitchFamily="34" charset="0"/>
+              </a:defRPr>
+            </a:lvl3pPr>
+            <a:lvl4pPr marL="1600200" marR="0" indent="-228600" algn="l" defTabSz="914400" rtl="0" eaLnBrk="0" fontAlgn="base" latinLnBrk="0" hangingPunct="0">
+              <a:lnSpc>
+                <a:spcPct val="100000"/>
+              </a:lnSpc>
+              <a:spcBef>
+                <a:spcPct val="20000"/>
+              </a:spcBef>
+              <a:spcAft>
+                <a:spcPct val="0"/>
+              </a:spcAft>
+              <a:buClr>
+                <a:srgbClr val="003399"/>
+              </a:buClr>
+              <a:buSzPct val="80000"/>
+              <a:buFont typeface="Wingdings" pitchFamily="2" charset="2"/>
+              <a:buChar char="n"/>
+              <a:tabLst/>
+              <a:defRPr>
+                <a:solidFill>
+                  <a:schemeClr val="tx1"/>
+                </a:solidFill>
+                <a:latin typeface="Trebuchet MS" panose="020B0603020202020204" pitchFamily="34" charset="0"/>
+              </a:defRPr>
+            </a:lvl4pPr>
+            <a:lvl5pPr marL="1828800" indent="0" algn="ctr">
+              <a:buNone/>
+              <a:defRPr>
+                <a:solidFill>
+                  <a:schemeClr val="tx1">
+                    <a:tint val="75000"/>
+                  </a:schemeClr>
+                </a:solidFill>
+              </a:defRPr>
+            </a:lvl5pPr>
+            <a:lvl6pPr marL="2286000" indent="0" algn="ctr">
+              <a:buNone/>
+              <a:defRPr>
+                <a:solidFill>
+                  <a:schemeClr val="tx1">
+                    <a:tint val="75000"/>
+                  </a:schemeClr>
+                </a:solidFill>
+              </a:defRPr>
+            </a:lvl6pPr>
+            <a:lvl7pPr marL="2743200" indent="0" algn="ctr">
+              <a:buNone/>
+              <a:defRPr>
+                <a:solidFill>
+                  <a:schemeClr val="tx1">
+                    <a:tint val="75000"/>
+                  </a:schemeClr>
+                </a:solidFill>
+              </a:defRPr>
+            </a:lvl7pPr>
+            <a:lvl8pPr marL="3200400" indent="0" algn="ctr">
+              <a:buNone/>
+              <a:defRPr>
+                <a:solidFill>
+                  <a:schemeClr val="tx1">
+                    <a:tint val="75000"/>
+                  </a:schemeClr>
+                </a:solidFill>
+              </a:defRPr>
+            </a:lvl8pPr>
+            <a:lvl9pPr marL="3657600" indent="0" algn="ctr">
+              <a:buNone/>
+              <a:defRPr>
+                <a:solidFill>
+                  <a:schemeClr val="tx1">
+                    <a:tint val="75000"/>
+                  </a:schemeClr>
+                </a:solidFill>
+              </a:defRPr>
+            </a:lvl9pPr>
+          </a:lstStyle>
+          <a:p>
+            <a:pPr marL="285750" marR="0" lvl="0" indent="-285750" algn="l" defTabSz="914400" rtl="0" eaLnBrk="0" fontAlgn="base" latinLnBrk="0" hangingPunct="0">
+              <a:lnSpc>
+                <a:spcPct val="100000"/>
+              </a:lnSpc>
+              <a:spcBef>
+                <a:spcPct val="20000"/>
+              </a:spcBef>
+              <a:spcAft>
+                <a:spcPct val="0"/>
+              </a:spcAft>
+              <a:buClr>
+                <a:srgbClr val="0C2D83"/>
+              </a:buClr>
+              <a:buSzPct val="80000"/>
+              <a:buFont typeface="Wingdings" pitchFamily="2" charset="2"/>
+              <a:buChar char="n"/>
+              <a:tabLst/>
+              <a:defRPr/>
+            </a:pPr>
+            <a:r>
+              <a:rPr kumimoji="0" lang="en-US" sz="2400" b="1" i="0" u="none" strike="noStrike" kern="0" cap="none" spc="0" normalizeH="0" baseline="0" noProof="0" dirty="0" smtClean="0">
+                <a:ln>
+                  <a:noFill/>
+                </a:ln>
+                <a:solidFill>
+                  <a:srgbClr val="000000"/>
+                </a:solidFill>
+                <a:effectLst/>
+                <a:uLnTx/>
+                <a:uFillTx/>
+                <a:latin typeface="+mn-lt"/>
+              </a:rPr>
+              <a:t>Click to edit Master text styles</a:t>
+            </a:r>
+          </a:p>
+          <a:p>
+            <a:pPr marL="688975" marR="0" lvl="1" indent="-282575" algn="l" defTabSz="914400" rtl="0" eaLnBrk="0" fontAlgn="base" latinLnBrk="0" hangingPunct="0">
+              <a:lnSpc>
+                <a:spcPct val="100000"/>
+              </a:lnSpc>
+              <a:spcBef>
+                <a:spcPct val="20000"/>
+              </a:spcBef>
+              <a:spcAft>
+                <a:spcPct val="0"/>
+              </a:spcAft>
+              <a:buClr>
+                <a:srgbClr val="0C2D83"/>
+              </a:buClr>
+              <a:buSzPct val="80000"/>
+              <a:buFont typeface="Wingdings" pitchFamily="2" charset="2"/>
+              <a:buChar char="n"/>
+              <a:tabLst/>
+              <a:defRPr/>
+            </a:pPr>
+            <a:r>
+              <a:rPr kumimoji="0" lang="en-US" sz="2000" b="1" i="0" u="none" strike="noStrike" kern="0" cap="none" spc="0" normalizeH="0" baseline="0" noProof="0" dirty="0" smtClean="0">
+                <a:ln>
+                  <a:noFill/>
+                </a:ln>
+                <a:solidFill>
+                  <a:srgbClr val="000000"/>
+                </a:solidFill>
+                <a:effectLst/>
+                <a:uLnTx/>
+                <a:uFillTx/>
+                <a:latin typeface="+mn-lt"/>
+              </a:rPr>
+              <a:t>Second level</a:t>
+            </a:r>
+          </a:p>
+          <a:p>
+            <a:pPr marL="1027113" marR="0" lvl="2" indent="-223838" algn="l" defTabSz="914400" rtl="0" eaLnBrk="0" fontAlgn="base" latinLnBrk="0" hangingPunct="0">
+              <a:lnSpc>
+                <a:spcPct val="100000"/>
+              </a:lnSpc>
+              <a:spcBef>
+                <a:spcPct val="20000"/>
+              </a:spcBef>
+              <a:spcAft>
+                <a:spcPct val="0"/>
+              </a:spcAft>
+              <a:buClr>
+                <a:srgbClr val="0C2D83"/>
+              </a:buClr>
+              <a:buSzPct val="80000"/>
+              <a:buFont typeface="Wingdings" pitchFamily="2" charset="2"/>
+              <a:buChar char="n"/>
+              <a:tabLst/>
+              <a:defRPr/>
+            </a:pPr>
+            <a:r>
+              <a:rPr kumimoji="0" lang="en-US" sz="1800" b="1" i="0" u="none" strike="noStrike" kern="0" cap="none" spc="0" normalizeH="0" baseline="0" noProof="0" dirty="0" smtClean="0">
+                <a:ln>
+                  <a:noFill/>
+                </a:ln>
+                <a:solidFill>
+                  <a:srgbClr val="000000"/>
+                </a:solidFill>
+                <a:effectLst/>
+                <a:uLnTx/>
+                <a:uFillTx/>
+                <a:latin typeface="+mn-lt"/>
+              </a:rPr>
+              <a:t>Third level</a:t>
+            </a:r>
+          </a:p>
+          <a:p>
+            <a:pPr marL="1600200" marR="0" lvl="3" indent="-228600" algn="l" defTabSz="914400" rtl="0" eaLnBrk="0" fontAlgn="base" latinLnBrk="0" hangingPunct="0">
+              <a:lnSpc>
+                <a:spcPct val="100000"/>
+              </a:lnSpc>
+              <a:spcBef>
+                <a:spcPct val="20000"/>
+              </a:spcBef>
+              <a:spcAft>
+                <a:spcPct val="0"/>
+              </a:spcAft>
+              <a:buClr>
+                <a:srgbClr val="003399"/>
+              </a:buClr>
+              <a:buSzPct val="80000"/>
+              <a:buFont typeface="Wingdings" pitchFamily="2" charset="2"/>
+              <a:buChar char="n"/>
+              <a:tabLst/>
+              <a:defRPr/>
+            </a:pPr>
+            <a:r>
+              <a:rPr kumimoji="0" lang="en-US" sz="1600" b="1" i="0" u="none" strike="noStrike" kern="0" cap="none" spc="0" normalizeH="0" baseline="0" noProof="0" dirty="0" smtClean="0">
+                <a:ln>
+                  <a:noFill/>
+                </a:ln>
+                <a:solidFill>
+                  <a:srgbClr val="000000"/>
+                </a:solidFill>
+                <a:effectLst/>
+                <a:uLnTx/>
+                <a:uFillTx/>
+                <a:latin typeface="+mn-lt"/>
+              </a:rPr>
+              <a:t>Fourth level</a:t>
+            </a:r>
+          </a:p>
+        </p:txBody>
+      </p:sp>
+      <p:sp>
+        <p:nvSpPr>
+          <p:cNvPr id="10" name="Rectangle 3"/>
+          <p:cNvSpPr>
+            <a:spLocks noGrp="1" noChangeArrowheads="1"/>
+          </p:cNvSpPr>
+          <p:nvPr>
+            <p:ph type="title"/>
+          </p:nvPr>
+        </p:nvSpPr>
+        <p:spPr bwMode="auto">
+          <a:xfrm>
+            <a:off x="1828800" y="182880"/>
+            <a:ext cx="7040880" cy="1097280"/>
+          </a:xfrm>
+          <a:prstGeom prst="rect">
+            <a:avLst/>
+          </a:prstGeom>
+          <a:noFill/>
+          <a:ln w="9525">
+            <a:noFill/>
+            <a:miter lim="800000"/>
+            <a:headEnd/>
+            <a:tailEnd/>
+          </a:ln>
+        </p:spPr>
+        <p:txBody>
+          <a:bodyPr vert="horz" wrap="square" lIns="91440" tIns="45720" rIns="91440" bIns="45720" numCol="1" anchor="ctr" anchorCtr="0" compatLnSpc="1">
+            <a:prstTxWarp prst="textNoShape">
+              <a:avLst/>
+            </a:prstTxWarp>
+          </a:bodyPr>
+          <a:lstStyle>
+            <a:lvl1pPr>
+              <a:defRPr>
+                <a:latin typeface="Trebuchet MS" panose="020B0603020202020204" pitchFamily="34" charset="0"/>
+              </a:defRPr>
+            </a:lvl1pPr>
+          </a:lstStyle>
+          <a:p>
+            <a:pPr lvl="0"/>
+            <a:r>
+              <a:rPr lang="en-US" dirty="0" smtClean="0"/>
+              <a:t>Click to edit Master title style</a:t>
+            </a:r>
+          </a:p>
+        </p:txBody>
+      </p:sp>
+      <p:sp>
+        <p:nvSpPr>
+          <p:cNvPr id="4" name="Slide Number Placeholder 21"/>
+          <p:cNvSpPr>
+            <a:spLocks noGrp="1"/>
+          </p:cNvSpPr>
+          <p:nvPr>
+            <p:ph type="sldNum" sz="quarter" idx="12"/>
+          </p:nvPr>
+        </p:nvSpPr>
+        <p:spPr>
+          <a:xfrm>
+            <a:off x="8551333" y="6521450"/>
+            <a:ext cx="592667" cy="336550"/>
+          </a:xfrm>
+          <a:prstGeom prst="rect">
+            <a:avLst/>
+          </a:prstGeom>
+        </p:spPr>
+        <p:txBody>
+          <a:bodyPr/>
+          <a:lstStyle>
+            <a:lvl1pPr algn="ctr">
+              <a:defRPr/>
+            </a:lvl1pPr>
+          </a:lstStyle>
+          <a:p>
+            <a:pPr>
+              <a:defRPr/>
+            </a:pPr>
+            <a:fld id="{D7580031-58D8-4E1D-BF97-18519902E6F9}" type="slidenum">
+              <a:rPr lang="en-US" smtClean="0">
+                <a:solidFill>
+                  <a:srgbClr val="000000"/>
+                </a:solidFill>
+              </a:rPr>
+              <a:pPr>
+                <a:defRPr/>
+              </a:pPr>
+              <a:t>‹#›</a:t>
+            </a:fld>
+            <a:endParaRPr lang="en-US" dirty="0">
+              <a:solidFill>
+                <a:srgbClr val="000000"/>
+              </a:solidFill>
+            </a:endParaRPr>
+          </a:p>
+        </p:txBody>
+      </p:sp>
+    </p:spTree>
+    <p:extLst>
+      <p:ext uri="{BB962C8B-B14F-4D97-AF65-F5344CB8AC3E}">
+        <p14:creationId xmlns:p14="http://schemas.microsoft.com/office/powerpoint/2010/main" val="829370475"/>
+      </p:ext>
+    </p:extLst>
+  </p:cSld>
+  <p:clrMapOvr>
+    <a:masterClrMapping/>
+  </p:clrMapOvr>
+  <p:transition spd="med"/>
+  <p:timing>
+    <p:tnLst>
+      <p:par>
+        <p:cTn id="1" dur="indefinite" restart="never" nodeType="tmRoot"/>
+      </p:par>
+    </p:tnLst>
+  </p:timing>
+</p:sldLayout>
+</file>
+
+<file path=ppt/slideLayouts/slideLayout3.xml><?xml version="1.0" encoding="utf-8"?>
+<p:sldLayout xmlns:a="http://schemas.openxmlformats.org/drawingml/2006/main" xmlns:r="http://schemas.openxmlformats.org/officeDocument/2006/relationships" xmlns:p="http://schemas.openxmlformats.org/presentationml/2006/main" type="obj">
+  <p:cSld name="Title and Content">
+    <p:spTree>
+      <p:nvGrpSpPr>
+        <p:cNvPr id="1" name=""/>
+        <p:cNvGrpSpPr/>
+        <p:nvPr/>
+      </p:nvGrpSpPr>
+      <p:grpSpPr>
+        <a:xfrm>
+          <a:off x="0" y="0"/>
+          <a:ext cx="0" cy="0"/>
+          <a:chOff x="0" y="0"/>
+          <a:chExt cx="0" cy="0"/>
+        </a:xfrm>
+      </p:grpSpPr>
+      <p:sp>
+        <p:nvSpPr>
+          <p:cNvPr id="2" name="Title 1"/>
+          <p:cNvSpPr>
+            <a:spLocks noGrp="1"/>
+          </p:cNvSpPr>
+          <p:nvPr>
+            <p:ph type="title"/>
+          </p:nvPr>
+        </p:nvSpPr>
+        <p:spPr/>
+        <p:txBody>
+          <a:bodyPr/>
+          <a:lstStyle/>
+          <a:p>
+            <a:r>
+              <a:rPr lang="en-US" smtClean="0"/>
+              <a:t>Click to edit Master title style</a:t>
+            </a:r>
+            <a:endParaRPr lang="en-US"/>
+          </a:p>
+        </p:txBody>
+      </p:sp>
+      <p:sp>
+        <p:nvSpPr>
+          <p:cNvPr id="3" name="Content Placeholder 2"/>
+          <p:cNvSpPr>
+            <a:spLocks noGrp="1"/>
+          </p:cNvSpPr>
+          <p:nvPr>
+            <p:ph idx="1"/>
+          </p:nvPr>
+        </p:nvSpPr>
+        <p:spPr/>
+        <p:txBody>
+          <a:bodyPr/>
+          <a:lstStyle/>
+          <a:p>
+            <a:pPr lvl="0"/>
+            <a:r>
+              <a:rPr lang="en-US" smtClean="0"/>
+              <a:t>Click to edit Master text styles</a:t>
+            </a:r>
+          </a:p>
+          <a:p>
+            <a:pPr lvl="1"/>
+            <a:r>
+              <a:rPr lang="en-US" smtClean="0"/>
+              <a:t>Second level</a:t>
+            </a:r>
+          </a:p>
+          <a:p>
+            <a:pPr lvl="2"/>
+            <a:r>
+              <a:rPr lang="en-US" smtClean="0"/>
+              <a:t>Third level</a:t>
+            </a:r>
+          </a:p>
+          <a:p>
+            <a:pPr lvl="3"/>
+            <a:r>
+              <a:rPr lang="en-US" smtClean="0"/>
+              <a:t>Fourth level</a:t>
+            </a:r>
+          </a:p>
+          <a:p>
+            <a:pPr lvl="4"/>
+            <a:r>
+              <a:rPr lang="en-US" smtClean="0"/>
+              <a:t>Fifth level</a:t>
+            </a:r>
+            <a:endParaRPr lang="en-US"/>
+          </a:p>
+        </p:txBody>
+      </p:sp>
+    </p:spTree>
+    <p:extLst>
+      <p:ext uri="{BB962C8B-B14F-4D97-AF65-F5344CB8AC3E}">
+        <p14:creationId xmlns:p14="http://schemas.microsoft.com/office/powerpoint/2010/main" val="2575569792"/>
+      </p:ext>
+    </p:extLst>
+  </p:cSld>
+  <p:clrMapOvr>
+    <a:masterClrMapping/>
+  </p:clrMapOvr>
+</p:sldLayout>
+</file>
+
+<file path=ppt/slideLayouts/slideLayout4.xml><?xml version="1.0" encoding="utf-8"?>
+<p:sldLayout xmlns:a="http://schemas.openxmlformats.org/drawingml/2006/main" xmlns:r="http://schemas.openxmlformats.org/officeDocument/2006/relationships" xmlns:p="http://schemas.openxmlformats.org/presentationml/2006/main" type="title" preserve="1">
+  <p:cSld name="Title Slide">
+    <p:spTree>
+      <p:nvGrpSpPr>
+        <p:cNvPr id="1" name=""/>
+        <p:cNvGrpSpPr/>
+        <p:nvPr/>
+      </p:nvGrpSpPr>
+      <p:grpSpPr>
+        <a:xfrm>
+          <a:off x="0" y="0"/>
+          <a:ext cx="0" cy="0"/>
+          <a:chOff x="0" y="0"/>
+          <a:chExt cx="0" cy="0"/>
+        </a:xfrm>
+      </p:grpSpPr>
+      <p:sp>
+        <p:nvSpPr>
+          <p:cNvPr id="2" name="Title 1"/>
+          <p:cNvSpPr>
+            <a:spLocks noGrp="1"/>
+          </p:cNvSpPr>
+          <p:nvPr>
+            <p:ph type="ctrTitle"/>
+          </p:nvPr>
+        </p:nvSpPr>
+        <p:spPr>
+          <a:xfrm>
+            <a:off x="1143000" y="1122363"/>
+            <a:ext cx="6858000" cy="2387600"/>
+          </a:xfrm>
+        </p:spPr>
+        <p:txBody>
+          <a:bodyPr anchor="b"/>
+          <a:lstStyle>
+            <a:lvl1pPr algn="ctr">
+              <a:defRPr sz="6000"/>
+            </a:lvl1pPr>
+          </a:lstStyle>
+          <a:p>
+            <a:r>
+              <a:rPr lang="en-US" smtClean="0"/>
+              <a:t>Click to edit Master title style</a:t>
+            </a:r>
+            <a:endParaRPr lang="en-US"/>
+          </a:p>
+        </p:txBody>
+      </p:sp>
+      <p:sp>
+        <p:nvSpPr>
+          <p:cNvPr id="3" name="Subtitle 2"/>
+          <p:cNvSpPr>
+            <a:spLocks noGrp="1"/>
+          </p:cNvSpPr>
+          <p:nvPr>
+            <p:ph type="subTitle" idx="1"/>
+          </p:nvPr>
+        </p:nvSpPr>
+        <p:spPr>
+          <a:xfrm>
+            <a:off x="1143000" y="3602038"/>
+            <a:ext cx="6858000" cy="1655762"/>
+          </a:xfrm>
+        </p:spPr>
+        <p:txBody>
+          <a:bodyPr/>
+          <a:lstStyle>
+            <a:lvl1pPr marL="0" indent="0" algn="ctr">
+              <a:buNone/>
+              <a:defRPr sz="2400"/>
+            </a:lvl1pPr>
+            <a:lvl2pPr marL="457200" indent="0" algn="ctr">
+              <a:buNone/>
+              <a:defRPr sz="2000"/>
+            </a:lvl2pPr>
+            <a:lvl3pPr marL="914400" indent="0" algn="ctr">
+              <a:buNone/>
+              <a:defRPr sz="1800"/>
+            </a:lvl3pPr>
+            <a:lvl4pPr marL="1371600" indent="0" algn="ctr">
+              <a:buNone/>
+              <a:defRPr sz="1600"/>
+            </a:lvl4pPr>
+            <a:lvl5pPr marL="1828800" indent="0" algn="ctr">
+              <a:buNone/>
+              <a:defRPr sz="1600"/>
+            </a:lvl5pPr>
+            <a:lvl6pPr marL="2286000" indent="0" algn="ctr">
+              <a:buNone/>
+              <a:defRPr sz="1600"/>
+            </a:lvl6pPr>
+            <a:lvl7pPr marL="2743200" indent="0" algn="ctr">
+              <a:buNone/>
+              <a:defRPr sz="1600"/>
+            </a:lvl7pPr>
+            <a:lvl8pPr marL="3200400" indent="0" algn="ctr">
+              <a:buNone/>
+              <a:defRPr sz="1600"/>
+            </a:lvl8pPr>
+            <a:lvl9pPr marL="3657600" indent="0" algn="ctr">
+              <a:buNone/>
+              <a:defRPr sz="1600"/>
+            </a:lvl9pPr>
+          </a:lstStyle>
+          <a:p>
+            <a:r>
+              <a:rPr lang="en-US" smtClean="0"/>
+              <a:t>Click to edit Master subtitle style</a:t>
+            </a:r>
+            <a:endParaRPr lang="en-US"/>
+          </a:p>
+        </p:txBody>
+      </p:sp>
+      <p:sp>
+        <p:nvSpPr>
+          <p:cNvPr id="4" name="Date Placeholder 3"/>
+          <p:cNvSpPr>
+            <a:spLocks noGrp="1"/>
+          </p:cNvSpPr>
+          <p:nvPr>
+            <p:ph type="dt" sz="half" idx="10"/>
+          </p:nvPr>
+        </p:nvSpPr>
+        <p:spPr/>
+        <p:txBody>
+          <a:bodyPr/>
+          <a:lstStyle/>
+          <a:p>
+            <a:fld id="{834513E8-165F-4932-9E2D-FD497CB9A4FD}" type="datetimeFigureOut">
+              <a:rPr lang="en-US" smtClean="0"/>
+              <a:t>8/8/2018</a:t>
+            </a:fld>
+            <a:endParaRPr lang="en-US"/>
+          </a:p>
+        </p:txBody>
+      </p:sp>
+      <p:sp>
+        <p:nvSpPr>
+          <p:cNvPr id="5" name="Footer Placeholder 4"/>
+          <p:cNvSpPr>
+            <a:spLocks noGrp="1"/>
+          </p:cNvSpPr>
+          <p:nvPr>
+            <p:ph type="ftr" sz="quarter" idx="11"/>
+          </p:nvPr>
+        </p:nvSpPr>
+        <p:spPr/>
+        <p:txBody>
+          <a:bodyPr/>
+          <a:lstStyle/>
+          <a:p>
+            <a:endParaRPr lang="en-US"/>
+          </a:p>
+        </p:txBody>
+      </p:sp>
+      <p:sp>
+        <p:nvSpPr>
+          <p:cNvPr id="6" name="Slide Number Placeholder 5"/>
+          <p:cNvSpPr>
+            <a:spLocks noGrp="1"/>
+          </p:cNvSpPr>
+          <p:nvPr>
+            <p:ph type="sldNum" sz="quarter" idx="12"/>
+          </p:nvPr>
+        </p:nvSpPr>
+        <p:spPr/>
+        <p:txBody>
+          <a:bodyPr/>
+          <a:lstStyle/>
+          <a:p>
+            <a:fld id="{3E852FCF-D44D-4D06-AC89-29A3B60A1814}" type="slidenum">
+              <a:rPr lang="en-US" smtClean="0"/>
+              <a:t>‹#›</a:t>
+            </a:fld>
+            <a:endParaRPr lang="en-US"/>
+          </a:p>
+        </p:txBody>
+      </p:sp>
+    </p:spTree>
+    <p:extLst>
+      <p:ext uri="{BB962C8B-B14F-4D97-AF65-F5344CB8AC3E}">
+        <p14:creationId xmlns:p14="http://schemas.microsoft.com/office/powerpoint/2010/main" val="538666900"/>
+      </p:ext>
+    </p:extLst>
+  </p:cSld>
+  <p:clrMapOvr>
+    <a:masterClrMapping/>
+  </p:clrMapOvr>
+</p:sldLayout>
+</file>
+
+<file path=ppt/slideLayouts/slideLayout5.xml><?xml version="1.0" encoding="utf-8"?>
+<p:sldLayout xmlns:a="http://schemas.openxmlformats.org/drawingml/2006/main" xmlns:r="http://schemas.openxmlformats.org/officeDocument/2006/relationships" xmlns:p="http://schemas.openxmlformats.org/presentationml/2006/main" type="obj" preserve="1">
+  <p:cSld name="Title and Content">
+    <p:spTree>
+      <p:nvGrpSpPr>
+        <p:cNvPr id="1" name=""/>
+        <p:cNvGrpSpPr/>
+        <p:nvPr/>
+      </p:nvGrpSpPr>
+      <p:grpSpPr>
+        <a:xfrm>
+          <a:off x="0" y="0"/>
+          <a:ext cx="0" cy="0"/>
+          <a:chOff x="0" y="0"/>
+          <a:chExt cx="0" cy="0"/>
+        </a:xfrm>
+      </p:grpSpPr>
+      <p:sp>
+        <p:nvSpPr>
+          <p:cNvPr id="2" name="Title 1"/>
+          <p:cNvSpPr>
+            <a:spLocks noGrp="1"/>
+          </p:cNvSpPr>
+          <p:nvPr>
+            <p:ph type="title"/>
+          </p:nvPr>
+        </p:nvSpPr>
+        <p:spPr/>
+        <p:txBody>
+          <a:bodyPr/>
+          <a:lstStyle/>
+          <a:p>
+            <a:r>
+              <a:rPr lang="en-US" smtClean="0"/>
+              <a:t>Click to edit Master title style</a:t>
+            </a:r>
+            <a:endParaRPr lang="en-US"/>
+          </a:p>
+        </p:txBody>
+      </p:sp>
+      <p:sp>
+        <p:nvSpPr>
+          <p:cNvPr id="3" name="Content Placeholder 2"/>
+          <p:cNvSpPr>
+            <a:spLocks noGrp="1"/>
+          </p:cNvSpPr>
+          <p:nvPr>
+            <p:ph idx="1"/>
+          </p:nvPr>
+        </p:nvSpPr>
+        <p:spPr/>
+        <p:txBody>
+          <a:bodyPr/>
+          <a:lstStyle/>
+          <a:p>
+            <a:pPr lvl="0"/>
+            <a:r>
+              <a:rPr lang="en-US" smtClean="0"/>
+              <a:t>Click to edit Master text styles</a:t>
+            </a:r>
+          </a:p>
+          <a:p>
+            <a:pPr lvl="1"/>
+            <a:r>
+              <a:rPr lang="en-US" smtClean="0"/>
+              <a:t>Second level</a:t>
+            </a:r>
+          </a:p>
+          <a:p>
+            <a:pPr lvl="2"/>
+            <a:r>
+              <a:rPr lang="en-US" smtClean="0"/>
+              <a:t>Third level</a:t>
+            </a:r>
+          </a:p>
+          <a:p>
+            <a:pPr lvl="3"/>
+            <a:r>
+              <a:rPr lang="en-US" smtClean="0"/>
+              <a:t>Fourth level</a:t>
+            </a:r>
+          </a:p>
+          <a:p>
+            <a:pPr lvl="4"/>
+            <a:r>
+              <a:rPr lang="en-US" smtClean="0"/>
+              <a:t>Fifth level</a:t>
+            </a:r>
+            <a:endParaRPr lang="en-US"/>
+          </a:p>
+        </p:txBody>
+      </p:sp>
+      <p:sp>
+        <p:nvSpPr>
+          <p:cNvPr id="4" name="Date Placeholder 3"/>
+          <p:cNvSpPr>
+            <a:spLocks noGrp="1"/>
+          </p:cNvSpPr>
+          <p:nvPr>
+            <p:ph type="dt" sz="half" idx="10"/>
+          </p:nvPr>
+        </p:nvSpPr>
+        <p:spPr/>
+        <p:txBody>
+          <a:bodyPr/>
+          <a:lstStyle/>
+          <a:p>
+            <a:fld id="{834513E8-165F-4932-9E2D-FD497CB9A4FD}" type="datetimeFigureOut">
+              <a:rPr lang="en-US" smtClean="0"/>
+              <a:t>8/8/2018</a:t>
+            </a:fld>
+            <a:endParaRPr lang="en-US"/>
+          </a:p>
+        </p:txBody>
+      </p:sp>
+      <p:sp>
+        <p:nvSpPr>
+          <p:cNvPr id="5" name="Footer Placeholder 4"/>
+          <p:cNvSpPr>
+            <a:spLocks noGrp="1"/>
+          </p:cNvSpPr>
+          <p:nvPr>
+            <p:ph type="ftr" sz="quarter" idx="11"/>
+          </p:nvPr>
+        </p:nvSpPr>
+        <p:spPr/>
+        <p:txBody>
+          <a:bodyPr/>
+          <a:lstStyle/>
+          <a:p>
+            <a:endParaRPr lang="en-US"/>
+          </a:p>
+        </p:txBody>
+      </p:sp>
+      <p:sp>
+        <p:nvSpPr>
+          <p:cNvPr id="6" name="Slide Number Placeholder 5"/>
+          <p:cNvSpPr>
+            <a:spLocks noGrp="1"/>
+          </p:cNvSpPr>
+          <p:nvPr>
+            <p:ph type="sldNum" sz="quarter" idx="12"/>
+          </p:nvPr>
+        </p:nvSpPr>
+        <p:spPr/>
+        <p:txBody>
+          <a:bodyPr/>
+          <a:lstStyle/>
+          <a:p>
+            <a:fld id="{3E852FCF-D44D-4D06-AC89-29A3B60A1814}" type="slidenum">
+              <a:rPr lang="en-US" smtClean="0"/>
+              <a:t>‹#›</a:t>
+            </a:fld>
+            <a:endParaRPr lang="en-US"/>
+          </a:p>
+        </p:txBody>
+      </p:sp>
+    </p:spTree>
+    <p:extLst>
+      <p:ext uri="{BB962C8B-B14F-4D97-AF65-F5344CB8AC3E}">
+        <p14:creationId xmlns:p14="http://schemas.microsoft.com/office/powerpoint/2010/main" val="1233822012"/>
+      </p:ext>
+    </p:extLst>
+  </p:cSld>
+  <p:clrMapOvr>
+    <a:masterClrMapping/>
+  </p:clrMapOvr>
+</p:sldLayout>
+</file>
+
+<file path=ppt/slideLayouts/slideLayout6.xml><?xml version="1.0" encoding="utf-8"?>
+<p:sldLayout xmlns:a="http://schemas.openxmlformats.org/drawingml/2006/main" xmlns:r="http://schemas.openxmlformats.org/officeDocument/2006/relationships" xmlns:p="http://schemas.openxmlformats.org/presentationml/2006/main" type="secHead" preserve="1">
+  <p:cSld name="Section Header">
+    <p:spTree>
+      <p:nvGrpSpPr>
+        <p:cNvPr id="1" name=""/>
+        <p:cNvGrpSpPr/>
+        <p:nvPr/>
+      </p:nvGrpSpPr>
+      <p:grpSpPr>
+        <a:xfrm>
+          <a:off x="0" y="0"/>
+          <a:ext cx="0" cy="0"/>
+          <a:chOff x="0" y="0"/>
+          <a:chExt cx="0" cy="0"/>
+        </a:xfrm>
+      </p:grpSpPr>
+      <p:sp>
+        <p:nvSpPr>
+          <p:cNvPr id="2" name="Title 1"/>
+          <p:cNvSpPr>
+            <a:spLocks noGrp="1"/>
+          </p:cNvSpPr>
+          <p:nvPr>
+            <p:ph type="title"/>
+          </p:nvPr>
+        </p:nvSpPr>
+        <p:spPr>
+          <a:xfrm>
+            <a:off x="623888" y="1709738"/>
+            <a:ext cx="7886700" cy="2852737"/>
+          </a:xfrm>
+        </p:spPr>
+        <p:txBody>
+          <a:bodyPr anchor="b"/>
+          <a:lstStyle>
+            <a:lvl1pPr>
+              <a:defRPr sz="6000"/>
+            </a:lvl1pPr>
+          </a:lstStyle>
+          <a:p>
+            <a:r>
+              <a:rPr lang="en-US" smtClean="0"/>
+              <a:t>Click to edit Master title style</a:t>
+            </a:r>
+            <a:endParaRPr lang="en-US"/>
+          </a:p>
+        </p:txBody>
+      </p:sp>
+      <p:sp>
+        <p:nvSpPr>
+          <p:cNvPr id="3" name="Text Placeholder 2"/>
+          <p:cNvSpPr>
+            <a:spLocks noGrp="1"/>
+          </p:cNvSpPr>
+          <p:nvPr>
+            <p:ph type="body" idx="1"/>
+          </p:nvPr>
+        </p:nvSpPr>
+        <p:spPr>
+          <a:xfrm>
+            <a:off x="623888" y="4589463"/>
+            <a:ext cx="7886700" cy="1500187"/>
+          </a:xfrm>
+        </p:spPr>
+        <p:txBody>
+          <a:bodyPr/>
+          <a:lstStyle>
+            <a:lvl1pPr marL="0" indent="0">
+              <a:buNone/>
+              <a:defRPr sz="2400">
+                <a:solidFill>
+                  <a:schemeClr val="tx1">
+                    <a:tint val="75000"/>
+                  </a:schemeClr>
+                </a:solidFill>
+              </a:defRPr>
+            </a:lvl1pPr>
+            <a:lvl2pPr marL="457200" indent="0">
+              <a:buNone/>
+              <a:defRPr sz="2000">
+                <a:solidFill>
+                  <a:schemeClr val="tx1">
+                    <a:tint val="75000"/>
+                  </a:schemeClr>
+                </a:solidFill>
+              </a:defRPr>
+            </a:lvl2pPr>
+            <a:lvl3pPr marL="914400" indent="0">
+              <a:buNone/>
+              <a:defRPr sz="1800">
+                <a:solidFill>
+                  <a:schemeClr val="tx1">
+                    <a:tint val="75000"/>
+                  </a:schemeClr>
+                </a:solidFill>
+              </a:defRPr>
+            </a:lvl3pPr>
+            <a:lvl4pPr marL="1371600" indent="0">
+              <a:buNone/>
+              <a:defRPr sz="1600">
+                <a:solidFill>
+                  <a:schemeClr val="tx1">
+                    <a:tint val="75000"/>
+                  </a:schemeClr>
+                </a:solidFill>
+              </a:defRPr>
+            </a:lvl4pPr>
+            <a:lvl5pPr marL="1828800" indent="0">
+              <a:buNone/>
+              <a:defRPr sz="1600">
+                <a:solidFill>
+                  <a:schemeClr val="tx1">
+                    <a:tint val="75000"/>
+                  </a:schemeClr>
+                </a:solidFill>
+              </a:defRPr>
+            </a:lvl5pPr>
+            <a:lvl6pPr marL="2286000" indent="0">
+              <a:buNone/>
+              <a:defRPr sz="1600">
+                <a:solidFill>
+                  <a:schemeClr val="tx1">
+                    <a:tint val="75000"/>
+                  </a:schemeClr>
+                </a:solidFill>
+              </a:defRPr>
+            </a:lvl6pPr>
+            <a:lvl7pPr marL="2743200" indent="0">
+              <a:buNone/>
+              <a:defRPr sz="1600">
+                <a:solidFill>
+                  <a:schemeClr val="tx1">
+                    <a:tint val="75000"/>
+                  </a:schemeClr>
+                </a:solidFill>
+              </a:defRPr>
+            </a:lvl7pPr>
+            <a:lvl8pPr marL="3200400" indent="0">
+              <a:buNone/>
+              <a:defRPr sz="1600">
+                <a:solidFill>
+                  <a:schemeClr val="tx1">
+                    <a:tint val="75000"/>
+                  </a:schemeClr>
+                </a:solidFill>
+              </a:defRPr>
+            </a:lvl8pPr>
+            <a:lvl9pPr marL="3657600" indent="0">
+              <a:buNone/>
+              <a:defRPr sz="1600">
+                <a:solidFill>
+                  <a:schemeClr val="tx1">
+                    <a:tint val="75000"/>
+                  </a:schemeClr>
+                </a:solidFill>
+              </a:defRPr>
+            </a:lvl9pPr>
+          </a:lstStyle>
+          <a:p>
+            <a:pPr lvl="0"/>
+            <a:r>
+              <a:rPr lang="en-US" smtClean="0"/>
+              <a:t>Click to edit Master text styles</a:t>
+            </a:r>
+          </a:p>
+        </p:txBody>
+      </p:sp>
+      <p:sp>
+        <p:nvSpPr>
+          <p:cNvPr id="4" name="Date Placeholder 3"/>
+          <p:cNvSpPr>
+            <a:spLocks noGrp="1"/>
+          </p:cNvSpPr>
+          <p:nvPr>
+            <p:ph type="dt" sz="half" idx="10"/>
+          </p:nvPr>
+        </p:nvSpPr>
+        <p:spPr/>
+        <p:txBody>
+          <a:bodyPr/>
+          <a:lstStyle/>
+          <a:p>
+            <a:fld id="{834513E8-165F-4932-9E2D-FD497CB9A4FD}" type="datetimeFigureOut">
+              <a:rPr lang="en-US" smtClean="0"/>
+              <a:t>8/8/2018</a:t>
+            </a:fld>
+            <a:endParaRPr lang="en-US"/>
+          </a:p>
+        </p:txBody>
+      </p:sp>
+      <p:sp>
+        <p:nvSpPr>
+          <p:cNvPr id="5" name="Footer Placeholder 4"/>
+          <p:cNvSpPr>
+            <a:spLocks noGrp="1"/>
+          </p:cNvSpPr>
+          <p:nvPr>
+            <p:ph type="ftr" sz="quarter" idx="11"/>
+          </p:nvPr>
+        </p:nvSpPr>
+        <p:spPr/>
+        <p:txBody>
+          <a:bodyPr/>
+          <a:lstStyle/>
+          <a:p>
+            <a:endParaRPr lang="en-US"/>
+          </a:p>
+        </p:txBody>
+      </p:sp>
+      <p:sp>
+        <p:nvSpPr>
+          <p:cNvPr id="6" name="Slide Number Placeholder 5"/>
+          <p:cNvSpPr>
+            <a:spLocks noGrp="1"/>
+          </p:cNvSpPr>
+          <p:nvPr>
+            <p:ph type="sldNum" sz="quarter" idx="12"/>
+          </p:nvPr>
+        </p:nvSpPr>
+        <p:spPr/>
+        <p:txBody>
+          <a:bodyPr/>
+          <a:lstStyle/>
+          <a:p>
+            <a:fld id="{3E852FCF-D44D-4D06-AC89-29A3B60A1814}" type="slidenum">
+              <a:rPr lang="en-US" smtClean="0"/>
+              <a:t>‹#›</a:t>
+            </a:fld>
+            <a:endParaRPr lang="en-US"/>
+          </a:p>
+        </p:txBody>
+      </p:sp>
+    </p:spTree>
+    <p:extLst>
+      <p:ext uri="{BB962C8B-B14F-4D97-AF65-F5344CB8AC3E}">
+        <p14:creationId xmlns:p14="http://schemas.microsoft.com/office/powerpoint/2010/main" val="2725175323"/>
+      </p:ext>
+    </p:extLst>
+  </p:cSld>
+  <p:clrMapOvr>
+    <a:masterClrMapping/>
+  </p:clrMapOvr>
+</p:sldLayout>
+</file>
+
+<file path=ppt/slideLayouts/slideLayout7.xml><?xml version="1.0" encoding="utf-8"?>
+<p:sldLayout xmlns:a="http://schemas.openxmlformats.org/drawingml/2006/main" xmlns:r="http://schemas.openxmlformats.org/officeDocument/2006/relationships" xmlns:p="http://schemas.openxmlformats.org/presentationml/2006/main" type="twoObj" preserve="1">
+  <p:cSld name="Two Content">
+    <p:spTree>
+      <p:nvGrpSpPr>
+        <p:cNvPr id="1" name=""/>
+        <p:cNvGrpSpPr/>
+        <p:nvPr/>
+      </p:nvGrpSpPr>
+      <p:grpSpPr>
+        <a:xfrm>
+          <a:off x="0" y="0"/>
+          <a:ext cx="0" cy="0"/>
+          <a:chOff x="0" y="0"/>
+          <a:chExt cx="0" cy="0"/>
+        </a:xfrm>
+      </p:grpSpPr>
+      <p:sp>
+        <p:nvSpPr>
+          <p:cNvPr id="2" name="Title 1"/>
+          <p:cNvSpPr>
+            <a:spLocks noGrp="1"/>
+          </p:cNvSpPr>
+          <p:nvPr>
+            <p:ph type="title"/>
+          </p:nvPr>
+        </p:nvSpPr>
+        <p:spPr/>
+        <p:txBody>
+          <a:bodyPr/>
+          <a:lstStyle/>
+          <a:p>
+            <a:r>
+              <a:rPr lang="en-US" smtClean="0"/>
+              <a:t>Click to edit Master title style</a:t>
+            </a:r>
+            <a:endParaRPr lang="en-US"/>
+          </a:p>
+        </p:txBody>
+      </p:sp>
+      <p:sp>
+        <p:nvSpPr>
+          <p:cNvPr id="3" name="Content Placeholder 2"/>
+          <p:cNvSpPr>
+            <a:spLocks noGrp="1"/>
+          </p:cNvSpPr>
+          <p:nvPr>
+            <p:ph sz="half" idx="1"/>
+          </p:nvPr>
+        </p:nvSpPr>
+        <p:spPr>
+          <a:xfrm>
+            <a:off x="628650" y="1825625"/>
+            <a:ext cx="3867150" cy="4351338"/>
+          </a:xfrm>
+        </p:spPr>
+        <p:txBody>
+          <a:bodyPr/>
+          <a:lstStyle/>
+          <a:p>
+            <a:pPr lvl="0"/>
+            <a:r>
+              <a:rPr lang="en-US" smtClean="0"/>
+              <a:t>Click to edit Master text styles</a:t>
+            </a:r>
+          </a:p>
+          <a:p>
+            <a:pPr lvl="1"/>
+            <a:r>
+              <a:rPr lang="en-US" smtClean="0"/>
+              <a:t>Second level</a:t>
+            </a:r>
+          </a:p>
+          <a:p>
+            <a:pPr lvl="2"/>
+            <a:r>
+              <a:rPr lang="en-US" smtClean="0"/>
+              <a:t>Third level</a:t>
+            </a:r>
+          </a:p>
+          <a:p>
+            <a:pPr lvl="3"/>
+            <a:r>
+              <a:rPr lang="en-US" smtClean="0"/>
+              <a:t>Fourth level</a:t>
+            </a:r>
+          </a:p>
+          <a:p>
+            <a:pPr lvl="4"/>
+            <a:r>
+              <a:rPr lang="en-US" smtClean="0"/>
+              <a:t>Fifth level</a:t>
+            </a:r>
+            <a:endParaRPr lang="en-US"/>
+          </a:p>
+        </p:txBody>
+      </p:sp>
+      <p:sp>
+        <p:nvSpPr>
+          <p:cNvPr id="4" name="Content Placeholder 3"/>
+          <p:cNvSpPr>
+            <a:spLocks noGrp="1"/>
+          </p:cNvSpPr>
+          <p:nvPr>
+            <p:ph sz="half" idx="2"/>
+          </p:nvPr>
+        </p:nvSpPr>
+        <p:spPr>
+          <a:xfrm>
+            <a:off x="4648200" y="1825625"/>
+            <a:ext cx="3867150" cy="4351338"/>
+          </a:xfrm>
+        </p:spPr>
+        <p:txBody>
+          <a:bodyPr/>
+          <a:lstStyle/>
+          <a:p>
+            <a:pPr lvl="0"/>
+            <a:r>
+              <a:rPr lang="en-US" smtClean="0"/>
+              <a:t>Click to edit Master text styles</a:t>
+            </a:r>
+          </a:p>
+          <a:p>
+            <a:pPr lvl="1"/>
+            <a:r>
+              <a:rPr lang="en-US" smtClean="0"/>
+              <a:t>Second level</a:t>
+            </a:r>
+          </a:p>
+          <a:p>
+            <a:pPr lvl="2"/>
+            <a:r>
+              <a:rPr lang="en-US" smtClean="0"/>
+              <a:t>Third level</a:t>
+            </a:r>
+          </a:p>
+          <a:p>
+            <a:pPr lvl="3"/>
+            <a:r>
+              <a:rPr lang="en-US" smtClean="0"/>
+              <a:t>Fourth level</a:t>
+            </a:r>
+          </a:p>
+          <a:p>
+            <a:pPr lvl="4"/>
+            <a:r>
+              <a:rPr lang="en-US" smtClean="0"/>
+              <a:t>Fifth level</a:t>
+            </a:r>
+            <a:endParaRPr lang="en-US"/>
+          </a:p>
+        </p:txBody>
+      </p:sp>
+      <p:sp>
+        <p:nvSpPr>
+          <p:cNvPr id="5" name="Date Placeholder 4"/>
+          <p:cNvSpPr>
+            <a:spLocks noGrp="1"/>
+          </p:cNvSpPr>
+          <p:nvPr>
+            <p:ph type="dt" sz="half" idx="10"/>
+          </p:nvPr>
+        </p:nvSpPr>
+        <p:spPr/>
+        <p:txBody>
+          <a:bodyPr/>
+          <a:lstStyle/>
+          <a:p>
+            <a:fld id="{834513E8-165F-4932-9E2D-FD497CB9A4FD}" type="datetimeFigureOut">
+              <a:rPr lang="en-US" smtClean="0"/>
+              <a:t>8/8/2018</a:t>
+            </a:fld>
+            <a:endParaRPr lang="en-US"/>
+          </a:p>
+        </p:txBody>
+      </p:sp>
+      <p:sp>
+        <p:nvSpPr>
+          <p:cNvPr id="6" name="Footer Placeholder 5"/>
+          <p:cNvSpPr>
+            <a:spLocks noGrp="1"/>
+          </p:cNvSpPr>
+          <p:nvPr>
+            <p:ph type="ftr" sz="quarter" idx="11"/>
+          </p:nvPr>
+        </p:nvSpPr>
+        <p:spPr/>
+        <p:txBody>
+          <a:bodyPr/>
+          <a:lstStyle/>
+          <a:p>
+            <a:endParaRPr lang="en-US"/>
+          </a:p>
+        </p:txBody>
+      </p:sp>
+      <p:sp>
+        <p:nvSpPr>
+          <p:cNvPr id="7" name="Slide Number Placeholder 6"/>
+          <p:cNvSpPr>
+            <a:spLocks noGrp="1"/>
+          </p:cNvSpPr>
+          <p:nvPr>
+            <p:ph type="sldNum" sz="quarter" idx="12"/>
+          </p:nvPr>
+        </p:nvSpPr>
+        <p:spPr/>
+        <p:txBody>
+          <a:bodyPr/>
+          <a:lstStyle/>
+          <a:p>
+            <a:fld id="{3E852FCF-D44D-4D06-AC89-29A3B60A1814}" type="slidenum">
+              <a:rPr lang="en-US" smtClean="0"/>
+              <a:t>‹#›</a:t>
+            </a:fld>
+            <a:endParaRPr lang="en-US"/>
+          </a:p>
+        </p:txBody>
+      </p:sp>
+    </p:spTree>
+    <p:extLst>
+      <p:ext uri="{BB962C8B-B14F-4D97-AF65-F5344CB8AC3E}">
+        <p14:creationId xmlns:p14="http://schemas.microsoft.com/office/powerpoint/2010/main" val="2539744878"/>
+      </p:ext>
+    </p:extLst>
+  </p:cSld>
+  <p:clrMapOvr>
+    <a:masterClrMapping/>
+  </p:clrMapOvr>
+</p:sldLayout>
+</file>
+
+<file path=ppt/slideLayouts/slideLayout8.xml><?xml version="1.0" encoding="utf-8"?>
 <p:sldLayout xmlns:a="http://schemas.openxmlformats.org/drawingml/2006/main" xmlns:r="http://schemas.openxmlformats.org/officeDocument/2006/relationships" xmlns:p="http://schemas.openxmlformats.org/presentationml/2006/main" type="twoTxTwoObj" preserve="1">
   <p:cSld name="Comparison">
     <p:spTree>
@@ -1652,7 +4011,7 @@
           <a:p>
             <a:fld id="{834513E8-165F-4932-9E2D-FD497CB9A4FD}" type="datetimeFigureOut">
               <a:rPr lang="en-US" smtClean="0"/>
-              <a:t>7/31/2018</a:t>
+              <a:t>8/8/2018</a:t>
             </a:fld>
             <a:endParaRPr lang="en-US"/>
           </a:p>
@@ -1713,7 +4072,7 @@
 </p:sldLayout>
 </file>
 
-<file path=ppt/slideLayouts/slideLayout11.xml><?xml version="1.0" encoding="utf-8"?>
+<file path=ppt/slideLayouts/slideLayout9.xml><?xml version="1.0" encoding="utf-8"?>
 <p:sldLayout xmlns:a="http://schemas.openxmlformats.org/drawingml/2006/main" xmlns:r="http://schemas.openxmlformats.org/officeDocument/2006/relationships" xmlns:p="http://schemas.openxmlformats.org/presentationml/2006/main" type="titleOnly" preserve="1">
   <p:cSld name="Title Only">
     <p:spTree>
@@ -1770,7 +4129,7 @@
           <a:p>
             <a:fld id="{834513E8-165F-4932-9E2D-FD497CB9A4FD}" type="datetimeFigureOut">
               <a:rPr lang="en-US" smtClean="0"/>
-              <a:t>7/31/2018</a:t>
+              <a:t>8/8/2018</a:t>
             </a:fld>
             <a:endParaRPr lang="en-US"/>
           </a:p>
@@ -1822,2577 +4181,6 @@
     <p:extLst>
       <p:ext uri="{BB962C8B-B14F-4D97-AF65-F5344CB8AC3E}">
         <p14:creationId xmlns:p14="http://schemas.microsoft.com/office/powerpoint/2010/main" val="1867479861"/>
-      </p:ext>
-    </p:extLst>
-  </p:cSld>
-  <p:clrMapOvr>
-    <a:masterClrMapping/>
-  </p:clrMapOvr>
-</p:sldLayout>
-</file>
-
-<file path=ppt/slideLayouts/slideLayout12.xml><?xml version="1.0" encoding="utf-8"?>
-<p:sldLayout xmlns:a="http://schemas.openxmlformats.org/drawingml/2006/main" xmlns:r="http://schemas.openxmlformats.org/officeDocument/2006/relationships" xmlns:p="http://schemas.openxmlformats.org/presentationml/2006/main" type="blank" preserve="1">
-  <p:cSld name="Blank">
-    <p:spTree>
-      <p:nvGrpSpPr>
-        <p:cNvPr id="1" name=""/>
-        <p:cNvGrpSpPr/>
-        <p:nvPr/>
-      </p:nvGrpSpPr>
-      <p:grpSpPr>
-        <a:xfrm>
-          <a:off x="0" y="0"/>
-          <a:ext cx="0" cy="0"/>
-          <a:chOff x="0" y="0"/>
-          <a:chExt cx="0" cy="0"/>
-        </a:xfrm>
-      </p:grpSpPr>
-      <p:sp>
-        <p:nvSpPr>
-          <p:cNvPr id="2" name="Date Placeholder 1"/>
-          <p:cNvSpPr>
-            <a:spLocks noGrp="1"/>
-          </p:cNvSpPr>
-          <p:nvPr>
-            <p:ph type="dt" sz="half" idx="10"/>
-          </p:nvPr>
-        </p:nvSpPr>
-        <p:spPr/>
-        <p:txBody>
-          <a:bodyPr/>
-          <a:lstStyle/>
-          <a:p>
-            <a:fld id="{834513E8-165F-4932-9E2D-FD497CB9A4FD}" type="datetimeFigureOut">
-              <a:rPr lang="en-US" smtClean="0"/>
-              <a:t>7/31/2018</a:t>
-            </a:fld>
-            <a:endParaRPr lang="en-US"/>
-          </a:p>
-        </p:txBody>
-      </p:sp>
-      <p:sp>
-        <p:nvSpPr>
-          <p:cNvPr id="3" name="Footer Placeholder 2"/>
-          <p:cNvSpPr>
-            <a:spLocks noGrp="1"/>
-          </p:cNvSpPr>
-          <p:nvPr>
-            <p:ph type="ftr" sz="quarter" idx="11"/>
-          </p:nvPr>
-        </p:nvSpPr>
-        <p:spPr/>
-        <p:txBody>
-          <a:bodyPr/>
-          <a:lstStyle/>
-          <a:p>
-            <a:endParaRPr lang="en-US"/>
-          </a:p>
-        </p:txBody>
-      </p:sp>
-      <p:sp>
-        <p:nvSpPr>
-          <p:cNvPr id="4" name="Slide Number Placeholder 3"/>
-          <p:cNvSpPr>
-            <a:spLocks noGrp="1"/>
-          </p:cNvSpPr>
-          <p:nvPr>
-            <p:ph type="sldNum" sz="quarter" idx="12"/>
-          </p:nvPr>
-        </p:nvSpPr>
-        <p:spPr/>
-        <p:txBody>
-          <a:bodyPr/>
-          <a:lstStyle/>
-          <a:p>
-            <a:fld id="{3E852FCF-D44D-4D06-AC89-29A3B60A1814}" type="slidenum">
-              <a:rPr lang="en-US" smtClean="0"/>
-              <a:t>‹#›</a:t>
-            </a:fld>
-            <a:endParaRPr lang="en-US"/>
-          </a:p>
-        </p:txBody>
-      </p:sp>
-    </p:spTree>
-    <p:extLst>
-      <p:ext uri="{BB962C8B-B14F-4D97-AF65-F5344CB8AC3E}">
-        <p14:creationId xmlns:p14="http://schemas.microsoft.com/office/powerpoint/2010/main" val="3072286336"/>
-      </p:ext>
-    </p:extLst>
-  </p:cSld>
-  <p:clrMapOvr>
-    <a:masterClrMapping/>
-  </p:clrMapOvr>
-</p:sldLayout>
-</file>
-
-<file path=ppt/slideLayouts/slideLayout13.xml><?xml version="1.0" encoding="utf-8"?>
-<p:sldLayout xmlns:a="http://schemas.openxmlformats.org/drawingml/2006/main" xmlns:r="http://schemas.openxmlformats.org/officeDocument/2006/relationships" xmlns:p="http://schemas.openxmlformats.org/presentationml/2006/main" type="objTx" preserve="1">
-  <p:cSld name="Content with Caption">
-    <p:spTree>
-      <p:nvGrpSpPr>
-        <p:cNvPr id="1" name=""/>
-        <p:cNvGrpSpPr/>
-        <p:nvPr/>
-      </p:nvGrpSpPr>
-      <p:grpSpPr>
-        <a:xfrm>
-          <a:off x="0" y="0"/>
-          <a:ext cx="0" cy="0"/>
-          <a:chOff x="0" y="0"/>
-          <a:chExt cx="0" cy="0"/>
-        </a:xfrm>
-      </p:grpSpPr>
-      <p:sp>
-        <p:nvSpPr>
-          <p:cNvPr id="2" name="Title 1"/>
-          <p:cNvSpPr>
-            <a:spLocks noGrp="1"/>
-          </p:cNvSpPr>
-          <p:nvPr>
-            <p:ph type="title"/>
-          </p:nvPr>
-        </p:nvSpPr>
-        <p:spPr>
-          <a:xfrm>
-            <a:off x="630238" y="457200"/>
-            <a:ext cx="2949575" cy="1600200"/>
-          </a:xfrm>
-        </p:spPr>
-        <p:txBody>
-          <a:bodyPr anchor="b"/>
-          <a:lstStyle>
-            <a:lvl1pPr>
-              <a:defRPr sz="3200"/>
-            </a:lvl1pPr>
-          </a:lstStyle>
-          <a:p>
-            <a:r>
-              <a:rPr lang="en-US" smtClean="0"/>
-              <a:t>Click to edit Master title style</a:t>
-            </a:r>
-            <a:endParaRPr lang="en-US"/>
-          </a:p>
-        </p:txBody>
-      </p:sp>
-      <p:sp>
-        <p:nvSpPr>
-          <p:cNvPr id="3" name="Content Placeholder 2"/>
-          <p:cNvSpPr>
-            <a:spLocks noGrp="1"/>
-          </p:cNvSpPr>
-          <p:nvPr>
-            <p:ph idx="1"/>
-          </p:nvPr>
-        </p:nvSpPr>
-        <p:spPr>
-          <a:xfrm>
-            <a:off x="3887788" y="987425"/>
-            <a:ext cx="4629150" cy="4873625"/>
-          </a:xfrm>
-        </p:spPr>
-        <p:txBody>
-          <a:bodyPr/>
-          <a:lstStyle>
-            <a:lvl1pPr>
-              <a:defRPr sz="3200"/>
-            </a:lvl1pPr>
-            <a:lvl2pPr>
-              <a:defRPr sz="2800"/>
-            </a:lvl2pPr>
-            <a:lvl3pPr>
-              <a:defRPr sz="2400"/>
-            </a:lvl3pPr>
-            <a:lvl4pPr>
-              <a:defRPr sz="2000"/>
-            </a:lvl4pPr>
-            <a:lvl5pPr>
-              <a:defRPr sz="2000"/>
-            </a:lvl5pPr>
-            <a:lvl6pPr>
-              <a:defRPr sz="2000"/>
-            </a:lvl6pPr>
-            <a:lvl7pPr>
-              <a:defRPr sz="2000"/>
-            </a:lvl7pPr>
-            <a:lvl8pPr>
-              <a:defRPr sz="2000"/>
-            </a:lvl8pPr>
-            <a:lvl9pPr>
-              <a:defRPr sz="2000"/>
-            </a:lvl9pPr>
-          </a:lstStyle>
-          <a:p>
-            <a:pPr lvl="0"/>
-            <a:r>
-              <a:rPr lang="en-US" smtClean="0"/>
-              <a:t>Click to edit Master text styles</a:t>
-            </a:r>
-          </a:p>
-          <a:p>
-            <a:pPr lvl="1"/>
-            <a:r>
-              <a:rPr lang="en-US" smtClean="0"/>
-              <a:t>Second level</a:t>
-            </a:r>
-          </a:p>
-          <a:p>
-            <a:pPr lvl="2"/>
-            <a:r>
-              <a:rPr lang="en-US" smtClean="0"/>
-              <a:t>Third level</a:t>
-            </a:r>
-          </a:p>
-          <a:p>
-            <a:pPr lvl="3"/>
-            <a:r>
-              <a:rPr lang="en-US" smtClean="0"/>
-              <a:t>Fourth level</a:t>
-            </a:r>
-          </a:p>
-          <a:p>
-            <a:pPr lvl="4"/>
-            <a:r>
-              <a:rPr lang="en-US" smtClean="0"/>
-              <a:t>Fifth level</a:t>
-            </a:r>
-            <a:endParaRPr lang="en-US"/>
-          </a:p>
-        </p:txBody>
-      </p:sp>
-      <p:sp>
-        <p:nvSpPr>
-          <p:cNvPr id="4" name="Text Placeholder 3"/>
-          <p:cNvSpPr>
-            <a:spLocks noGrp="1"/>
-          </p:cNvSpPr>
-          <p:nvPr>
-            <p:ph type="body" sz="half" idx="2"/>
-          </p:nvPr>
-        </p:nvSpPr>
-        <p:spPr>
-          <a:xfrm>
-            <a:off x="630238" y="2057400"/>
-            <a:ext cx="2949575" cy="3811588"/>
-          </a:xfrm>
-        </p:spPr>
-        <p:txBody>
-          <a:bodyPr/>
-          <a:lstStyle>
-            <a:lvl1pPr marL="0" indent="0">
-              <a:buNone/>
-              <a:defRPr sz="1600"/>
-            </a:lvl1pPr>
-            <a:lvl2pPr marL="457200" indent="0">
-              <a:buNone/>
-              <a:defRPr sz="1400"/>
-            </a:lvl2pPr>
-            <a:lvl3pPr marL="914400" indent="0">
-              <a:buNone/>
-              <a:defRPr sz="1200"/>
-            </a:lvl3pPr>
-            <a:lvl4pPr marL="1371600" indent="0">
-              <a:buNone/>
-              <a:defRPr sz="1000"/>
-            </a:lvl4pPr>
-            <a:lvl5pPr marL="1828800" indent="0">
-              <a:buNone/>
-              <a:defRPr sz="1000"/>
-            </a:lvl5pPr>
-            <a:lvl6pPr marL="2286000" indent="0">
-              <a:buNone/>
-              <a:defRPr sz="1000"/>
-            </a:lvl6pPr>
-            <a:lvl7pPr marL="2743200" indent="0">
-              <a:buNone/>
-              <a:defRPr sz="1000"/>
-            </a:lvl7pPr>
-            <a:lvl8pPr marL="3200400" indent="0">
-              <a:buNone/>
-              <a:defRPr sz="1000"/>
-            </a:lvl8pPr>
-            <a:lvl9pPr marL="3657600" indent="0">
-              <a:buNone/>
-              <a:defRPr sz="1000"/>
-            </a:lvl9pPr>
-          </a:lstStyle>
-          <a:p>
-            <a:pPr lvl="0"/>
-            <a:r>
-              <a:rPr lang="en-US" smtClean="0"/>
-              <a:t>Click to edit Master text styles</a:t>
-            </a:r>
-          </a:p>
-        </p:txBody>
-      </p:sp>
-      <p:sp>
-        <p:nvSpPr>
-          <p:cNvPr id="5" name="Date Placeholder 4"/>
-          <p:cNvSpPr>
-            <a:spLocks noGrp="1"/>
-          </p:cNvSpPr>
-          <p:nvPr>
-            <p:ph type="dt" sz="half" idx="10"/>
-          </p:nvPr>
-        </p:nvSpPr>
-        <p:spPr/>
-        <p:txBody>
-          <a:bodyPr/>
-          <a:lstStyle/>
-          <a:p>
-            <a:fld id="{834513E8-165F-4932-9E2D-FD497CB9A4FD}" type="datetimeFigureOut">
-              <a:rPr lang="en-US" smtClean="0"/>
-              <a:t>7/31/2018</a:t>
-            </a:fld>
-            <a:endParaRPr lang="en-US"/>
-          </a:p>
-        </p:txBody>
-      </p:sp>
-      <p:sp>
-        <p:nvSpPr>
-          <p:cNvPr id="6" name="Footer Placeholder 5"/>
-          <p:cNvSpPr>
-            <a:spLocks noGrp="1"/>
-          </p:cNvSpPr>
-          <p:nvPr>
-            <p:ph type="ftr" sz="quarter" idx="11"/>
-          </p:nvPr>
-        </p:nvSpPr>
-        <p:spPr/>
-        <p:txBody>
-          <a:bodyPr/>
-          <a:lstStyle/>
-          <a:p>
-            <a:endParaRPr lang="en-US"/>
-          </a:p>
-        </p:txBody>
-      </p:sp>
-      <p:sp>
-        <p:nvSpPr>
-          <p:cNvPr id="7" name="Slide Number Placeholder 6"/>
-          <p:cNvSpPr>
-            <a:spLocks noGrp="1"/>
-          </p:cNvSpPr>
-          <p:nvPr>
-            <p:ph type="sldNum" sz="quarter" idx="12"/>
-          </p:nvPr>
-        </p:nvSpPr>
-        <p:spPr/>
-        <p:txBody>
-          <a:bodyPr/>
-          <a:lstStyle/>
-          <a:p>
-            <a:fld id="{3E852FCF-D44D-4D06-AC89-29A3B60A1814}" type="slidenum">
-              <a:rPr lang="en-US" smtClean="0"/>
-              <a:t>‹#›</a:t>
-            </a:fld>
-            <a:endParaRPr lang="en-US"/>
-          </a:p>
-        </p:txBody>
-      </p:sp>
-    </p:spTree>
-    <p:extLst>
-      <p:ext uri="{BB962C8B-B14F-4D97-AF65-F5344CB8AC3E}">
-        <p14:creationId xmlns:p14="http://schemas.microsoft.com/office/powerpoint/2010/main" val="2987723682"/>
-      </p:ext>
-    </p:extLst>
-  </p:cSld>
-  <p:clrMapOvr>
-    <a:masterClrMapping/>
-  </p:clrMapOvr>
-</p:sldLayout>
-</file>
-
-<file path=ppt/slideLayouts/slideLayout14.xml><?xml version="1.0" encoding="utf-8"?>
-<p:sldLayout xmlns:a="http://schemas.openxmlformats.org/drawingml/2006/main" xmlns:r="http://schemas.openxmlformats.org/officeDocument/2006/relationships" xmlns:p="http://schemas.openxmlformats.org/presentationml/2006/main" type="picTx" preserve="1">
-  <p:cSld name="Picture with Caption">
-    <p:spTree>
-      <p:nvGrpSpPr>
-        <p:cNvPr id="1" name=""/>
-        <p:cNvGrpSpPr/>
-        <p:nvPr/>
-      </p:nvGrpSpPr>
-      <p:grpSpPr>
-        <a:xfrm>
-          <a:off x="0" y="0"/>
-          <a:ext cx="0" cy="0"/>
-          <a:chOff x="0" y="0"/>
-          <a:chExt cx="0" cy="0"/>
-        </a:xfrm>
-      </p:grpSpPr>
-      <p:sp>
-        <p:nvSpPr>
-          <p:cNvPr id="2" name="Title 1"/>
-          <p:cNvSpPr>
-            <a:spLocks noGrp="1"/>
-          </p:cNvSpPr>
-          <p:nvPr>
-            <p:ph type="title"/>
-          </p:nvPr>
-        </p:nvSpPr>
-        <p:spPr>
-          <a:xfrm>
-            <a:off x="630238" y="457200"/>
-            <a:ext cx="2949575" cy="1600200"/>
-          </a:xfrm>
-        </p:spPr>
-        <p:txBody>
-          <a:bodyPr anchor="b"/>
-          <a:lstStyle>
-            <a:lvl1pPr>
-              <a:defRPr sz="3200"/>
-            </a:lvl1pPr>
-          </a:lstStyle>
-          <a:p>
-            <a:r>
-              <a:rPr lang="en-US" smtClean="0"/>
-              <a:t>Click to edit Master title style</a:t>
-            </a:r>
-            <a:endParaRPr lang="en-US"/>
-          </a:p>
-        </p:txBody>
-      </p:sp>
-      <p:sp>
-        <p:nvSpPr>
-          <p:cNvPr id="3" name="Picture Placeholder 2"/>
-          <p:cNvSpPr>
-            <a:spLocks noGrp="1"/>
-          </p:cNvSpPr>
-          <p:nvPr>
-            <p:ph type="pic" idx="1"/>
-          </p:nvPr>
-        </p:nvSpPr>
-        <p:spPr>
-          <a:xfrm>
-            <a:off x="3887788" y="987425"/>
-            <a:ext cx="4629150" cy="4873625"/>
-          </a:xfrm>
-        </p:spPr>
-        <p:txBody>
-          <a:bodyPr/>
-          <a:lstStyle>
-            <a:lvl1pPr marL="0" indent="0">
-              <a:buNone/>
-              <a:defRPr sz="3200"/>
-            </a:lvl1pPr>
-            <a:lvl2pPr marL="457200" indent="0">
-              <a:buNone/>
-              <a:defRPr sz="2800"/>
-            </a:lvl2pPr>
-            <a:lvl3pPr marL="914400" indent="0">
-              <a:buNone/>
-              <a:defRPr sz="2400"/>
-            </a:lvl3pPr>
-            <a:lvl4pPr marL="1371600" indent="0">
-              <a:buNone/>
-              <a:defRPr sz="2000"/>
-            </a:lvl4pPr>
-            <a:lvl5pPr marL="1828800" indent="0">
-              <a:buNone/>
-              <a:defRPr sz="2000"/>
-            </a:lvl5pPr>
-            <a:lvl6pPr marL="2286000" indent="0">
-              <a:buNone/>
-              <a:defRPr sz="2000"/>
-            </a:lvl6pPr>
-            <a:lvl7pPr marL="2743200" indent="0">
-              <a:buNone/>
-              <a:defRPr sz="2000"/>
-            </a:lvl7pPr>
-            <a:lvl8pPr marL="3200400" indent="0">
-              <a:buNone/>
-              <a:defRPr sz="2000"/>
-            </a:lvl8pPr>
-            <a:lvl9pPr marL="3657600" indent="0">
-              <a:buNone/>
-              <a:defRPr sz="2000"/>
-            </a:lvl9pPr>
-          </a:lstStyle>
-          <a:p>
-            <a:endParaRPr lang="en-US"/>
-          </a:p>
-        </p:txBody>
-      </p:sp>
-      <p:sp>
-        <p:nvSpPr>
-          <p:cNvPr id="4" name="Text Placeholder 3"/>
-          <p:cNvSpPr>
-            <a:spLocks noGrp="1"/>
-          </p:cNvSpPr>
-          <p:nvPr>
-            <p:ph type="body" sz="half" idx="2"/>
-          </p:nvPr>
-        </p:nvSpPr>
-        <p:spPr>
-          <a:xfrm>
-            <a:off x="630238" y="2057400"/>
-            <a:ext cx="2949575" cy="3811588"/>
-          </a:xfrm>
-        </p:spPr>
-        <p:txBody>
-          <a:bodyPr/>
-          <a:lstStyle>
-            <a:lvl1pPr marL="0" indent="0">
-              <a:buNone/>
-              <a:defRPr sz="1600"/>
-            </a:lvl1pPr>
-            <a:lvl2pPr marL="457200" indent="0">
-              <a:buNone/>
-              <a:defRPr sz="1400"/>
-            </a:lvl2pPr>
-            <a:lvl3pPr marL="914400" indent="0">
-              <a:buNone/>
-              <a:defRPr sz="1200"/>
-            </a:lvl3pPr>
-            <a:lvl4pPr marL="1371600" indent="0">
-              <a:buNone/>
-              <a:defRPr sz="1000"/>
-            </a:lvl4pPr>
-            <a:lvl5pPr marL="1828800" indent="0">
-              <a:buNone/>
-              <a:defRPr sz="1000"/>
-            </a:lvl5pPr>
-            <a:lvl6pPr marL="2286000" indent="0">
-              <a:buNone/>
-              <a:defRPr sz="1000"/>
-            </a:lvl6pPr>
-            <a:lvl7pPr marL="2743200" indent="0">
-              <a:buNone/>
-              <a:defRPr sz="1000"/>
-            </a:lvl7pPr>
-            <a:lvl8pPr marL="3200400" indent="0">
-              <a:buNone/>
-              <a:defRPr sz="1000"/>
-            </a:lvl8pPr>
-            <a:lvl9pPr marL="3657600" indent="0">
-              <a:buNone/>
-              <a:defRPr sz="1000"/>
-            </a:lvl9pPr>
-          </a:lstStyle>
-          <a:p>
-            <a:pPr lvl="0"/>
-            <a:r>
-              <a:rPr lang="en-US" smtClean="0"/>
-              <a:t>Click to edit Master text styles</a:t>
-            </a:r>
-          </a:p>
-        </p:txBody>
-      </p:sp>
-      <p:sp>
-        <p:nvSpPr>
-          <p:cNvPr id="5" name="Date Placeholder 4"/>
-          <p:cNvSpPr>
-            <a:spLocks noGrp="1"/>
-          </p:cNvSpPr>
-          <p:nvPr>
-            <p:ph type="dt" sz="half" idx="10"/>
-          </p:nvPr>
-        </p:nvSpPr>
-        <p:spPr/>
-        <p:txBody>
-          <a:bodyPr/>
-          <a:lstStyle/>
-          <a:p>
-            <a:fld id="{834513E8-165F-4932-9E2D-FD497CB9A4FD}" type="datetimeFigureOut">
-              <a:rPr lang="en-US" smtClean="0"/>
-              <a:t>7/31/2018</a:t>
-            </a:fld>
-            <a:endParaRPr lang="en-US"/>
-          </a:p>
-        </p:txBody>
-      </p:sp>
-      <p:sp>
-        <p:nvSpPr>
-          <p:cNvPr id="6" name="Footer Placeholder 5"/>
-          <p:cNvSpPr>
-            <a:spLocks noGrp="1"/>
-          </p:cNvSpPr>
-          <p:nvPr>
-            <p:ph type="ftr" sz="quarter" idx="11"/>
-          </p:nvPr>
-        </p:nvSpPr>
-        <p:spPr/>
-        <p:txBody>
-          <a:bodyPr/>
-          <a:lstStyle/>
-          <a:p>
-            <a:endParaRPr lang="en-US"/>
-          </a:p>
-        </p:txBody>
-      </p:sp>
-      <p:sp>
-        <p:nvSpPr>
-          <p:cNvPr id="7" name="Slide Number Placeholder 6"/>
-          <p:cNvSpPr>
-            <a:spLocks noGrp="1"/>
-          </p:cNvSpPr>
-          <p:nvPr>
-            <p:ph type="sldNum" sz="quarter" idx="12"/>
-          </p:nvPr>
-        </p:nvSpPr>
-        <p:spPr/>
-        <p:txBody>
-          <a:bodyPr/>
-          <a:lstStyle/>
-          <a:p>
-            <a:fld id="{3E852FCF-D44D-4D06-AC89-29A3B60A1814}" type="slidenum">
-              <a:rPr lang="en-US" smtClean="0"/>
-              <a:t>‹#›</a:t>
-            </a:fld>
-            <a:endParaRPr lang="en-US"/>
-          </a:p>
-        </p:txBody>
-      </p:sp>
-    </p:spTree>
-    <p:extLst>
-      <p:ext uri="{BB962C8B-B14F-4D97-AF65-F5344CB8AC3E}">
-        <p14:creationId xmlns:p14="http://schemas.microsoft.com/office/powerpoint/2010/main" val="1785021468"/>
-      </p:ext>
-    </p:extLst>
-  </p:cSld>
-  <p:clrMapOvr>
-    <a:masterClrMapping/>
-  </p:clrMapOvr>
-</p:sldLayout>
-</file>
-
-<file path=ppt/slideLayouts/slideLayout15.xml><?xml version="1.0" encoding="utf-8"?>
-<p:sldLayout xmlns:a="http://schemas.openxmlformats.org/drawingml/2006/main" xmlns:r="http://schemas.openxmlformats.org/officeDocument/2006/relationships" xmlns:p="http://schemas.openxmlformats.org/presentationml/2006/main" type="vertTx" preserve="1">
-  <p:cSld name="Title and Vertical Text">
-    <p:spTree>
-      <p:nvGrpSpPr>
-        <p:cNvPr id="1" name=""/>
-        <p:cNvGrpSpPr/>
-        <p:nvPr/>
-      </p:nvGrpSpPr>
-      <p:grpSpPr>
-        <a:xfrm>
-          <a:off x="0" y="0"/>
-          <a:ext cx="0" cy="0"/>
-          <a:chOff x="0" y="0"/>
-          <a:chExt cx="0" cy="0"/>
-        </a:xfrm>
-      </p:grpSpPr>
-      <p:sp>
-        <p:nvSpPr>
-          <p:cNvPr id="2" name="Title 1"/>
-          <p:cNvSpPr>
-            <a:spLocks noGrp="1"/>
-          </p:cNvSpPr>
-          <p:nvPr>
-            <p:ph type="title"/>
-          </p:nvPr>
-        </p:nvSpPr>
-        <p:spPr/>
-        <p:txBody>
-          <a:bodyPr/>
-          <a:lstStyle/>
-          <a:p>
-            <a:r>
-              <a:rPr lang="en-US" smtClean="0"/>
-              <a:t>Click to edit Master title style</a:t>
-            </a:r>
-            <a:endParaRPr lang="en-US"/>
-          </a:p>
-        </p:txBody>
-      </p:sp>
-      <p:sp>
-        <p:nvSpPr>
-          <p:cNvPr id="3" name="Vertical Text Placeholder 2"/>
-          <p:cNvSpPr>
-            <a:spLocks noGrp="1"/>
-          </p:cNvSpPr>
-          <p:nvPr>
-            <p:ph type="body" orient="vert" idx="1"/>
-          </p:nvPr>
-        </p:nvSpPr>
-        <p:spPr/>
-        <p:txBody>
-          <a:bodyPr vert="eaVert"/>
-          <a:lstStyle/>
-          <a:p>
-            <a:pPr lvl="0"/>
-            <a:r>
-              <a:rPr lang="en-US" smtClean="0"/>
-              <a:t>Click to edit Master text styles</a:t>
-            </a:r>
-          </a:p>
-          <a:p>
-            <a:pPr lvl="1"/>
-            <a:r>
-              <a:rPr lang="en-US" smtClean="0"/>
-              <a:t>Second level</a:t>
-            </a:r>
-          </a:p>
-          <a:p>
-            <a:pPr lvl="2"/>
-            <a:r>
-              <a:rPr lang="en-US" smtClean="0"/>
-              <a:t>Third level</a:t>
-            </a:r>
-          </a:p>
-          <a:p>
-            <a:pPr lvl="3"/>
-            <a:r>
-              <a:rPr lang="en-US" smtClean="0"/>
-              <a:t>Fourth level</a:t>
-            </a:r>
-          </a:p>
-          <a:p>
-            <a:pPr lvl="4"/>
-            <a:r>
-              <a:rPr lang="en-US" smtClean="0"/>
-              <a:t>Fifth level</a:t>
-            </a:r>
-            <a:endParaRPr lang="en-US"/>
-          </a:p>
-        </p:txBody>
-      </p:sp>
-      <p:sp>
-        <p:nvSpPr>
-          <p:cNvPr id="4" name="Date Placeholder 3"/>
-          <p:cNvSpPr>
-            <a:spLocks noGrp="1"/>
-          </p:cNvSpPr>
-          <p:nvPr>
-            <p:ph type="dt" sz="half" idx="10"/>
-          </p:nvPr>
-        </p:nvSpPr>
-        <p:spPr/>
-        <p:txBody>
-          <a:bodyPr/>
-          <a:lstStyle/>
-          <a:p>
-            <a:fld id="{834513E8-165F-4932-9E2D-FD497CB9A4FD}" type="datetimeFigureOut">
-              <a:rPr lang="en-US" smtClean="0"/>
-              <a:t>7/31/2018</a:t>
-            </a:fld>
-            <a:endParaRPr lang="en-US"/>
-          </a:p>
-        </p:txBody>
-      </p:sp>
-      <p:sp>
-        <p:nvSpPr>
-          <p:cNvPr id="5" name="Footer Placeholder 4"/>
-          <p:cNvSpPr>
-            <a:spLocks noGrp="1"/>
-          </p:cNvSpPr>
-          <p:nvPr>
-            <p:ph type="ftr" sz="quarter" idx="11"/>
-          </p:nvPr>
-        </p:nvSpPr>
-        <p:spPr/>
-        <p:txBody>
-          <a:bodyPr/>
-          <a:lstStyle/>
-          <a:p>
-            <a:endParaRPr lang="en-US"/>
-          </a:p>
-        </p:txBody>
-      </p:sp>
-      <p:sp>
-        <p:nvSpPr>
-          <p:cNvPr id="6" name="Slide Number Placeholder 5"/>
-          <p:cNvSpPr>
-            <a:spLocks noGrp="1"/>
-          </p:cNvSpPr>
-          <p:nvPr>
-            <p:ph type="sldNum" sz="quarter" idx="12"/>
-          </p:nvPr>
-        </p:nvSpPr>
-        <p:spPr/>
-        <p:txBody>
-          <a:bodyPr/>
-          <a:lstStyle/>
-          <a:p>
-            <a:fld id="{3E852FCF-D44D-4D06-AC89-29A3B60A1814}" type="slidenum">
-              <a:rPr lang="en-US" smtClean="0"/>
-              <a:t>‹#›</a:t>
-            </a:fld>
-            <a:endParaRPr lang="en-US"/>
-          </a:p>
-        </p:txBody>
-      </p:sp>
-    </p:spTree>
-    <p:extLst>
-      <p:ext uri="{BB962C8B-B14F-4D97-AF65-F5344CB8AC3E}">
-        <p14:creationId xmlns:p14="http://schemas.microsoft.com/office/powerpoint/2010/main" val="2219195948"/>
-      </p:ext>
-    </p:extLst>
-  </p:cSld>
-  <p:clrMapOvr>
-    <a:masterClrMapping/>
-  </p:clrMapOvr>
-</p:sldLayout>
-</file>
-
-<file path=ppt/slideLayouts/slideLayout16.xml><?xml version="1.0" encoding="utf-8"?>
-<p:sldLayout xmlns:a="http://schemas.openxmlformats.org/drawingml/2006/main" xmlns:r="http://schemas.openxmlformats.org/officeDocument/2006/relationships" xmlns:p="http://schemas.openxmlformats.org/presentationml/2006/main" type="vertTitleAndTx" preserve="1">
-  <p:cSld name="Vertical Title and Text">
-    <p:spTree>
-      <p:nvGrpSpPr>
-        <p:cNvPr id="1" name=""/>
-        <p:cNvGrpSpPr/>
-        <p:nvPr/>
-      </p:nvGrpSpPr>
-      <p:grpSpPr>
-        <a:xfrm>
-          <a:off x="0" y="0"/>
-          <a:ext cx="0" cy="0"/>
-          <a:chOff x="0" y="0"/>
-          <a:chExt cx="0" cy="0"/>
-        </a:xfrm>
-      </p:grpSpPr>
-      <p:sp>
-        <p:nvSpPr>
-          <p:cNvPr id="2" name="Vertical Title 1"/>
-          <p:cNvSpPr>
-            <a:spLocks noGrp="1"/>
-          </p:cNvSpPr>
-          <p:nvPr>
-            <p:ph type="title" orient="vert"/>
-          </p:nvPr>
-        </p:nvSpPr>
-        <p:spPr>
-          <a:xfrm>
-            <a:off x="6543675" y="365125"/>
-            <a:ext cx="1971675" cy="5811838"/>
-          </a:xfrm>
-        </p:spPr>
-        <p:txBody>
-          <a:bodyPr vert="eaVert"/>
-          <a:lstStyle/>
-          <a:p>
-            <a:r>
-              <a:rPr lang="en-US" smtClean="0"/>
-              <a:t>Click to edit Master title style</a:t>
-            </a:r>
-            <a:endParaRPr lang="en-US"/>
-          </a:p>
-        </p:txBody>
-      </p:sp>
-      <p:sp>
-        <p:nvSpPr>
-          <p:cNvPr id="3" name="Vertical Text Placeholder 2"/>
-          <p:cNvSpPr>
-            <a:spLocks noGrp="1"/>
-          </p:cNvSpPr>
-          <p:nvPr>
-            <p:ph type="body" orient="vert" idx="1"/>
-          </p:nvPr>
-        </p:nvSpPr>
-        <p:spPr>
-          <a:xfrm>
-            <a:off x="628650" y="365125"/>
-            <a:ext cx="5762625" cy="5811838"/>
-          </a:xfrm>
-        </p:spPr>
-        <p:txBody>
-          <a:bodyPr vert="eaVert"/>
-          <a:lstStyle/>
-          <a:p>
-            <a:pPr lvl="0"/>
-            <a:r>
-              <a:rPr lang="en-US" smtClean="0"/>
-              <a:t>Click to edit Master text styles</a:t>
-            </a:r>
-          </a:p>
-          <a:p>
-            <a:pPr lvl="1"/>
-            <a:r>
-              <a:rPr lang="en-US" smtClean="0"/>
-              <a:t>Second level</a:t>
-            </a:r>
-          </a:p>
-          <a:p>
-            <a:pPr lvl="2"/>
-            <a:r>
-              <a:rPr lang="en-US" smtClean="0"/>
-              <a:t>Third level</a:t>
-            </a:r>
-          </a:p>
-          <a:p>
-            <a:pPr lvl="3"/>
-            <a:r>
-              <a:rPr lang="en-US" smtClean="0"/>
-              <a:t>Fourth level</a:t>
-            </a:r>
-          </a:p>
-          <a:p>
-            <a:pPr lvl="4"/>
-            <a:r>
-              <a:rPr lang="en-US" smtClean="0"/>
-              <a:t>Fifth level</a:t>
-            </a:r>
-            <a:endParaRPr lang="en-US"/>
-          </a:p>
-        </p:txBody>
-      </p:sp>
-      <p:sp>
-        <p:nvSpPr>
-          <p:cNvPr id="4" name="Date Placeholder 3"/>
-          <p:cNvSpPr>
-            <a:spLocks noGrp="1"/>
-          </p:cNvSpPr>
-          <p:nvPr>
-            <p:ph type="dt" sz="half" idx="10"/>
-          </p:nvPr>
-        </p:nvSpPr>
-        <p:spPr/>
-        <p:txBody>
-          <a:bodyPr/>
-          <a:lstStyle/>
-          <a:p>
-            <a:fld id="{834513E8-165F-4932-9E2D-FD497CB9A4FD}" type="datetimeFigureOut">
-              <a:rPr lang="en-US" smtClean="0"/>
-              <a:t>7/31/2018</a:t>
-            </a:fld>
-            <a:endParaRPr lang="en-US"/>
-          </a:p>
-        </p:txBody>
-      </p:sp>
-      <p:sp>
-        <p:nvSpPr>
-          <p:cNvPr id="5" name="Footer Placeholder 4"/>
-          <p:cNvSpPr>
-            <a:spLocks noGrp="1"/>
-          </p:cNvSpPr>
-          <p:nvPr>
-            <p:ph type="ftr" sz="quarter" idx="11"/>
-          </p:nvPr>
-        </p:nvSpPr>
-        <p:spPr/>
-        <p:txBody>
-          <a:bodyPr/>
-          <a:lstStyle/>
-          <a:p>
-            <a:endParaRPr lang="en-US"/>
-          </a:p>
-        </p:txBody>
-      </p:sp>
-      <p:sp>
-        <p:nvSpPr>
-          <p:cNvPr id="6" name="Slide Number Placeholder 5"/>
-          <p:cNvSpPr>
-            <a:spLocks noGrp="1"/>
-          </p:cNvSpPr>
-          <p:nvPr>
-            <p:ph type="sldNum" sz="quarter" idx="12"/>
-          </p:nvPr>
-        </p:nvSpPr>
-        <p:spPr/>
-        <p:txBody>
-          <a:bodyPr/>
-          <a:lstStyle/>
-          <a:p>
-            <a:fld id="{3E852FCF-D44D-4D06-AC89-29A3B60A1814}" type="slidenum">
-              <a:rPr lang="en-US" smtClean="0"/>
-              <a:t>‹#›</a:t>
-            </a:fld>
-            <a:endParaRPr lang="en-US"/>
-          </a:p>
-        </p:txBody>
-      </p:sp>
-    </p:spTree>
-    <p:extLst>
-      <p:ext uri="{BB962C8B-B14F-4D97-AF65-F5344CB8AC3E}">
-        <p14:creationId xmlns:p14="http://schemas.microsoft.com/office/powerpoint/2010/main" val="585405857"/>
-      </p:ext>
-    </p:extLst>
-  </p:cSld>
-  <p:clrMapOvr>
-    <a:masterClrMapping/>
-  </p:clrMapOvr>
-</p:sldLayout>
-</file>
-
-<file path=ppt/slideLayouts/slideLayout2.xml><?xml version="1.0" encoding="utf-8"?>
-<p:sldLayout xmlns:a="http://schemas.openxmlformats.org/drawingml/2006/main" xmlns:r="http://schemas.openxmlformats.org/officeDocument/2006/relationships" xmlns:p="http://schemas.openxmlformats.org/presentationml/2006/main" type="obj">
-  <p:cSld name="Title and Content">
-    <p:spTree>
-      <p:nvGrpSpPr>
-        <p:cNvPr id="1" name=""/>
-        <p:cNvGrpSpPr/>
-        <p:nvPr/>
-      </p:nvGrpSpPr>
-      <p:grpSpPr>
-        <a:xfrm>
-          <a:off x="0" y="0"/>
-          <a:ext cx="0" cy="0"/>
-          <a:chOff x="0" y="0"/>
-          <a:chExt cx="0" cy="0"/>
-        </a:xfrm>
-      </p:grpSpPr>
-      <p:sp>
-        <p:nvSpPr>
-          <p:cNvPr id="2" name="Title 1"/>
-          <p:cNvSpPr>
-            <a:spLocks noGrp="1"/>
-          </p:cNvSpPr>
-          <p:nvPr>
-            <p:ph type="title"/>
-          </p:nvPr>
-        </p:nvSpPr>
-        <p:spPr/>
-        <p:txBody>
-          <a:bodyPr/>
-          <a:lstStyle/>
-          <a:p>
-            <a:r>
-              <a:rPr lang="en-US" smtClean="0"/>
-              <a:t>Click to edit Master title style</a:t>
-            </a:r>
-            <a:endParaRPr lang="en-US"/>
-          </a:p>
-        </p:txBody>
-      </p:sp>
-      <p:sp>
-        <p:nvSpPr>
-          <p:cNvPr id="3" name="Content Placeholder 2"/>
-          <p:cNvSpPr>
-            <a:spLocks noGrp="1"/>
-          </p:cNvSpPr>
-          <p:nvPr>
-            <p:ph idx="1"/>
-          </p:nvPr>
-        </p:nvSpPr>
-        <p:spPr/>
-        <p:txBody>
-          <a:bodyPr/>
-          <a:lstStyle/>
-          <a:p>
-            <a:pPr lvl="0"/>
-            <a:r>
-              <a:rPr lang="en-US" smtClean="0"/>
-              <a:t>Click to edit Master text styles</a:t>
-            </a:r>
-          </a:p>
-          <a:p>
-            <a:pPr lvl="1"/>
-            <a:r>
-              <a:rPr lang="en-US" smtClean="0"/>
-              <a:t>Second level</a:t>
-            </a:r>
-          </a:p>
-          <a:p>
-            <a:pPr lvl="2"/>
-            <a:r>
-              <a:rPr lang="en-US" smtClean="0"/>
-              <a:t>Third level</a:t>
-            </a:r>
-          </a:p>
-          <a:p>
-            <a:pPr lvl="3"/>
-            <a:r>
-              <a:rPr lang="en-US" smtClean="0"/>
-              <a:t>Fourth level</a:t>
-            </a:r>
-          </a:p>
-          <a:p>
-            <a:pPr lvl="4"/>
-            <a:r>
-              <a:rPr lang="en-US" smtClean="0"/>
-              <a:t>Fifth level</a:t>
-            </a:r>
-            <a:endParaRPr lang="en-US"/>
-          </a:p>
-        </p:txBody>
-      </p:sp>
-    </p:spTree>
-    <p:extLst>
-      <p:ext uri="{BB962C8B-B14F-4D97-AF65-F5344CB8AC3E}">
-        <p14:creationId xmlns:p14="http://schemas.microsoft.com/office/powerpoint/2010/main" val="1289320710"/>
-      </p:ext>
-    </p:extLst>
-  </p:cSld>
-  <p:clrMapOvr>
-    <a:masterClrMapping/>
-  </p:clrMapOvr>
-</p:sldLayout>
-</file>
-
-<file path=ppt/slideLayouts/slideLayout3.xml><?xml version="1.0" encoding="utf-8"?>
-<p:sldLayout xmlns:a="http://schemas.openxmlformats.org/drawingml/2006/main" xmlns:r="http://schemas.openxmlformats.org/officeDocument/2006/relationships" xmlns:p="http://schemas.openxmlformats.org/presentationml/2006/main" type="titleOnly">
-  <p:cSld name="Title Only">
-    <p:spTree>
-      <p:nvGrpSpPr>
-        <p:cNvPr id="1" name=""/>
-        <p:cNvGrpSpPr/>
-        <p:nvPr/>
-      </p:nvGrpSpPr>
-      <p:grpSpPr>
-        <a:xfrm>
-          <a:off x="0" y="0"/>
-          <a:ext cx="0" cy="0"/>
-          <a:chOff x="0" y="0"/>
-          <a:chExt cx="0" cy="0"/>
-        </a:xfrm>
-      </p:grpSpPr>
-      <p:sp>
-        <p:nvSpPr>
-          <p:cNvPr id="2" name="Title 1"/>
-          <p:cNvSpPr>
-            <a:spLocks noGrp="1"/>
-          </p:cNvSpPr>
-          <p:nvPr>
-            <p:ph type="title"/>
-          </p:nvPr>
-        </p:nvSpPr>
-        <p:spPr/>
-        <p:txBody>
-          <a:bodyPr/>
-          <a:lstStyle/>
-          <a:p>
-            <a:r>
-              <a:rPr lang="en-US" smtClean="0"/>
-              <a:t>Click to edit Master title style</a:t>
-            </a:r>
-            <a:endParaRPr lang="en-US"/>
-          </a:p>
-        </p:txBody>
-      </p:sp>
-      <p:sp>
-        <p:nvSpPr>
-          <p:cNvPr id="3" name="Rectangle 5"/>
-          <p:cNvSpPr>
-            <a:spLocks noGrp="1" noChangeArrowheads="1"/>
-          </p:cNvSpPr>
-          <p:nvPr>
-            <p:ph type="ftr" sz="quarter" idx="10"/>
-          </p:nvPr>
-        </p:nvSpPr>
-        <p:spPr>
-          <a:xfrm>
-            <a:off x="2192338" y="6494463"/>
-            <a:ext cx="4764087" cy="228600"/>
-          </a:xfrm>
-          <a:prstGeom prst="rect">
-            <a:avLst/>
-          </a:prstGeom>
-          <a:ln/>
-        </p:spPr>
-        <p:txBody>
-          <a:bodyPr/>
-          <a:lstStyle>
-            <a:lvl1pPr>
-              <a:defRPr/>
-            </a:lvl1pPr>
-          </a:lstStyle>
-          <a:p>
-            <a:pPr>
-              <a:defRPr/>
-            </a:pPr>
-            <a:r>
-              <a:rPr lang="en-US"/>
-              <a:t>EE 382 Microcontroller Programming – Fall 2007 – Slide #</a:t>
-            </a:r>
-            <a:fld id="{28889C48-89AD-4887-A779-AFCE75A8529B}" type="slidenum">
-              <a:rPr lang="en-US"/>
-              <a:pPr>
-                <a:defRPr/>
-              </a:pPr>
-              <a:t>‹#›</a:t>
-            </a:fld>
-            <a:endParaRPr lang="en-US"/>
-          </a:p>
-        </p:txBody>
-      </p:sp>
-    </p:spTree>
-    <p:extLst>
-      <p:ext uri="{BB962C8B-B14F-4D97-AF65-F5344CB8AC3E}">
-        <p14:creationId xmlns:p14="http://schemas.microsoft.com/office/powerpoint/2010/main" val="828381102"/>
-      </p:ext>
-    </p:extLst>
-  </p:cSld>
-  <p:clrMapOvr>
-    <a:masterClrMapping/>
-  </p:clrMapOvr>
-</p:sldLayout>
-</file>
-
-<file path=ppt/slideLayouts/slideLayout4.xml><?xml version="1.0" encoding="utf-8"?>
-<p:sldLayout xmlns:a="http://schemas.openxmlformats.org/drawingml/2006/main" xmlns:r="http://schemas.openxmlformats.org/officeDocument/2006/relationships" xmlns:p="http://schemas.openxmlformats.org/presentationml/2006/main" preserve="1" userDrawn="1">
-  <p:cSld name="Title Slide">
-    <p:spTree>
-      <p:nvGrpSpPr>
-        <p:cNvPr id="1" name=""/>
-        <p:cNvGrpSpPr/>
-        <p:nvPr/>
-      </p:nvGrpSpPr>
-      <p:grpSpPr>
-        <a:xfrm>
-          <a:off x="0" y="0"/>
-          <a:ext cx="0" cy="0"/>
-          <a:chOff x="0" y="0"/>
-          <a:chExt cx="0" cy="0"/>
-        </a:xfrm>
-      </p:grpSpPr>
-      <p:sp>
-        <p:nvSpPr>
-          <p:cNvPr id="3" name="Subtitle 2"/>
-          <p:cNvSpPr>
-            <a:spLocks noGrp="1"/>
-          </p:cNvSpPr>
-          <p:nvPr>
-            <p:ph type="subTitle" idx="1" hasCustomPrompt="1"/>
-          </p:nvPr>
-        </p:nvSpPr>
-        <p:spPr>
-          <a:xfrm>
-            <a:off x="365760" y="1463040"/>
-            <a:ext cx="8412480" cy="4937760"/>
-          </a:xfrm>
-        </p:spPr>
-        <p:txBody>
-          <a:bodyPr/>
-          <a:lstStyle>
-            <a:lvl1pPr marL="285750" marR="0" indent="-285750" algn="l" defTabSz="914400" rtl="0" eaLnBrk="0" fontAlgn="base" latinLnBrk="0" hangingPunct="0">
-              <a:lnSpc>
-                <a:spcPct val="100000"/>
-              </a:lnSpc>
-              <a:spcBef>
-                <a:spcPct val="20000"/>
-              </a:spcBef>
-              <a:spcAft>
-                <a:spcPct val="0"/>
-              </a:spcAft>
-              <a:buClr>
-                <a:srgbClr val="0C2D83"/>
-              </a:buClr>
-              <a:buSzPct val="80000"/>
-              <a:buFont typeface="Wingdings" pitchFamily="2" charset="2"/>
-              <a:buChar char="n"/>
-              <a:tabLst/>
-              <a:defRPr>
-                <a:solidFill>
-                  <a:schemeClr val="tx1"/>
-                </a:solidFill>
-                <a:latin typeface="Trebuchet MS" panose="020B0603020202020204" pitchFamily="34" charset="0"/>
-              </a:defRPr>
-            </a:lvl1pPr>
-            <a:lvl2pPr marL="688975" marR="0" indent="-282575" algn="l" defTabSz="914400" rtl="0" eaLnBrk="0" fontAlgn="base" latinLnBrk="0" hangingPunct="0">
-              <a:lnSpc>
-                <a:spcPct val="100000"/>
-              </a:lnSpc>
-              <a:spcBef>
-                <a:spcPct val="20000"/>
-              </a:spcBef>
-              <a:spcAft>
-                <a:spcPct val="0"/>
-              </a:spcAft>
-              <a:buClr>
-                <a:srgbClr val="0C2D83"/>
-              </a:buClr>
-              <a:buSzPct val="80000"/>
-              <a:buFont typeface="Wingdings" pitchFamily="2" charset="2"/>
-              <a:buChar char="n"/>
-              <a:tabLst/>
-              <a:defRPr>
-                <a:solidFill>
-                  <a:schemeClr val="tx1"/>
-                </a:solidFill>
-                <a:latin typeface="Trebuchet MS" panose="020B0603020202020204" pitchFamily="34" charset="0"/>
-              </a:defRPr>
-            </a:lvl2pPr>
-            <a:lvl3pPr marL="1027113" marR="0" indent="-223838" algn="l" defTabSz="914400" rtl="0" eaLnBrk="0" fontAlgn="base" latinLnBrk="0" hangingPunct="0">
-              <a:lnSpc>
-                <a:spcPct val="100000"/>
-              </a:lnSpc>
-              <a:spcBef>
-                <a:spcPct val="20000"/>
-              </a:spcBef>
-              <a:spcAft>
-                <a:spcPct val="0"/>
-              </a:spcAft>
-              <a:buClr>
-                <a:srgbClr val="0C2D83"/>
-              </a:buClr>
-              <a:buSzPct val="80000"/>
-              <a:buFont typeface="Wingdings" pitchFamily="2" charset="2"/>
-              <a:buChar char="n"/>
-              <a:tabLst/>
-              <a:defRPr>
-                <a:solidFill>
-                  <a:schemeClr val="tx1"/>
-                </a:solidFill>
-                <a:latin typeface="Trebuchet MS" panose="020B0603020202020204" pitchFamily="34" charset="0"/>
-              </a:defRPr>
-            </a:lvl3pPr>
-            <a:lvl4pPr marL="1600200" marR="0" indent="-228600" algn="l" defTabSz="914400" rtl="0" eaLnBrk="0" fontAlgn="base" latinLnBrk="0" hangingPunct="0">
-              <a:lnSpc>
-                <a:spcPct val="100000"/>
-              </a:lnSpc>
-              <a:spcBef>
-                <a:spcPct val="20000"/>
-              </a:spcBef>
-              <a:spcAft>
-                <a:spcPct val="0"/>
-              </a:spcAft>
-              <a:buClr>
-                <a:srgbClr val="003399"/>
-              </a:buClr>
-              <a:buSzPct val="80000"/>
-              <a:buFont typeface="Wingdings" pitchFamily="2" charset="2"/>
-              <a:buChar char="n"/>
-              <a:tabLst/>
-              <a:defRPr>
-                <a:solidFill>
-                  <a:schemeClr val="tx1"/>
-                </a:solidFill>
-                <a:latin typeface="Trebuchet MS" panose="020B0603020202020204" pitchFamily="34" charset="0"/>
-              </a:defRPr>
-            </a:lvl4pPr>
-            <a:lvl5pPr marL="1828800" indent="0" algn="ctr">
-              <a:buNone/>
-              <a:defRPr>
-                <a:solidFill>
-                  <a:schemeClr val="tx1">
-                    <a:tint val="75000"/>
-                  </a:schemeClr>
-                </a:solidFill>
-              </a:defRPr>
-            </a:lvl5pPr>
-            <a:lvl6pPr marL="2286000" indent="0" algn="ctr">
-              <a:buNone/>
-              <a:defRPr>
-                <a:solidFill>
-                  <a:schemeClr val="tx1">
-                    <a:tint val="75000"/>
-                  </a:schemeClr>
-                </a:solidFill>
-              </a:defRPr>
-            </a:lvl6pPr>
-            <a:lvl7pPr marL="2743200" indent="0" algn="ctr">
-              <a:buNone/>
-              <a:defRPr>
-                <a:solidFill>
-                  <a:schemeClr val="tx1">
-                    <a:tint val="75000"/>
-                  </a:schemeClr>
-                </a:solidFill>
-              </a:defRPr>
-            </a:lvl7pPr>
-            <a:lvl8pPr marL="3200400" indent="0" algn="ctr">
-              <a:buNone/>
-              <a:defRPr>
-                <a:solidFill>
-                  <a:schemeClr val="tx1">
-                    <a:tint val="75000"/>
-                  </a:schemeClr>
-                </a:solidFill>
-              </a:defRPr>
-            </a:lvl8pPr>
-            <a:lvl9pPr marL="3657600" indent="0" algn="ctr">
-              <a:buNone/>
-              <a:defRPr>
-                <a:solidFill>
-                  <a:schemeClr val="tx1">
-                    <a:tint val="75000"/>
-                  </a:schemeClr>
-                </a:solidFill>
-              </a:defRPr>
-            </a:lvl9pPr>
-          </a:lstStyle>
-          <a:p>
-            <a:pPr marL="285750" marR="0" lvl="0" indent="-285750" algn="l" defTabSz="914400" rtl="0" eaLnBrk="0" fontAlgn="base" latinLnBrk="0" hangingPunct="0">
-              <a:lnSpc>
-                <a:spcPct val="100000"/>
-              </a:lnSpc>
-              <a:spcBef>
-                <a:spcPct val="20000"/>
-              </a:spcBef>
-              <a:spcAft>
-                <a:spcPct val="0"/>
-              </a:spcAft>
-              <a:buClr>
-                <a:srgbClr val="0C2D83"/>
-              </a:buClr>
-              <a:buSzPct val="80000"/>
-              <a:buFont typeface="Wingdings" pitchFamily="2" charset="2"/>
-              <a:buChar char="n"/>
-              <a:tabLst/>
-              <a:defRPr/>
-            </a:pPr>
-            <a:r>
-              <a:rPr kumimoji="0" lang="en-US" sz="2400" b="1" i="0" u="none" strike="noStrike" kern="0" cap="none" spc="0" normalizeH="0" baseline="0" noProof="0" dirty="0" smtClean="0">
-                <a:ln>
-                  <a:noFill/>
-                </a:ln>
-                <a:solidFill>
-                  <a:srgbClr val="000000"/>
-                </a:solidFill>
-                <a:effectLst/>
-                <a:uLnTx/>
-                <a:uFillTx/>
-                <a:latin typeface="+mn-lt"/>
-              </a:rPr>
-              <a:t>Click to edit Master text styles</a:t>
-            </a:r>
-          </a:p>
-          <a:p>
-            <a:pPr marL="688975" marR="0" lvl="1" indent="-282575" algn="l" defTabSz="914400" rtl="0" eaLnBrk="0" fontAlgn="base" latinLnBrk="0" hangingPunct="0">
-              <a:lnSpc>
-                <a:spcPct val="100000"/>
-              </a:lnSpc>
-              <a:spcBef>
-                <a:spcPct val="20000"/>
-              </a:spcBef>
-              <a:spcAft>
-                <a:spcPct val="0"/>
-              </a:spcAft>
-              <a:buClr>
-                <a:srgbClr val="0C2D83"/>
-              </a:buClr>
-              <a:buSzPct val="80000"/>
-              <a:buFont typeface="Wingdings" pitchFamily="2" charset="2"/>
-              <a:buChar char="n"/>
-              <a:tabLst/>
-              <a:defRPr/>
-            </a:pPr>
-            <a:r>
-              <a:rPr kumimoji="0" lang="en-US" sz="2000" b="1" i="0" u="none" strike="noStrike" kern="0" cap="none" spc="0" normalizeH="0" baseline="0" noProof="0" dirty="0" smtClean="0">
-                <a:ln>
-                  <a:noFill/>
-                </a:ln>
-                <a:solidFill>
-                  <a:srgbClr val="000000"/>
-                </a:solidFill>
-                <a:effectLst/>
-                <a:uLnTx/>
-                <a:uFillTx/>
-                <a:latin typeface="+mn-lt"/>
-              </a:rPr>
-              <a:t>Second level</a:t>
-            </a:r>
-          </a:p>
-          <a:p>
-            <a:pPr marL="1027113" marR="0" lvl="2" indent="-223838" algn="l" defTabSz="914400" rtl="0" eaLnBrk="0" fontAlgn="base" latinLnBrk="0" hangingPunct="0">
-              <a:lnSpc>
-                <a:spcPct val="100000"/>
-              </a:lnSpc>
-              <a:spcBef>
-                <a:spcPct val="20000"/>
-              </a:spcBef>
-              <a:spcAft>
-                <a:spcPct val="0"/>
-              </a:spcAft>
-              <a:buClr>
-                <a:srgbClr val="0C2D83"/>
-              </a:buClr>
-              <a:buSzPct val="80000"/>
-              <a:buFont typeface="Wingdings" pitchFamily="2" charset="2"/>
-              <a:buChar char="n"/>
-              <a:tabLst/>
-              <a:defRPr/>
-            </a:pPr>
-            <a:r>
-              <a:rPr kumimoji="0" lang="en-US" sz="1800" b="1" i="0" u="none" strike="noStrike" kern="0" cap="none" spc="0" normalizeH="0" baseline="0" noProof="0" dirty="0" smtClean="0">
-                <a:ln>
-                  <a:noFill/>
-                </a:ln>
-                <a:solidFill>
-                  <a:srgbClr val="000000"/>
-                </a:solidFill>
-                <a:effectLst/>
-                <a:uLnTx/>
-                <a:uFillTx/>
-                <a:latin typeface="+mn-lt"/>
-              </a:rPr>
-              <a:t>Third level</a:t>
-            </a:r>
-          </a:p>
-          <a:p>
-            <a:pPr marL="1600200" marR="0" lvl="3" indent="-228600" algn="l" defTabSz="914400" rtl="0" eaLnBrk="0" fontAlgn="base" latinLnBrk="0" hangingPunct="0">
-              <a:lnSpc>
-                <a:spcPct val="100000"/>
-              </a:lnSpc>
-              <a:spcBef>
-                <a:spcPct val="20000"/>
-              </a:spcBef>
-              <a:spcAft>
-                <a:spcPct val="0"/>
-              </a:spcAft>
-              <a:buClr>
-                <a:srgbClr val="003399"/>
-              </a:buClr>
-              <a:buSzPct val="80000"/>
-              <a:buFont typeface="Wingdings" pitchFamily="2" charset="2"/>
-              <a:buChar char="n"/>
-              <a:tabLst/>
-              <a:defRPr/>
-            </a:pPr>
-            <a:r>
-              <a:rPr kumimoji="0" lang="en-US" sz="1600" b="1" i="0" u="none" strike="noStrike" kern="0" cap="none" spc="0" normalizeH="0" baseline="0" noProof="0" dirty="0" smtClean="0">
-                <a:ln>
-                  <a:noFill/>
-                </a:ln>
-                <a:solidFill>
-                  <a:srgbClr val="000000"/>
-                </a:solidFill>
-                <a:effectLst/>
-                <a:uLnTx/>
-                <a:uFillTx/>
-                <a:latin typeface="+mn-lt"/>
-              </a:rPr>
-              <a:t>Fourth level</a:t>
-            </a:r>
-          </a:p>
-        </p:txBody>
-      </p:sp>
-      <p:sp>
-        <p:nvSpPr>
-          <p:cNvPr id="10" name="Rectangle 3"/>
-          <p:cNvSpPr>
-            <a:spLocks noGrp="1" noChangeArrowheads="1"/>
-          </p:cNvSpPr>
-          <p:nvPr>
-            <p:ph type="title"/>
-          </p:nvPr>
-        </p:nvSpPr>
-        <p:spPr bwMode="auto">
-          <a:xfrm>
-            <a:off x="1828800" y="182880"/>
-            <a:ext cx="7040880" cy="1097280"/>
-          </a:xfrm>
-          <a:prstGeom prst="rect">
-            <a:avLst/>
-          </a:prstGeom>
-          <a:noFill/>
-          <a:ln w="9525">
-            <a:noFill/>
-            <a:miter lim="800000"/>
-            <a:headEnd/>
-            <a:tailEnd/>
-          </a:ln>
-        </p:spPr>
-        <p:txBody>
-          <a:bodyPr vert="horz" wrap="square" lIns="91440" tIns="45720" rIns="91440" bIns="45720" numCol="1" anchor="ctr" anchorCtr="0" compatLnSpc="1">
-            <a:prstTxWarp prst="textNoShape">
-              <a:avLst/>
-            </a:prstTxWarp>
-          </a:bodyPr>
-          <a:lstStyle>
-            <a:lvl1pPr>
-              <a:defRPr>
-                <a:latin typeface="Trebuchet MS" panose="020B0603020202020204" pitchFamily="34" charset="0"/>
-              </a:defRPr>
-            </a:lvl1pPr>
-          </a:lstStyle>
-          <a:p>
-            <a:pPr lvl="0"/>
-            <a:r>
-              <a:rPr lang="en-US" dirty="0" smtClean="0"/>
-              <a:t>Click to edit Master title style</a:t>
-            </a:r>
-          </a:p>
-        </p:txBody>
-      </p:sp>
-      <p:sp>
-        <p:nvSpPr>
-          <p:cNvPr id="4" name="Slide Number Placeholder 21"/>
-          <p:cNvSpPr>
-            <a:spLocks noGrp="1"/>
-          </p:cNvSpPr>
-          <p:nvPr>
-            <p:ph type="sldNum" sz="quarter" idx="12"/>
-          </p:nvPr>
-        </p:nvSpPr>
-        <p:spPr>
-          <a:xfrm>
-            <a:off x="8551333" y="6521450"/>
-            <a:ext cx="592667" cy="336550"/>
-          </a:xfrm>
-          <a:prstGeom prst="rect">
-            <a:avLst/>
-          </a:prstGeom>
-        </p:spPr>
-        <p:txBody>
-          <a:bodyPr/>
-          <a:lstStyle>
-            <a:lvl1pPr algn="ctr">
-              <a:defRPr/>
-            </a:lvl1pPr>
-          </a:lstStyle>
-          <a:p>
-            <a:pPr>
-              <a:defRPr/>
-            </a:pPr>
-            <a:fld id="{D7580031-58D8-4E1D-BF97-18519902E6F9}" type="slidenum">
-              <a:rPr lang="en-US" smtClean="0">
-                <a:solidFill>
-                  <a:srgbClr val="000000"/>
-                </a:solidFill>
-              </a:rPr>
-              <a:pPr>
-                <a:defRPr/>
-              </a:pPr>
-              <a:t>‹#›</a:t>
-            </a:fld>
-            <a:endParaRPr lang="en-US" dirty="0">
-              <a:solidFill>
-                <a:srgbClr val="000000"/>
-              </a:solidFill>
-            </a:endParaRPr>
-          </a:p>
-        </p:txBody>
-      </p:sp>
-    </p:spTree>
-    <p:extLst>
-      <p:ext uri="{BB962C8B-B14F-4D97-AF65-F5344CB8AC3E}">
-        <p14:creationId xmlns:p14="http://schemas.microsoft.com/office/powerpoint/2010/main" val="829370475"/>
-      </p:ext>
-    </p:extLst>
-  </p:cSld>
-  <p:clrMapOvr>
-    <a:masterClrMapping/>
-  </p:clrMapOvr>
-  <p:transition spd="med"/>
-  <p:timing>
-    <p:tnLst>
-      <p:par>
-        <p:cTn id="1" dur="indefinite" restart="never" nodeType="tmRoot"/>
-      </p:par>
-    </p:tnLst>
-  </p:timing>
-</p:sldLayout>
-</file>
-
-<file path=ppt/slideLayouts/slideLayout5.xml><?xml version="1.0" encoding="utf-8"?>
-<p:sldLayout xmlns:a="http://schemas.openxmlformats.org/drawingml/2006/main" xmlns:r="http://schemas.openxmlformats.org/officeDocument/2006/relationships" xmlns:p="http://schemas.openxmlformats.org/presentationml/2006/main" type="obj">
-  <p:cSld name="Title and Content">
-    <p:spTree>
-      <p:nvGrpSpPr>
-        <p:cNvPr id="1" name=""/>
-        <p:cNvGrpSpPr/>
-        <p:nvPr/>
-      </p:nvGrpSpPr>
-      <p:grpSpPr>
-        <a:xfrm>
-          <a:off x="0" y="0"/>
-          <a:ext cx="0" cy="0"/>
-          <a:chOff x="0" y="0"/>
-          <a:chExt cx="0" cy="0"/>
-        </a:xfrm>
-      </p:grpSpPr>
-      <p:sp>
-        <p:nvSpPr>
-          <p:cNvPr id="2" name="Title 1"/>
-          <p:cNvSpPr>
-            <a:spLocks noGrp="1"/>
-          </p:cNvSpPr>
-          <p:nvPr>
-            <p:ph type="title"/>
-          </p:nvPr>
-        </p:nvSpPr>
-        <p:spPr/>
-        <p:txBody>
-          <a:bodyPr/>
-          <a:lstStyle/>
-          <a:p>
-            <a:r>
-              <a:rPr lang="en-US" smtClean="0"/>
-              <a:t>Click to edit Master title style</a:t>
-            </a:r>
-            <a:endParaRPr lang="en-US"/>
-          </a:p>
-        </p:txBody>
-      </p:sp>
-      <p:sp>
-        <p:nvSpPr>
-          <p:cNvPr id="3" name="Content Placeholder 2"/>
-          <p:cNvSpPr>
-            <a:spLocks noGrp="1"/>
-          </p:cNvSpPr>
-          <p:nvPr>
-            <p:ph idx="1"/>
-          </p:nvPr>
-        </p:nvSpPr>
-        <p:spPr/>
-        <p:txBody>
-          <a:bodyPr/>
-          <a:lstStyle/>
-          <a:p>
-            <a:pPr lvl="0"/>
-            <a:r>
-              <a:rPr lang="en-US" smtClean="0"/>
-              <a:t>Click to edit Master text styles</a:t>
-            </a:r>
-          </a:p>
-          <a:p>
-            <a:pPr lvl="1"/>
-            <a:r>
-              <a:rPr lang="en-US" smtClean="0"/>
-              <a:t>Second level</a:t>
-            </a:r>
-          </a:p>
-          <a:p>
-            <a:pPr lvl="2"/>
-            <a:r>
-              <a:rPr lang="en-US" smtClean="0"/>
-              <a:t>Third level</a:t>
-            </a:r>
-          </a:p>
-          <a:p>
-            <a:pPr lvl="3"/>
-            <a:r>
-              <a:rPr lang="en-US" smtClean="0"/>
-              <a:t>Fourth level</a:t>
-            </a:r>
-          </a:p>
-          <a:p>
-            <a:pPr lvl="4"/>
-            <a:r>
-              <a:rPr lang="en-US" smtClean="0"/>
-              <a:t>Fifth level</a:t>
-            </a:r>
-            <a:endParaRPr lang="en-US"/>
-          </a:p>
-        </p:txBody>
-      </p:sp>
-    </p:spTree>
-    <p:extLst>
-      <p:ext uri="{BB962C8B-B14F-4D97-AF65-F5344CB8AC3E}">
-        <p14:creationId xmlns:p14="http://schemas.microsoft.com/office/powerpoint/2010/main" val="2575569792"/>
-      </p:ext>
-    </p:extLst>
-  </p:cSld>
-  <p:clrMapOvr>
-    <a:masterClrMapping/>
-  </p:clrMapOvr>
-</p:sldLayout>
-</file>
-
-<file path=ppt/slideLayouts/slideLayout6.xml><?xml version="1.0" encoding="utf-8"?>
-<p:sldLayout xmlns:a="http://schemas.openxmlformats.org/drawingml/2006/main" xmlns:r="http://schemas.openxmlformats.org/officeDocument/2006/relationships" xmlns:p="http://schemas.openxmlformats.org/presentationml/2006/main" type="title" preserve="1">
-  <p:cSld name="Title Slide">
-    <p:spTree>
-      <p:nvGrpSpPr>
-        <p:cNvPr id="1" name=""/>
-        <p:cNvGrpSpPr/>
-        <p:nvPr/>
-      </p:nvGrpSpPr>
-      <p:grpSpPr>
-        <a:xfrm>
-          <a:off x="0" y="0"/>
-          <a:ext cx="0" cy="0"/>
-          <a:chOff x="0" y="0"/>
-          <a:chExt cx="0" cy="0"/>
-        </a:xfrm>
-      </p:grpSpPr>
-      <p:sp>
-        <p:nvSpPr>
-          <p:cNvPr id="2" name="Title 1"/>
-          <p:cNvSpPr>
-            <a:spLocks noGrp="1"/>
-          </p:cNvSpPr>
-          <p:nvPr>
-            <p:ph type="ctrTitle"/>
-          </p:nvPr>
-        </p:nvSpPr>
-        <p:spPr>
-          <a:xfrm>
-            <a:off x="1143000" y="1122363"/>
-            <a:ext cx="6858000" cy="2387600"/>
-          </a:xfrm>
-        </p:spPr>
-        <p:txBody>
-          <a:bodyPr anchor="b"/>
-          <a:lstStyle>
-            <a:lvl1pPr algn="ctr">
-              <a:defRPr sz="6000"/>
-            </a:lvl1pPr>
-          </a:lstStyle>
-          <a:p>
-            <a:r>
-              <a:rPr lang="en-US" smtClean="0"/>
-              <a:t>Click to edit Master title style</a:t>
-            </a:r>
-            <a:endParaRPr lang="en-US"/>
-          </a:p>
-        </p:txBody>
-      </p:sp>
-      <p:sp>
-        <p:nvSpPr>
-          <p:cNvPr id="3" name="Subtitle 2"/>
-          <p:cNvSpPr>
-            <a:spLocks noGrp="1"/>
-          </p:cNvSpPr>
-          <p:nvPr>
-            <p:ph type="subTitle" idx="1"/>
-          </p:nvPr>
-        </p:nvSpPr>
-        <p:spPr>
-          <a:xfrm>
-            <a:off x="1143000" y="3602038"/>
-            <a:ext cx="6858000" cy="1655762"/>
-          </a:xfrm>
-        </p:spPr>
-        <p:txBody>
-          <a:bodyPr/>
-          <a:lstStyle>
-            <a:lvl1pPr marL="0" indent="0" algn="ctr">
-              <a:buNone/>
-              <a:defRPr sz="2400"/>
-            </a:lvl1pPr>
-            <a:lvl2pPr marL="457200" indent="0" algn="ctr">
-              <a:buNone/>
-              <a:defRPr sz="2000"/>
-            </a:lvl2pPr>
-            <a:lvl3pPr marL="914400" indent="0" algn="ctr">
-              <a:buNone/>
-              <a:defRPr sz="1800"/>
-            </a:lvl3pPr>
-            <a:lvl4pPr marL="1371600" indent="0" algn="ctr">
-              <a:buNone/>
-              <a:defRPr sz="1600"/>
-            </a:lvl4pPr>
-            <a:lvl5pPr marL="1828800" indent="0" algn="ctr">
-              <a:buNone/>
-              <a:defRPr sz="1600"/>
-            </a:lvl5pPr>
-            <a:lvl6pPr marL="2286000" indent="0" algn="ctr">
-              <a:buNone/>
-              <a:defRPr sz="1600"/>
-            </a:lvl6pPr>
-            <a:lvl7pPr marL="2743200" indent="0" algn="ctr">
-              <a:buNone/>
-              <a:defRPr sz="1600"/>
-            </a:lvl7pPr>
-            <a:lvl8pPr marL="3200400" indent="0" algn="ctr">
-              <a:buNone/>
-              <a:defRPr sz="1600"/>
-            </a:lvl8pPr>
-            <a:lvl9pPr marL="3657600" indent="0" algn="ctr">
-              <a:buNone/>
-              <a:defRPr sz="1600"/>
-            </a:lvl9pPr>
-          </a:lstStyle>
-          <a:p>
-            <a:r>
-              <a:rPr lang="en-US" smtClean="0"/>
-              <a:t>Click to edit Master subtitle style</a:t>
-            </a:r>
-            <a:endParaRPr lang="en-US"/>
-          </a:p>
-        </p:txBody>
-      </p:sp>
-      <p:sp>
-        <p:nvSpPr>
-          <p:cNvPr id="4" name="Date Placeholder 3"/>
-          <p:cNvSpPr>
-            <a:spLocks noGrp="1"/>
-          </p:cNvSpPr>
-          <p:nvPr>
-            <p:ph type="dt" sz="half" idx="10"/>
-          </p:nvPr>
-        </p:nvSpPr>
-        <p:spPr/>
-        <p:txBody>
-          <a:bodyPr/>
-          <a:lstStyle/>
-          <a:p>
-            <a:fld id="{834513E8-165F-4932-9E2D-FD497CB9A4FD}" type="datetimeFigureOut">
-              <a:rPr lang="en-US" smtClean="0"/>
-              <a:t>7/31/2018</a:t>
-            </a:fld>
-            <a:endParaRPr lang="en-US"/>
-          </a:p>
-        </p:txBody>
-      </p:sp>
-      <p:sp>
-        <p:nvSpPr>
-          <p:cNvPr id="5" name="Footer Placeholder 4"/>
-          <p:cNvSpPr>
-            <a:spLocks noGrp="1"/>
-          </p:cNvSpPr>
-          <p:nvPr>
-            <p:ph type="ftr" sz="quarter" idx="11"/>
-          </p:nvPr>
-        </p:nvSpPr>
-        <p:spPr/>
-        <p:txBody>
-          <a:bodyPr/>
-          <a:lstStyle/>
-          <a:p>
-            <a:endParaRPr lang="en-US"/>
-          </a:p>
-        </p:txBody>
-      </p:sp>
-      <p:sp>
-        <p:nvSpPr>
-          <p:cNvPr id="6" name="Slide Number Placeholder 5"/>
-          <p:cNvSpPr>
-            <a:spLocks noGrp="1"/>
-          </p:cNvSpPr>
-          <p:nvPr>
-            <p:ph type="sldNum" sz="quarter" idx="12"/>
-          </p:nvPr>
-        </p:nvSpPr>
-        <p:spPr/>
-        <p:txBody>
-          <a:bodyPr/>
-          <a:lstStyle/>
-          <a:p>
-            <a:fld id="{3E852FCF-D44D-4D06-AC89-29A3B60A1814}" type="slidenum">
-              <a:rPr lang="en-US" smtClean="0"/>
-              <a:t>‹#›</a:t>
-            </a:fld>
-            <a:endParaRPr lang="en-US"/>
-          </a:p>
-        </p:txBody>
-      </p:sp>
-    </p:spTree>
-    <p:extLst>
-      <p:ext uri="{BB962C8B-B14F-4D97-AF65-F5344CB8AC3E}">
-        <p14:creationId xmlns:p14="http://schemas.microsoft.com/office/powerpoint/2010/main" val="538666900"/>
-      </p:ext>
-    </p:extLst>
-  </p:cSld>
-  <p:clrMapOvr>
-    <a:masterClrMapping/>
-  </p:clrMapOvr>
-</p:sldLayout>
-</file>
-
-<file path=ppt/slideLayouts/slideLayout7.xml><?xml version="1.0" encoding="utf-8"?>
-<p:sldLayout xmlns:a="http://schemas.openxmlformats.org/drawingml/2006/main" xmlns:r="http://schemas.openxmlformats.org/officeDocument/2006/relationships" xmlns:p="http://schemas.openxmlformats.org/presentationml/2006/main" type="obj" preserve="1">
-  <p:cSld name="Title and Content">
-    <p:spTree>
-      <p:nvGrpSpPr>
-        <p:cNvPr id="1" name=""/>
-        <p:cNvGrpSpPr/>
-        <p:nvPr/>
-      </p:nvGrpSpPr>
-      <p:grpSpPr>
-        <a:xfrm>
-          <a:off x="0" y="0"/>
-          <a:ext cx="0" cy="0"/>
-          <a:chOff x="0" y="0"/>
-          <a:chExt cx="0" cy="0"/>
-        </a:xfrm>
-      </p:grpSpPr>
-      <p:sp>
-        <p:nvSpPr>
-          <p:cNvPr id="2" name="Title 1"/>
-          <p:cNvSpPr>
-            <a:spLocks noGrp="1"/>
-          </p:cNvSpPr>
-          <p:nvPr>
-            <p:ph type="title"/>
-          </p:nvPr>
-        </p:nvSpPr>
-        <p:spPr/>
-        <p:txBody>
-          <a:bodyPr/>
-          <a:lstStyle/>
-          <a:p>
-            <a:r>
-              <a:rPr lang="en-US" smtClean="0"/>
-              <a:t>Click to edit Master title style</a:t>
-            </a:r>
-            <a:endParaRPr lang="en-US"/>
-          </a:p>
-        </p:txBody>
-      </p:sp>
-      <p:sp>
-        <p:nvSpPr>
-          <p:cNvPr id="3" name="Content Placeholder 2"/>
-          <p:cNvSpPr>
-            <a:spLocks noGrp="1"/>
-          </p:cNvSpPr>
-          <p:nvPr>
-            <p:ph idx="1"/>
-          </p:nvPr>
-        </p:nvSpPr>
-        <p:spPr/>
-        <p:txBody>
-          <a:bodyPr/>
-          <a:lstStyle/>
-          <a:p>
-            <a:pPr lvl="0"/>
-            <a:r>
-              <a:rPr lang="en-US" smtClean="0"/>
-              <a:t>Click to edit Master text styles</a:t>
-            </a:r>
-          </a:p>
-          <a:p>
-            <a:pPr lvl="1"/>
-            <a:r>
-              <a:rPr lang="en-US" smtClean="0"/>
-              <a:t>Second level</a:t>
-            </a:r>
-          </a:p>
-          <a:p>
-            <a:pPr lvl="2"/>
-            <a:r>
-              <a:rPr lang="en-US" smtClean="0"/>
-              <a:t>Third level</a:t>
-            </a:r>
-          </a:p>
-          <a:p>
-            <a:pPr lvl="3"/>
-            <a:r>
-              <a:rPr lang="en-US" smtClean="0"/>
-              <a:t>Fourth level</a:t>
-            </a:r>
-          </a:p>
-          <a:p>
-            <a:pPr lvl="4"/>
-            <a:r>
-              <a:rPr lang="en-US" smtClean="0"/>
-              <a:t>Fifth level</a:t>
-            </a:r>
-            <a:endParaRPr lang="en-US"/>
-          </a:p>
-        </p:txBody>
-      </p:sp>
-      <p:sp>
-        <p:nvSpPr>
-          <p:cNvPr id="4" name="Date Placeholder 3"/>
-          <p:cNvSpPr>
-            <a:spLocks noGrp="1"/>
-          </p:cNvSpPr>
-          <p:nvPr>
-            <p:ph type="dt" sz="half" idx="10"/>
-          </p:nvPr>
-        </p:nvSpPr>
-        <p:spPr/>
-        <p:txBody>
-          <a:bodyPr/>
-          <a:lstStyle/>
-          <a:p>
-            <a:fld id="{834513E8-165F-4932-9E2D-FD497CB9A4FD}" type="datetimeFigureOut">
-              <a:rPr lang="en-US" smtClean="0"/>
-              <a:t>7/31/2018</a:t>
-            </a:fld>
-            <a:endParaRPr lang="en-US"/>
-          </a:p>
-        </p:txBody>
-      </p:sp>
-      <p:sp>
-        <p:nvSpPr>
-          <p:cNvPr id="5" name="Footer Placeholder 4"/>
-          <p:cNvSpPr>
-            <a:spLocks noGrp="1"/>
-          </p:cNvSpPr>
-          <p:nvPr>
-            <p:ph type="ftr" sz="quarter" idx="11"/>
-          </p:nvPr>
-        </p:nvSpPr>
-        <p:spPr/>
-        <p:txBody>
-          <a:bodyPr/>
-          <a:lstStyle/>
-          <a:p>
-            <a:endParaRPr lang="en-US"/>
-          </a:p>
-        </p:txBody>
-      </p:sp>
-      <p:sp>
-        <p:nvSpPr>
-          <p:cNvPr id="6" name="Slide Number Placeholder 5"/>
-          <p:cNvSpPr>
-            <a:spLocks noGrp="1"/>
-          </p:cNvSpPr>
-          <p:nvPr>
-            <p:ph type="sldNum" sz="quarter" idx="12"/>
-          </p:nvPr>
-        </p:nvSpPr>
-        <p:spPr/>
-        <p:txBody>
-          <a:bodyPr/>
-          <a:lstStyle/>
-          <a:p>
-            <a:fld id="{3E852FCF-D44D-4D06-AC89-29A3B60A1814}" type="slidenum">
-              <a:rPr lang="en-US" smtClean="0"/>
-              <a:t>‹#›</a:t>
-            </a:fld>
-            <a:endParaRPr lang="en-US"/>
-          </a:p>
-        </p:txBody>
-      </p:sp>
-    </p:spTree>
-    <p:extLst>
-      <p:ext uri="{BB962C8B-B14F-4D97-AF65-F5344CB8AC3E}">
-        <p14:creationId xmlns:p14="http://schemas.microsoft.com/office/powerpoint/2010/main" val="1233822012"/>
-      </p:ext>
-    </p:extLst>
-  </p:cSld>
-  <p:clrMapOvr>
-    <a:masterClrMapping/>
-  </p:clrMapOvr>
-</p:sldLayout>
-</file>
-
-<file path=ppt/slideLayouts/slideLayout8.xml><?xml version="1.0" encoding="utf-8"?>
-<p:sldLayout xmlns:a="http://schemas.openxmlformats.org/drawingml/2006/main" xmlns:r="http://schemas.openxmlformats.org/officeDocument/2006/relationships" xmlns:p="http://schemas.openxmlformats.org/presentationml/2006/main" type="secHead" preserve="1">
-  <p:cSld name="Section Header">
-    <p:spTree>
-      <p:nvGrpSpPr>
-        <p:cNvPr id="1" name=""/>
-        <p:cNvGrpSpPr/>
-        <p:nvPr/>
-      </p:nvGrpSpPr>
-      <p:grpSpPr>
-        <a:xfrm>
-          <a:off x="0" y="0"/>
-          <a:ext cx="0" cy="0"/>
-          <a:chOff x="0" y="0"/>
-          <a:chExt cx="0" cy="0"/>
-        </a:xfrm>
-      </p:grpSpPr>
-      <p:sp>
-        <p:nvSpPr>
-          <p:cNvPr id="2" name="Title 1"/>
-          <p:cNvSpPr>
-            <a:spLocks noGrp="1"/>
-          </p:cNvSpPr>
-          <p:nvPr>
-            <p:ph type="title"/>
-          </p:nvPr>
-        </p:nvSpPr>
-        <p:spPr>
-          <a:xfrm>
-            <a:off x="623888" y="1709738"/>
-            <a:ext cx="7886700" cy="2852737"/>
-          </a:xfrm>
-        </p:spPr>
-        <p:txBody>
-          <a:bodyPr anchor="b"/>
-          <a:lstStyle>
-            <a:lvl1pPr>
-              <a:defRPr sz="6000"/>
-            </a:lvl1pPr>
-          </a:lstStyle>
-          <a:p>
-            <a:r>
-              <a:rPr lang="en-US" smtClean="0"/>
-              <a:t>Click to edit Master title style</a:t>
-            </a:r>
-            <a:endParaRPr lang="en-US"/>
-          </a:p>
-        </p:txBody>
-      </p:sp>
-      <p:sp>
-        <p:nvSpPr>
-          <p:cNvPr id="3" name="Text Placeholder 2"/>
-          <p:cNvSpPr>
-            <a:spLocks noGrp="1"/>
-          </p:cNvSpPr>
-          <p:nvPr>
-            <p:ph type="body" idx="1"/>
-          </p:nvPr>
-        </p:nvSpPr>
-        <p:spPr>
-          <a:xfrm>
-            <a:off x="623888" y="4589463"/>
-            <a:ext cx="7886700" cy="1500187"/>
-          </a:xfrm>
-        </p:spPr>
-        <p:txBody>
-          <a:bodyPr/>
-          <a:lstStyle>
-            <a:lvl1pPr marL="0" indent="0">
-              <a:buNone/>
-              <a:defRPr sz="2400">
-                <a:solidFill>
-                  <a:schemeClr val="tx1">
-                    <a:tint val="75000"/>
-                  </a:schemeClr>
-                </a:solidFill>
-              </a:defRPr>
-            </a:lvl1pPr>
-            <a:lvl2pPr marL="457200" indent="0">
-              <a:buNone/>
-              <a:defRPr sz="2000">
-                <a:solidFill>
-                  <a:schemeClr val="tx1">
-                    <a:tint val="75000"/>
-                  </a:schemeClr>
-                </a:solidFill>
-              </a:defRPr>
-            </a:lvl2pPr>
-            <a:lvl3pPr marL="914400" indent="0">
-              <a:buNone/>
-              <a:defRPr sz="1800">
-                <a:solidFill>
-                  <a:schemeClr val="tx1">
-                    <a:tint val="75000"/>
-                  </a:schemeClr>
-                </a:solidFill>
-              </a:defRPr>
-            </a:lvl3pPr>
-            <a:lvl4pPr marL="1371600" indent="0">
-              <a:buNone/>
-              <a:defRPr sz="1600">
-                <a:solidFill>
-                  <a:schemeClr val="tx1">
-                    <a:tint val="75000"/>
-                  </a:schemeClr>
-                </a:solidFill>
-              </a:defRPr>
-            </a:lvl4pPr>
-            <a:lvl5pPr marL="1828800" indent="0">
-              <a:buNone/>
-              <a:defRPr sz="1600">
-                <a:solidFill>
-                  <a:schemeClr val="tx1">
-                    <a:tint val="75000"/>
-                  </a:schemeClr>
-                </a:solidFill>
-              </a:defRPr>
-            </a:lvl5pPr>
-            <a:lvl6pPr marL="2286000" indent="0">
-              <a:buNone/>
-              <a:defRPr sz="1600">
-                <a:solidFill>
-                  <a:schemeClr val="tx1">
-                    <a:tint val="75000"/>
-                  </a:schemeClr>
-                </a:solidFill>
-              </a:defRPr>
-            </a:lvl6pPr>
-            <a:lvl7pPr marL="2743200" indent="0">
-              <a:buNone/>
-              <a:defRPr sz="1600">
-                <a:solidFill>
-                  <a:schemeClr val="tx1">
-                    <a:tint val="75000"/>
-                  </a:schemeClr>
-                </a:solidFill>
-              </a:defRPr>
-            </a:lvl7pPr>
-            <a:lvl8pPr marL="3200400" indent="0">
-              <a:buNone/>
-              <a:defRPr sz="1600">
-                <a:solidFill>
-                  <a:schemeClr val="tx1">
-                    <a:tint val="75000"/>
-                  </a:schemeClr>
-                </a:solidFill>
-              </a:defRPr>
-            </a:lvl8pPr>
-            <a:lvl9pPr marL="3657600" indent="0">
-              <a:buNone/>
-              <a:defRPr sz="1600">
-                <a:solidFill>
-                  <a:schemeClr val="tx1">
-                    <a:tint val="75000"/>
-                  </a:schemeClr>
-                </a:solidFill>
-              </a:defRPr>
-            </a:lvl9pPr>
-          </a:lstStyle>
-          <a:p>
-            <a:pPr lvl="0"/>
-            <a:r>
-              <a:rPr lang="en-US" smtClean="0"/>
-              <a:t>Click to edit Master text styles</a:t>
-            </a:r>
-          </a:p>
-        </p:txBody>
-      </p:sp>
-      <p:sp>
-        <p:nvSpPr>
-          <p:cNvPr id="4" name="Date Placeholder 3"/>
-          <p:cNvSpPr>
-            <a:spLocks noGrp="1"/>
-          </p:cNvSpPr>
-          <p:nvPr>
-            <p:ph type="dt" sz="half" idx="10"/>
-          </p:nvPr>
-        </p:nvSpPr>
-        <p:spPr/>
-        <p:txBody>
-          <a:bodyPr/>
-          <a:lstStyle/>
-          <a:p>
-            <a:fld id="{834513E8-165F-4932-9E2D-FD497CB9A4FD}" type="datetimeFigureOut">
-              <a:rPr lang="en-US" smtClean="0"/>
-              <a:t>7/31/2018</a:t>
-            </a:fld>
-            <a:endParaRPr lang="en-US"/>
-          </a:p>
-        </p:txBody>
-      </p:sp>
-      <p:sp>
-        <p:nvSpPr>
-          <p:cNvPr id="5" name="Footer Placeholder 4"/>
-          <p:cNvSpPr>
-            <a:spLocks noGrp="1"/>
-          </p:cNvSpPr>
-          <p:nvPr>
-            <p:ph type="ftr" sz="quarter" idx="11"/>
-          </p:nvPr>
-        </p:nvSpPr>
-        <p:spPr/>
-        <p:txBody>
-          <a:bodyPr/>
-          <a:lstStyle/>
-          <a:p>
-            <a:endParaRPr lang="en-US"/>
-          </a:p>
-        </p:txBody>
-      </p:sp>
-      <p:sp>
-        <p:nvSpPr>
-          <p:cNvPr id="6" name="Slide Number Placeholder 5"/>
-          <p:cNvSpPr>
-            <a:spLocks noGrp="1"/>
-          </p:cNvSpPr>
-          <p:nvPr>
-            <p:ph type="sldNum" sz="quarter" idx="12"/>
-          </p:nvPr>
-        </p:nvSpPr>
-        <p:spPr/>
-        <p:txBody>
-          <a:bodyPr/>
-          <a:lstStyle/>
-          <a:p>
-            <a:fld id="{3E852FCF-D44D-4D06-AC89-29A3B60A1814}" type="slidenum">
-              <a:rPr lang="en-US" smtClean="0"/>
-              <a:t>‹#›</a:t>
-            </a:fld>
-            <a:endParaRPr lang="en-US"/>
-          </a:p>
-        </p:txBody>
-      </p:sp>
-    </p:spTree>
-    <p:extLst>
-      <p:ext uri="{BB962C8B-B14F-4D97-AF65-F5344CB8AC3E}">
-        <p14:creationId xmlns:p14="http://schemas.microsoft.com/office/powerpoint/2010/main" val="2725175323"/>
-      </p:ext>
-    </p:extLst>
-  </p:cSld>
-  <p:clrMapOvr>
-    <a:masterClrMapping/>
-  </p:clrMapOvr>
-</p:sldLayout>
-</file>
-
-<file path=ppt/slideLayouts/slideLayout9.xml><?xml version="1.0" encoding="utf-8"?>
-<p:sldLayout xmlns:a="http://schemas.openxmlformats.org/drawingml/2006/main" xmlns:r="http://schemas.openxmlformats.org/officeDocument/2006/relationships" xmlns:p="http://schemas.openxmlformats.org/presentationml/2006/main" type="twoObj" preserve="1">
-  <p:cSld name="Two Content">
-    <p:spTree>
-      <p:nvGrpSpPr>
-        <p:cNvPr id="1" name=""/>
-        <p:cNvGrpSpPr/>
-        <p:nvPr/>
-      </p:nvGrpSpPr>
-      <p:grpSpPr>
-        <a:xfrm>
-          <a:off x="0" y="0"/>
-          <a:ext cx="0" cy="0"/>
-          <a:chOff x="0" y="0"/>
-          <a:chExt cx="0" cy="0"/>
-        </a:xfrm>
-      </p:grpSpPr>
-      <p:sp>
-        <p:nvSpPr>
-          <p:cNvPr id="2" name="Title 1"/>
-          <p:cNvSpPr>
-            <a:spLocks noGrp="1"/>
-          </p:cNvSpPr>
-          <p:nvPr>
-            <p:ph type="title"/>
-          </p:nvPr>
-        </p:nvSpPr>
-        <p:spPr/>
-        <p:txBody>
-          <a:bodyPr/>
-          <a:lstStyle/>
-          <a:p>
-            <a:r>
-              <a:rPr lang="en-US" smtClean="0"/>
-              <a:t>Click to edit Master title style</a:t>
-            </a:r>
-            <a:endParaRPr lang="en-US"/>
-          </a:p>
-        </p:txBody>
-      </p:sp>
-      <p:sp>
-        <p:nvSpPr>
-          <p:cNvPr id="3" name="Content Placeholder 2"/>
-          <p:cNvSpPr>
-            <a:spLocks noGrp="1"/>
-          </p:cNvSpPr>
-          <p:nvPr>
-            <p:ph sz="half" idx="1"/>
-          </p:nvPr>
-        </p:nvSpPr>
-        <p:spPr>
-          <a:xfrm>
-            <a:off x="628650" y="1825625"/>
-            <a:ext cx="3867150" cy="4351338"/>
-          </a:xfrm>
-        </p:spPr>
-        <p:txBody>
-          <a:bodyPr/>
-          <a:lstStyle/>
-          <a:p>
-            <a:pPr lvl="0"/>
-            <a:r>
-              <a:rPr lang="en-US" smtClean="0"/>
-              <a:t>Click to edit Master text styles</a:t>
-            </a:r>
-          </a:p>
-          <a:p>
-            <a:pPr lvl="1"/>
-            <a:r>
-              <a:rPr lang="en-US" smtClean="0"/>
-              <a:t>Second level</a:t>
-            </a:r>
-          </a:p>
-          <a:p>
-            <a:pPr lvl="2"/>
-            <a:r>
-              <a:rPr lang="en-US" smtClean="0"/>
-              <a:t>Third level</a:t>
-            </a:r>
-          </a:p>
-          <a:p>
-            <a:pPr lvl="3"/>
-            <a:r>
-              <a:rPr lang="en-US" smtClean="0"/>
-              <a:t>Fourth level</a:t>
-            </a:r>
-          </a:p>
-          <a:p>
-            <a:pPr lvl="4"/>
-            <a:r>
-              <a:rPr lang="en-US" smtClean="0"/>
-              <a:t>Fifth level</a:t>
-            </a:r>
-            <a:endParaRPr lang="en-US"/>
-          </a:p>
-        </p:txBody>
-      </p:sp>
-      <p:sp>
-        <p:nvSpPr>
-          <p:cNvPr id="4" name="Content Placeholder 3"/>
-          <p:cNvSpPr>
-            <a:spLocks noGrp="1"/>
-          </p:cNvSpPr>
-          <p:nvPr>
-            <p:ph sz="half" idx="2"/>
-          </p:nvPr>
-        </p:nvSpPr>
-        <p:spPr>
-          <a:xfrm>
-            <a:off x="4648200" y="1825625"/>
-            <a:ext cx="3867150" cy="4351338"/>
-          </a:xfrm>
-        </p:spPr>
-        <p:txBody>
-          <a:bodyPr/>
-          <a:lstStyle/>
-          <a:p>
-            <a:pPr lvl="0"/>
-            <a:r>
-              <a:rPr lang="en-US" smtClean="0"/>
-              <a:t>Click to edit Master text styles</a:t>
-            </a:r>
-          </a:p>
-          <a:p>
-            <a:pPr lvl="1"/>
-            <a:r>
-              <a:rPr lang="en-US" smtClean="0"/>
-              <a:t>Second level</a:t>
-            </a:r>
-          </a:p>
-          <a:p>
-            <a:pPr lvl="2"/>
-            <a:r>
-              <a:rPr lang="en-US" smtClean="0"/>
-              <a:t>Third level</a:t>
-            </a:r>
-          </a:p>
-          <a:p>
-            <a:pPr lvl="3"/>
-            <a:r>
-              <a:rPr lang="en-US" smtClean="0"/>
-              <a:t>Fourth level</a:t>
-            </a:r>
-          </a:p>
-          <a:p>
-            <a:pPr lvl="4"/>
-            <a:r>
-              <a:rPr lang="en-US" smtClean="0"/>
-              <a:t>Fifth level</a:t>
-            </a:r>
-            <a:endParaRPr lang="en-US"/>
-          </a:p>
-        </p:txBody>
-      </p:sp>
-      <p:sp>
-        <p:nvSpPr>
-          <p:cNvPr id="5" name="Date Placeholder 4"/>
-          <p:cNvSpPr>
-            <a:spLocks noGrp="1"/>
-          </p:cNvSpPr>
-          <p:nvPr>
-            <p:ph type="dt" sz="half" idx="10"/>
-          </p:nvPr>
-        </p:nvSpPr>
-        <p:spPr/>
-        <p:txBody>
-          <a:bodyPr/>
-          <a:lstStyle/>
-          <a:p>
-            <a:fld id="{834513E8-165F-4932-9E2D-FD497CB9A4FD}" type="datetimeFigureOut">
-              <a:rPr lang="en-US" smtClean="0"/>
-              <a:t>7/31/2018</a:t>
-            </a:fld>
-            <a:endParaRPr lang="en-US"/>
-          </a:p>
-        </p:txBody>
-      </p:sp>
-      <p:sp>
-        <p:nvSpPr>
-          <p:cNvPr id="6" name="Footer Placeholder 5"/>
-          <p:cNvSpPr>
-            <a:spLocks noGrp="1"/>
-          </p:cNvSpPr>
-          <p:nvPr>
-            <p:ph type="ftr" sz="quarter" idx="11"/>
-          </p:nvPr>
-        </p:nvSpPr>
-        <p:spPr/>
-        <p:txBody>
-          <a:bodyPr/>
-          <a:lstStyle/>
-          <a:p>
-            <a:endParaRPr lang="en-US"/>
-          </a:p>
-        </p:txBody>
-      </p:sp>
-      <p:sp>
-        <p:nvSpPr>
-          <p:cNvPr id="7" name="Slide Number Placeholder 6"/>
-          <p:cNvSpPr>
-            <a:spLocks noGrp="1"/>
-          </p:cNvSpPr>
-          <p:nvPr>
-            <p:ph type="sldNum" sz="quarter" idx="12"/>
-          </p:nvPr>
-        </p:nvSpPr>
-        <p:spPr/>
-        <p:txBody>
-          <a:bodyPr/>
-          <a:lstStyle/>
-          <a:p>
-            <a:fld id="{3E852FCF-D44D-4D06-AC89-29A3B60A1814}" type="slidenum">
-              <a:rPr lang="en-US" smtClean="0"/>
-              <a:t>‹#›</a:t>
-            </a:fld>
-            <a:endParaRPr lang="en-US"/>
-          </a:p>
-        </p:txBody>
-      </p:sp>
-    </p:spTree>
-    <p:extLst>
-      <p:ext uri="{BB962C8B-B14F-4D97-AF65-F5344CB8AC3E}">
-        <p14:creationId xmlns:p14="http://schemas.microsoft.com/office/powerpoint/2010/main" val="2539744878"/>
       </p:ext>
     </p:extLst>
   </p:cSld>
@@ -4738,7 +4526,7 @@
           <p:nvPr userDrawn="1"/>
         </p:nvPicPr>
         <p:blipFill>
-          <a:blip r:embed="rId5" cstate="print">
+          <a:blip r:embed="rId3" cstate="print">
             <a:extLst>
               <a:ext uri="{28A0092B-C50C-407E-A947-70E740481C1C}">
                 <a14:useLocalDpi xmlns:a14="http://schemas.microsoft.com/office/drawing/2010/main" val="0"/>
@@ -4780,8 +4568,6 @@
   <p:clrMap bg1="lt1" tx1="dk1" bg2="lt2" tx2="dk2" accent1="accent1" accent2="accent2" accent3="accent3" accent4="accent4" accent5="accent5" accent6="accent6" hlink="hlink" folHlink="folHlink"/>
   <p:sldLayoutIdLst>
     <p:sldLayoutId id="2147483663" r:id="rId1"/>
-    <p:sldLayoutId id="2147483679" r:id="rId2"/>
-    <p:sldLayoutId id="2147483680" r:id="rId3"/>
   </p:sldLayoutIdLst>
   <p:transition spd="med"/>
   <p:timing>
@@ -6159,7 +5945,7 @@
           <a:p>
             <a:fld id="{834513E8-165F-4932-9E2D-FD497CB9A4FD}" type="datetimeFigureOut">
               <a:rPr lang="en-US" smtClean="0"/>
-              <a:t>7/31/2018</a:t>
+              <a:t>8/8/2018</a:t>
             </a:fld>
             <a:endParaRPr lang="en-US"/>
           </a:p>
@@ -6794,14 +6580,7 @@
                 <a:effectLst/>
                 <a:latin typeface="Trebuchet MS" panose="020B0603020202020204" pitchFamily="34" charset="0"/>
               </a:rPr>
-              <a:t>Lesson </a:t>
-            </a:r>
-            <a:r>
-              <a:rPr lang="en-US" kern="0" smtClean="0">
-                <a:effectLst/>
-                <a:latin typeface="Trebuchet MS" panose="020B0603020202020204" pitchFamily="34" charset="0"/>
-              </a:rPr>
-              <a:t>31</a:t>
+              <a:t>Lesson 31</a:t>
             </a:r>
             <a:endParaRPr lang="en-US" kern="0" dirty="0">
               <a:effectLst/>
@@ -13862,1777 +13641,6 @@
 </p:sld>
 </file>
 
-<file path=ppt/slides/slide23.xml><?xml version="1.0" encoding="utf-8"?>
-<p:sld xmlns:a="http://schemas.openxmlformats.org/drawingml/2006/main" xmlns:r="http://schemas.openxmlformats.org/officeDocument/2006/relationships" xmlns:p="http://schemas.openxmlformats.org/presentationml/2006/main">
-  <p:cSld>
-    <p:spTree>
-      <p:nvGrpSpPr>
-        <p:cNvPr id="1" name=""/>
-        <p:cNvGrpSpPr/>
-        <p:nvPr/>
-      </p:nvGrpSpPr>
-      <p:grpSpPr>
-        <a:xfrm>
-          <a:off x="0" y="0"/>
-          <a:ext cx="0" cy="0"/>
-          <a:chOff x="0" y="0"/>
-          <a:chExt cx="0" cy="0"/>
-        </a:xfrm>
-      </p:grpSpPr>
-      <p:sp>
-        <p:nvSpPr>
-          <p:cNvPr id="2" name="Title 1"/>
-          <p:cNvSpPr>
-            <a:spLocks noGrp="1"/>
-          </p:cNvSpPr>
-          <p:nvPr>
-            <p:ph type="title"/>
-          </p:nvPr>
-        </p:nvSpPr>
-        <p:spPr/>
-        <p:txBody>
-          <a:bodyPr/>
-          <a:lstStyle/>
-          <a:p>
-            <a:r>
-              <a:rPr lang="en-US" b="1" dirty="0" smtClean="0"/>
-              <a:t>Using DC Motors</a:t>
-            </a:r>
-            <a:endParaRPr lang="en-US" b="1" dirty="0"/>
-          </a:p>
-        </p:txBody>
-      </p:sp>
-      <p:sp>
-        <p:nvSpPr>
-          <p:cNvPr id="3" name="Content Placeholder 2"/>
-          <p:cNvSpPr>
-            <a:spLocks noGrp="1"/>
-          </p:cNvSpPr>
-          <p:nvPr>
-            <p:ph idx="1"/>
-          </p:nvPr>
-        </p:nvSpPr>
-        <p:spPr>
-          <a:xfrm>
-            <a:off x="348339" y="847679"/>
-            <a:ext cx="8083562" cy="5747330"/>
-          </a:xfrm>
-        </p:spPr>
-        <p:txBody>
-          <a:bodyPr/>
-          <a:lstStyle/>
-          <a:p>
-            <a:pPr marL="0" indent="0">
-              <a:buNone/>
-            </a:pPr>
-            <a:r>
-              <a:rPr lang="en-US" sz="2000" dirty="0" smtClean="0"/>
-              <a:t>How do DC motors work?    How do you make them go faster?</a:t>
-            </a:r>
-          </a:p>
-        </p:txBody>
-      </p:sp>
-    </p:spTree>
-    <p:extLst>
-      <p:ext uri="{BB962C8B-B14F-4D97-AF65-F5344CB8AC3E}">
-        <p14:creationId xmlns:p14="http://schemas.microsoft.com/office/powerpoint/2010/main" val="1780216092"/>
-      </p:ext>
-    </p:extLst>
-  </p:cSld>
-  <p:clrMapOvr>
-    <a:masterClrMapping/>
-  </p:clrMapOvr>
-  <p:timing>
-    <p:tnLst>
-      <p:par>
-        <p:cTn id="1" dur="indefinite" restart="never" nodeType="tmRoot"/>
-      </p:par>
-    </p:tnLst>
-  </p:timing>
-</p:sld>
-</file>
-
-<file path=ppt/slides/slide24.xml><?xml version="1.0" encoding="utf-8"?>
-<p:sld xmlns:a="http://schemas.openxmlformats.org/drawingml/2006/main" xmlns:r="http://schemas.openxmlformats.org/officeDocument/2006/relationships" xmlns:p="http://schemas.openxmlformats.org/presentationml/2006/main">
-  <p:cSld>
-    <p:spTree>
-      <p:nvGrpSpPr>
-        <p:cNvPr id="1" name=""/>
-        <p:cNvGrpSpPr/>
-        <p:nvPr/>
-      </p:nvGrpSpPr>
-      <p:grpSpPr>
-        <a:xfrm>
-          <a:off x="0" y="0"/>
-          <a:ext cx="0" cy="0"/>
-          <a:chOff x="0" y="0"/>
-          <a:chExt cx="0" cy="0"/>
-        </a:xfrm>
-      </p:grpSpPr>
-      <p:sp>
-        <p:nvSpPr>
-          <p:cNvPr id="4" name="Title 3"/>
-          <p:cNvSpPr>
-            <a:spLocks noGrp="1"/>
-          </p:cNvSpPr>
-          <p:nvPr>
-            <p:ph type="title"/>
-          </p:nvPr>
-        </p:nvSpPr>
-        <p:spPr/>
-        <p:txBody>
-          <a:bodyPr/>
-          <a:lstStyle/>
-          <a:p>
-            <a:r>
-              <a:rPr lang="en-US" dirty="0" smtClean="0"/>
-              <a:t>Basic H Bridge</a:t>
-            </a:r>
-            <a:endParaRPr lang="en-US" dirty="0"/>
-          </a:p>
-        </p:txBody>
-      </p:sp>
-      <p:pic>
-        <p:nvPicPr>
-          <p:cNvPr id="1026" name="Picture 2" descr="C:\Users\Kevin.Walchko\Desktop\image_thumb7.png"/>
-          <p:cNvPicPr>
-            <a:picLocks noChangeAspect="1" noChangeArrowheads="1"/>
-          </p:cNvPicPr>
-          <p:nvPr/>
-        </p:nvPicPr>
-        <p:blipFill>
-          <a:blip r:embed="rId2">
-            <a:extLst>
-              <a:ext uri="{28A0092B-C50C-407E-A947-70E740481C1C}">
-                <a14:useLocalDpi xmlns:a14="http://schemas.microsoft.com/office/drawing/2010/main" val="0"/>
-              </a:ext>
-            </a:extLst>
-          </a:blip>
-          <a:srcRect/>
-          <a:stretch>
-            <a:fillRect/>
-          </a:stretch>
-        </p:blipFill>
-        <p:spPr bwMode="auto">
-          <a:xfrm>
-            <a:off x="2495223" y="1086932"/>
-            <a:ext cx="4363309" cy="4266406"/>
-          </a:xfrm>
-          <a:prstGeom prst="rect">
-            <a:avLst/>
-          </a:prstGeom>
-          <a:noFill/>
-          <a:extLst>
-            <a:ext uri="{909E8E84-426E-40DD-AFC4-6F175D3DCCD1}">
-              <a14:hiddenFill xmlns:a14="http://schemas.microsoft.com/office/drawing/2010/main">
-                <a:solidFill>
-                  <a:srgbClr val="FFFFFF"/>
-                </a:solidFill>
-              </a14:hiddenFill>
-            </a:ext>
-          </a:extLst>
-        </p:spPr>
-      </p:pic>
-      <p:pic>
-        <p:nvPicPr>
-          <p:cNvPr id="1027" name="Picture 3" descr="C:\Users\Kevin.Walchko\Desktop\image_thumb4.png"/>
-          <p:cNvPicPr>
-            <a:picLocks noChangeAspect="1" noChangeArrowheads="1"/>
-          </p:cNvPicPr>
-          <p:nvPr/>
-        </p:nvPicPr>
-        <p:blipFill>
-          <a:blip r:embed="rId3">
-            <a:extLst>
-              <a:ext uri="{28A0092B-C50C-407E-A947-70E740481C1C}">
-                <a14:useLocalDpi xmlns:a14="http://schemas.microsoft.com/office/drawing/2010/main" val="0"/>
-              </a:ext>
-            </a:extLst>
-          </a:blip>
-          <a:srcRect/>
-          <a:stretch>
-            <a:fillRect/>
-          </a:stretch>
-        </p:blipFill>
-        <p:spPr bwMode="auto">
-          <a:xfrm>
-            <a:off x="2514600" y="5343813"/>
-            <a:ext cx="4253120" cy="1395126"/>
-          </a:xfrm>
-          <a:prstGeom prst="rect">
-            <a:avLst/>
-          </a:prstGeom>
-          <a:noFill/>
-          <a:extLst>
-            <a:ext uri="{909E8E84-426E-40DD-AFC4-6F175D3DCCD1}">
-              <a14:hiddenFill xmlns:a14="http://schemas.microsoft.com/office/drawing/2010/main">
-                <a:solidFill>
-                  <a:srgbClr val="FFFFFF"/>
-                </a:solidFill>
-              </a14:hiddenFill>
-            </a:ext>
-          </a:extLst>
-        </p:spPr>
-      </p:pic>
-    </p:spTree>
-    <p:extLst>
-      <p:ext uri="{BB962C8B-B14F-4D97-AF65-F5344CB8AC3E}">
-        <p14:creationId xmlns:p14="http://schemas.microsoft.com/office/powerpoint/2010/main" val="2197479647"/>
-      </p:ext>
-    </p:extLst>
-  </p:cSld>
-  <p:clrMapOvr>
-    <a:masterClrMapping/>
-  </p:clrMapOvr>
-</p:sld>
-</file>
-
-<file path=ppt/slides/slide25.xml><?xml version="1.0" encoding="utf-8"?>
-<p:sld xmlns:a="http://schemas.openxmlformats.org/drawingml/2006/main" xmlns:r="http://schemas.openxmlformats.org/officeDocument/2006/relationships" xmlns:p="http://schemas.openxmlformats.org/presentationml/2006/main">
-  <p:cSld>
-    <p:spTree>
-      <p:nvGrpSpPr>
-        <p:cNvPr id="1" name=""/>
-        <p:cNvGrpSpPr/>
-        <p:nvPr/>
-      </p:nvGrpSpPr>
-      <p:grpSpPr>
-        <a:xfrm>
-          <a:off x="0" y="0"/>
-          <a:ext cx="0" cy="0"/>
-          <a:chOff x="0" y="0"/>
-          <a:chExt cx="0" cy="0"/>
-        </a:xfrm>
-      </p:grpSpPr>
-      <p:sp>
-        <p:nvSpPr>
-          <p:cNvPr id="2" name="Title 1"/>
-          <p:cNvSpPr>
-            <a:spLocks noGrp="1"/>
-          </p:cNvSpPr>
-          <p:nvPr>
-            <p:ph type="title"/>
-          </p:nvPr>
-        </p:nvSpPr>
-        <p:spPr/>
-        <p:txBody>
-          <a:bodyPr/>
-          <a:lstStyle/>
-          <a:p>
-            <a:r>
-              <a:rPr lang="en-US" dirty="0" smtClean="0"/>
-              <a:t>Direction Control</a:t>
-            </a:r>
-            <a:endParaRPr lang="en-US" dirty="0"/>
-          </a:p>
-        </p:txBody>
-      </p:sp>
-      <p:pic>
-        <p:nvPicPr>
-          <p:cNvPr id="2050" name="Picture 2" descr="C:\Users\Kevin.Walchko\Desktop\image_thumb9.png"/>
-          <p:cNvPicPr>
-            <a:picLocks noChangeAspect="1" noChangeArrowheads="1"/>
-          </p:cNvPicPr>
-          <p:nvPr/>
-        </p:nvPicPr>
-        <p:blipFill>
-          <a:blip r:embed="rId2">
-            <a:extLst>
-              <a:ext uri="{28A0092B-C50C-407E-A947-70E740481C1C}">
-                <a14:useLocalDpi xmlns:a14="http://schemas.microsoft.com/office/drawing/2010/main" val="0"/>
-              </a:ext>
-            </a:extLst>
-          </a:blip>
-          <a:srcRect/>
-          <a:stretch>
-            <a:fillRect/>
-          </a:stretch>
-        </p:blipFill>
-        <p:spPr bwMode="auto">
-          <a:xfrm>
-            <a:off x="609600" y="1380014"/>
-            <a:ext cx="3810000" cy="3725386"/>
-          </a:xfrm>
-          <a:prstGeom prst="rect">
-            <a:avLst/>
-          </a:prstGeom>
-          <a:noFill/>
-          <a:extLst>
-            <a:ext uri="{909E8E84-426E-40DD-AFC4-6F175D3DCCD1}">
-              <a14:hiddenFill xmlns:a14="http://schemas.microsoft.com/office/drawing/2010/main">
-                <a:solidFill>
-                  <a:srgbClr val="FFFFFF"/>
-                </a:solidFill>
-              </a14:hiddenFill>
-            </a:ext>
-          </a:extLst>
-        </p:spPr>
-      </p:pic>
-      <p:pic>
-        <p:nvPicPr>
-          <p:cNvPr id="2051" name="Picture 3" descr="C:\Users\Kevin.Walchko\Desktop\image_thumb8.png"/>
-          <p:cNvPicPr>
-            <a:picLocks noChangeAspect="1" noChangeArrowheads="1"/>
-          </p:cNvPicPr>
-          <p:nvPr/>
-        </p:nvPicPr>
-        <p:blipFill>
-          <a:blip r:embed="rId3">
-            <a:extLst>
-              <a:ext uri="{28A0092B-C50C-407E-A947-70E740481C1C}">
-                <a14:useLocalDpi xmlns:a14="http://schemas.microsoft.com/office/drawing/2010/main" val="0"/>
-              </a:ext>
-            </a:extLst>
-          </a:blip>
-          <a:srcRect/>
-          <a:stretch>
-            <a:fillRect/>
-          </a:stretch>
-        </p:blipFill>
-        <p:spPr bwMode="auto">
-          <a:xfrm>
-            <a:off x="4876800" y="1380014"/>
-            <a:ext cx="3731502" cy="3648631"/>
-          </a:xfrm>
-          <a:prstGeom prst="rect">
-            <a:avLst/>
-          </a:prstGeom>
-          <a:noFill/>
-          <a:extLst>
-            <a:ext uri="{909E8E84-426E-40DD-AFC4-6F175D3DCCD1}">
-              <a14:hiddenFill xmlns:a14="http://schemas.microsoft.com/office/drawing/2010/main">
-                <a:solidFill>
-                  <a:srgbClr val="FFFFFF"/>
-                </a:solidFill>
-              </a14:hiddenFill>
-            </a:ext>
-          </a:extLst>
-        </p:spPr>
-      </p:pic>
-      <p:sp>
-        <p:nvSpPr>
-          <p:cNvPr id="3" name="Rectangle 2"/>
-          <p:cNvSpPr/>
-          <p:nvPr/>
-        </p:nvSpPr>
-        <p:spPr>
-          <a:xfrm>
-            <a:off x="914400" y="5257800"/>
-            <a:ext cx="7693902" cy="1143000"/>
-          </a:xfrm>
-          <a:prstGeom prst="rect">
-            <a:avLst/>
-          </a:prstGeom>
-          <a:solidFill>
-            <a:schemeClr val="accent2"/>
-          </a:solidFill>
-        </p:spPr>
-        <p:style>
-          <a:lnRef idx="2">
-            <a:schemeClr val="accent1">
-              <a:shade val="50000"/>
-            </a:schemeClr>
-          </a:lnRef>
-          <a:fillRef idx="1">
-            <a:schemeClr val="accent1"/>
-          </a:fillRef>
-          <a:effectRef idx="0">
-            <a:schemeClr val="accent1"/>
-          </a:effectRef>
-          <a:fontRef idx="minor">
-            <a:schemeClr val="lt1"/>
-          </a:fontRef>
-        </p:style>
-        <p:txBody>
-          <a:bodyPr rtlCol="0" anchor="ctr"/>
-          <a:lstStyle/>
-          <a:p>
-            <a:pPr algn="ctr"/>
-            <a:r>
-              <a:rPr lang="en-US" sz="2000" dirty="0" smtClean="0"/>
-              <a:t>H-bridge is design to turn on/off the FETs in a particular order such that current can flow through the motor in one or 2 ways. This has the effect of turning the motor shaft either CW or CCW</a:t>
-            </a:r>
-            <a:endParaRPr lang="en-US" sz="2000" dirty="0"/>
-          </a:p>
-        </p:txBody>
-      </p:sp>
-    </p:spTree>
-    <p:extLst>
-      <p:ext uri="{BB962C8B-B14F-4D97-AF65-F5344CB8AC3E}">
-        <p14:creationId xmlns:p14="http://schemas.microsoft.com/office/powerpoint/2010/main" val="239999205"/>
-      </p:ext>
-    </p:extLst>
-  </p:cSld>
-  <p:clrMapOvr>
-    <a:masterClrMapping/>
-  </p:clrMapOvr>
-</p:sld>
-</file>
-
-<file path=ppt/slides/slide26.xml><?xml version="1.0" encoding="utf-8"?>
-<p:sld xmlns:a="http://schemas.openxmlformats.org/drawingml/2006/main" xmlns:r="http://schemas.openxmlformats.org/officeDocument/2006/relationships" xmlns:p="http://schemas.openxmlformats.org/presentationml/2006/main">
-  <p:cSld>
-    <p:spTree>
-      <p:nvGrpSpPr>
-        <p:cNvPr id="1" name=""/>
-        <p:cNvGrpSpPr/>
-        <p:nvPr/>
-      </p:nvGrpSpPr>
-      <p:grpSpPr>
-        <a:xfrm>
-          <a:off x="0" y="0"/>
-          <a:ext cx="0" cy="0"/>
-          <a:chOff x="0" y="0"/>
-          <a:chExt cx="0" cy="0"/>
-        </a:xfrm>
-      </p:grpSpPr>
-      <p:sp>
-        <p:nvSpPr>
-          <p:cNvPr id="2" name="Title 1"/>
-          <p:cNvSpPr>
-            <a:spLocks noGrp="1"/>
-          </p:cNvSpPr>
-          <p:nvPr>
-            <p:ph type="title"/>
-          </p:nvPr>
-        </p:nvSpPr>
-        <p:spPr/>
-        <p:txBody>
-          <a:bodyPr/>
-          <a:lstStyle/>
-          <a:p>
-            <a:r>
-              <a:rPr lang="en-US" dirty="0" smtClean="0"/>
-              <a:t>Danger!</a:t>
-            </a:r>
-            <a:endParaRPr lang="en-US" dirty="0"/>
-          </a:p>
-        </p:txBody>
-      </p:sp>
-      <p:pic>
-        <p:nvPicPr>
-          <p:cNvPr id="3074" name="Picture 2" descr="C:\Users\Kevin.Walchko\Desktop\image_thumb10.png"/>
-          <p:cNvPicPr>
-            <a:picLocks noChangeAspect="1" noChangeArrowheads="1"/>
-          </p:cNvPicPr>
-          <p:nvPr/>
-        </p:nvPicPr>
-        <p:blipFill>
-          <a:blip r:embed="rId2">
-            <a:extLst>
-              <a:ext uri="{28A0092B-C50C-407E-A947-70E740481C1C}">
-                <a14:useLocalDpi xmlns:a14="http://schemas.microsoft.com/office/drawing/2010/main" val="0"/>
-              </a:ext>
-            </a:extLst>
-          </a:blip>
-          <a:srcRect/>
-          <a:stretch>
-            <a:fillRect/>
-          </a:stretch>
-        </p:blipFill>
-        <p:spPr bwMode="auto">
-          <a:xfrm>
-            <a:off x="2667000" y="1524000"/>
-            <a:ext cx="3810830" cy="3726197"/>
-          </a:xfrm>
-          <a:prstGeom prst="rect">
-            <a:avLst/>
-          </a:prstGeom>
-          <a:noFill/>
-          <a:extLst>
-            <a:ext uri="{909E8E84-426E-40DD-AFC4-6F175D3DCCD1}">
-              <a14:hiddenFill xmlns:a14="http://schemas.microsoft.com/office/drawing/2010/main">
-                <a:solidFill>
-                  <a:srgbClr val="FFFFFF"/>
-                </a:solidFill>
-              </a14:hiddenFill>
-            </a:ext>
-          </a:extLst>
-        </p:spPr>
-      </p:pic>
-      <p:sp>
-        <p:nvSpPr>
-          <p:cNvPr id="4" name="Rectangle 3"/>
-          <p:cNvSpPr/>
-          <p:nvPr/>
-        </p:nvSpPr>
-        <p:spPr>
-          <a:xfrm>
-            <a:off x="1600200" y="5791200"/>
-            <a:ext cx="6553200" cy="762000"/>
-          </a:xfrm>
-          <a:prstGeom prst="rect">
-            <a:avLst/>
-          </a:prstGeom>
-          <a:solidFill>
-            <a:schemeClr val="accent2"/>
-          </a:solidFill>
-        </p:spPr>
-        <p:style>
-          <a:lnRef idx="2">
-            <a:schemeClr val="accent1">
-              <a:shade val="50000"/>
-            </a:schemeClr>
-          </a:lnRef>
-          <a:fillRef idx="1">
-            <a:schemeClr val="accent1"/>
-          </a:fillRef>
-          <a:effectRef idx="0">
-            <a:schemeClr val="accent1"/>
-          </a:effectRef>
-          <a:fontRef idx="minor">
-            <a:schemeClr val="lt1"/>
-          </a:fontRef>
-        </p:style>
-        <p:txBody>
-          <a:bodyPr rtlCol="0" anchor="ctr"/>
-          <a:lstStyle/>
-          <a:p>
-            <a:pPr algn="ctr"/>
-            <a:r>
-              <a:rPr lang="en-US" sz="1800" dirty="0" smtClean="0"/>
-              <a:t>Since this is already setup on your system, this shouldn’t be a problem. However, if you build your own h-bridge, be careful!</a:t>
-            </a:r>
-            <a:endParaRPr lang="en-US" sz="1800" dirty="0"/>
-          </a:p>
-        </p:txBody>
-      </p:sp>
-    </p:spTree>
-    <p:extLst>
-      <p:ext uri="{BB962C8B-B14F-4D97-AF65-F5344CB8AC3E}">
-        <p14:creationId xmlns:p14="http://schemas.microsoft.com/office/powerpoint/2010/main" val="1983252780"/>
-      </p:ext>
-    </p:extLst>
-  </p:cSld>
-  <p:clrMapOvr>
-    <a:masterClrMapping/>
-  </p:clrMapOvr>
-</p:sld>
-</file>
-
-<file path=ppt/slides/slide27.xml><?xml version="1.0" encoding="utf-8"?>
-<p:sld xmlns:a="http://schemas.openxmlformats.org/drawingml/2006/main" xmlns:r="http://schemas.openxmlformats.org/officeDocument/2006/relationships" xmlns:p="http://schemas.openxmlformats.org/presentationml/2006/main">
-  <p:cSld>
-    <p:spTree>
-      <p:nvGrpSpPr>
-        <p:cNvPr id="1" name=""/>
-        <p:cNvGrpSpPr/>
-        <p:nvPr/>
-      </p:nvGrpSpPr>
-      <p:grpSpPr>
-        <a:xfrm>
-          <a:off x="0" y="0"/>
-          <a:ext cx="0" cy="0"/>
-          <a:chOff x="0" y="0"/>
-          <a:chExt cx="0" cy="0"/>
-        </a:xfrm>
-      </p:grpSpPr>
-      <p:sp>
-        <p:nvSpPr>
-          <p:cNvPr id="5" name="Title 4"/>
-          <p:cNvSpPr>
-            <a:spLocks noGrp="1"/>
-          </p:cNvSpPr>
-          <p:nvPr>
-            <p:ph type="title"/>
-          </p:nvPr>
-        </p:nvSpPr>
-        <p:spPr/>
-        <p:txBody>
-          <a:bodyPr/>
-          <a:lstStyle/>
-          <a:p>
-            <a:r>
-              <a:rPr lang="en-US" dirty="0" smtClean="0"/>
-              <a:t>DC Motors &amp; Generators</a:t>
-            </a:r>
-            <a:endParaRPr lang="en-US" dirty="0"/>
-          </a:p>
-        </p:txBody>
-      </p:sp>
-      <p:sp>
-        <p:nvSpPr>
-          <p:cNvPr id="4" name="Slide Number Placeholder 3"/>
-          <p:cNvSpPr>
-            <a:spLocks noGrp="1"/>
-          </p:cNvSpPr>
-          <p:nvPr>
-            <p:ph type="sldNum" sz="quarter" idx="4294967295"/>
-          </p:nvPr>
-        </p:nvSpPr>
-        <p:spPr>
-          <a:xfrm>
-            <a:off x="6934200" y="6492875"/>
-            <a:ext cx="2133600" cy="365125"/>
-          </a:xfrm>
-          <a:prstGeom prst="rect">
-            <a:avLst/>
-          </a:prstGeom>
-        </p:spPr>
-        <p:txBody>
-          <a:bodyPr/>
-          <a:lstStyle/>
-          <a:p>
-            <a:pPr algn="r"/>
-            <a:fld id="{B18D9980-6E72-4E73-925C-1AB0FE8C6AC2}" type="slidenum">
-              <a:rPr lang="en-US" smtClean="0"/>
-              <a:pPr algn="r"/>
-              <a:t>27</a:t>
-            </a:fld>
-            <a:endParaRPr lang="en-US" dirty="0"/>
-          </a:p>
-        </p:txBody>
-      </p:sp>
-      <p:pic>
-        <p:nvPicPr>
-          <p:cNvPr id="1027" name="Picture 3" descr="C:\Users\Kevin.Walchko\Desktop\Brush - Category - Brush DC Motors.png"/>
-          <p:cNvPicPr>
-            <a:picLocks noChangeAspect="1" noChangeArrowheads="1"/>
-          </p:cNvPicPr>
-          <p:nvPr/>
-        </p:nvPicPr>
-        <p:blipFill>
-          <a:blip r:embed="rId2">
-            <a:extLst>
-              <a:ext uri="{28A0092B-C50C-407E-A947-70E740481C1C}">
-                <a14:useLocalDpi xmlns:a14="http://schemas.microsoft.com/office/drawing/2010/main" val="0"/>
-              </a:ext>
-            </a:extLst>
-          </a:blip>
-          <a:srcRect/>
-          <a:stretch>
-            <a:fillRect/>
-          </a:stretch>
-        </p:blipFill>
-        <p:spPr bwMode="auto">
-          <a:xfrm>
-            <a:off x="990600" y="1527770"/>
-            <a:ext cx="7315200" cy="4667250"/>
-          </a:xfrm>
-          <a:prstGeom prst="rect">
-            <a:avLst/>
-          </a:prstGeom>
-          <a:noFill/>
-          <a:extLst>
-            <a:ext uri="{909E8E84-426E-40DD-AFC4-6F175D3DCCD1}">
-              <a14:hiddenFill xmlns:a14="http://schemas.microsoft.com/office/drawing/2010/main">
-                <a:solidFill>
-                  <a:srgbClr val="FFFFFF"/>
-                </a:solidFill>
-              </a14:hiddenFill>
-            </a:ext>
-          </a:extLst>
-        </p:spPr>
-      </p:pic>
-    </p:spTree>
-    <p:extLst>
-      <p:ext uri="{BB962C8B-B14F-4D97-AF65-F5344CB8AC3E}">
-        <p14:creationId xmlns:p14="http://schemas.microsoft.com/office/powerpoint/2010/main" val="2092087954"/>
-      </p:ext>
-    </p:extLst>
-  </p:cSld>
-  <p:clrMapOvr>
-    <a:masterClrMapping/>
-  </p:clrMapOvr>
-  <p:timing>
-    <p:tnLst>
-      <p:par>
-        <p:cTn id="1" dur="indefinite" restart="never" nodeType="tmRoot"/>
-      </p:par>
-    </p:tnLst>
-  </p:timing>
-</p:sld>
-</file>
-
-<file path=ppt/slides/slide28.xml><?xml version="1.0" encoding="utf-8"?>
-<p:sld xmlns:a="http://schemas.openxmlformats.org/drawingml/2006/main" xmlns:r="http://schemas.openxmlformats.org/officeDocument/2006/relationships" xmlns:p="http://schemas.openxmlformats.org/presentationml/2006/main">
-  <p:cSld>
-    <p:spTree>
-      <p:nvGrpSpPr>
-        <p:cNvPr id="1" name=""/>
-        <p:cNvGrpSpPr/>
-        <p:nvPr/>
-      </p:nvGrpSpPr>
-      <p:grpSpPr>
-        <a:xfrm>
-          <a:off x="0" y="0"/>
-          <a:ext cx="0" cy="0"/>
-          <a:chOff x="0" y="0"/>
-          <a:chExt cx="0" cy="0"/>
-        </a:xfrm>
-      </p:grpSpPr>
-      <p:sp>
-        <p:nvSpPr>
-          <p:cNvPr id="5" name="Title 4"/>
-          <p:cNvSpPr>
-            <a:spLocks noGrp="1"/>
-          </p:cNvSpPr>
-          <p:nvPr>
-            <p:ph type="title"/>
-          </p:nvPr>
-        </p:nvSpPr>
-        <p:spPr/>
-        <p:txBody>
-          <a:bodyPr/>
-          <a:lstStyle/>
-          <a:p>
-            <a:r>
-              <a:rPr lang="en-US" dirty="0" smtClean="0"/>
-              <a:t>How Does a DC Motor Work</a:t>
-            </a:r>
-            <a:endParaRPr lang="en-US" dirty="0"/>
-          </a:p>
-        </p:txBody>
-      </p:sp>
-      <p:sp>
-        <p:nvSpPr>
-          <p:cNvPr id="4" name="Slide Number Placeholder 3"/>
-          <p:cNvSpPr>
-            <a:spLocks noGrp="1"/>
-          </p:cNvSpPr>
-          <p:nvPr>
-            <p:ph type="sldNum" sz="quarter" idx="4294967295"/>
-          </p:nvPr>
-        </p:nvSpPr>
-        <p:spPr>
-          <a:xfrm>
-            <a:off x="6934200" y="6492875"/>
-            <a:ext cx="2133600" cy="365125"/>
-          </a:xfrm>
-          <a:prstGeom prst="rect">
-            <a:avLst/>
-          </a:prstGeom>
-        </p:spPr>
-        <p:txBody>
-          <a:bodyPr/>
-          <a:lstStyle/>
-          <a:p>
-            <a:pPr algn="r"/>
-            <a:fld id="{B18D9980-6E72-4E73-925C-1AB0FE8C6AC2}" type="slidenum">
-              <a:rPr lang="en-US" smtClean="0"/>
-              <a:pPr algn="r"/>
-              <a:t>28</a:t>
-            </a:fld>
-            <a:endParaRPr lang="en-US" dirty="0"/>
-          </a:p>
-        </p:txBody>
-      </p:sp>
-      <p:pic>
-        <p:nvPicPr>
-          <p:cNvPr id="1026" name="Picture 2" descr="C:\Users\Kevin.Walchko\Desktop\dcmop.gif"/>
-          <p:cNvPicPr>
-            <a:picLocks noChangeAspect="1" noChangeArrowheads="1"/>
-          </p:cNvPicPr>
-          <p:nvPr/>
-        </p:nvPicPr>
-        <p:blipFill>
-          <a:blip r:embed="rId2">
-            <a:extLst>
-              <a:ext uri="{28A0092B-C50C-407E-A947-70E740481C1C}">
-                <a14:useLocalDpi xmlns:a14="http://schemas.microsoft.com/office/drawing/2010/main" val="0"/>
-              </a:ext>
-            </a:extLst>
-          </a:blip>
-          <a:srcRect/>
-          <a:stretch>
-            <a:fillRect/>
-          </a:stretch>
-        </p:blipFill>
-        <p:spPr bwMode="auto">
-          <a:xfrm>
-            <a:off x="457200" y="1295400"/>
-            <a:ext cx="4124325" cy="3209925"/>
-          </a:xfrm>
-          <a:prstGeom prst="rect">
-            <a:avLst/>
-          </a:prstGeom>
-          <a:noFill/>
-          <a:extLst>
-            <a:ext uri="{909E8E84-426E-40DD-AFC4-6F175D3DCCD1}">
-              <a14:hiddenFill xmlns:a14="http://schemas.microsoft.com/office/drawing/2010/main">
-                <a:solidFill>
-                  <a:srgbClr val="FFFFFF"/>
-                </a:solidFill>
-              </a14:hiddenFill>
-            </a:ext>
-          </a:extLst>
-        </p:spPr>
-      </p:pic>
-      <p:pic>
-        <p:nvPicPr>
-          <p:cNvPr id="1027" name="Picture 3" descr="C:\Users\Kevin.Walchko\Desktop\dc-motor-tear-down.JPG"/>
-          <p:cNvPicPr>
-            <a:picLocks noChangeAspect="1" noChangeArrowheads="1"/>
-          </p:cNvPicPr>
-          <p:nvPr/>
-        </p:nvPicPr>
-        <p:blipFill>
-          <a:blip r:embed="rId3">
-            <a:extLst>
-              <a:ext uri="{28A0092B-C50C-407E-A947-70E740481C1C}">
-                <a14:useLocalDpi xmlns:a14="http://schemas.microsoft.com/office/drawing/2010/main" val="0"/>
-              </a:ext>
-            </a:extLst>
-          </a:blip>
-          <a:srcRect/>
-          <a:stretch>
-            <a:fillRect/>
-          </a:stretch>
-        </p:blipFill>
-        <p:spPr bwMode="auto">
-          <a:xfrm>
-            <a:off x="381000" y="4572000"/>
-            <a:ext cx="4143375" cy="1733550"/>
-          </a:xfrm>
-          <a:prstGeom prst="rect">
-            <a:avLst/>
-          </a:prstGeom>
-          <a:noFill/>
-          <a:extLst>
-            <a:ext uri="{909E8E84-426E-40DD-AFC4-6F175D3DCCD1}">
-              <a14:hiddenFill xmlns:a14="http://schemas.microsoft.com/office/drawing/2010/main">
-                <a:solidFill>
-                  <a:srgbClr val="FFFFFF"/>
-                </a:solidFill>
-              </a14:hiddenFill>
-            </a:ext>
-          </a:extLst>
-        </p:spPr>
-      </p:pic>
-      <p:pic>
-        <p:nvPicPr>
-          <p:cNvPr id="1029" name="Picture 5" descr="Electric_motor"/>
-          <p:cNvPicPr>
-            <a:picLocks noChangeAspect="1" noChangeArrowheads="1"/>
-          </p:cNvPicPr>
-          <p:nvPr/>
-        </p:nvPicPr>
-        <p:blipFill>
-          <a:blip r:embed="rId4">
-            <a:extLst>
-              <a:ext uri="{28A0092B-C50C-407E-A947-70E740481C1C}">
-                <a14:useLocalDpi xmlns:a14="http://schemas.microsoft.com/office/drawing/2010/main" val="0"/>
-              </a:ext>
-            </a:extLst>
-          </a:blip>
-          <a:srcRect/>
-          <a:stretch>
-            <a:fillRect/>
-          </a:stretch>
-        </p:blipFill>
-        <p:spPr bwMode="auto">
-          <a:xfrm>
-            <a:off x="5207325" y="1295400"/>
-            <a:ext cx="3162300" cy="3162300"/>
-          </a:xfrm>
-          <a:prstGeom prst="rect">
-            <a:avLst/>
-          </a:prstGeom>
-          <a:noFill/>
-          <a:extLst>
-            <a:ext uri="{909E8E84-426E-40DD-AFC4-6F175D3DCCD1}">
-              <a14:hiddenFill xmlns:a14="http://schemas.microsoft.com/office/drawing/2010/main">
-                <a:solidFill>
-                  <a:srgbClr val="FFFFFF"/>
-                </a:solidFill>
-              </a14:hiddenFill>
-            </a:ext>
-          </a:extLst>
-        </p:spPr>
-      </p:pic>
-      <p:sp>
-        <p:nvSpPr>
-          <p:cNvPr id="2" name="TextBox 1"/>
-          <p:cNvSpPr txBox="1"/>
-          <p:nvPr/>
-        </p:nvSpPr>
-        <p:spPr>
-          <a:xfrm>
-            <a:off x="4581525" y="4663441"/>
-            <a:ext cx="4413901" cy="1169551"/>
-          </a:xfrm>
-          <a:prstGeom prst="rect">
-            <a:avLst/>
-          </a:prstGeom>
-          <a:noFill/>
-        </p:spPr>
-        <p:txBody>
-          <a:bodyPr wrap="none" rtlCol="0">
-            <a:spAutoFit/>
-          </a:bodyPr>
-          <a:lstStyle/>
-          <a:p>
-            <a:r>
-              <a:rPr lang="en-US" sz="1400" b="1" dirty="0" smtClean="0"/>
-              <a:t>Typical DC motor characteristics:</a:t>
-            </a:r>
-          </a:p>
-          <a:p>
-            <a:r>
-              <a:rPr lang="en-US" sz="1400" i="1" dirty="0" smtClean="0">
-                <a:solidFill>
-                  <a:srgbClr val="7030A0"/>
-                </a:solidFill>
-              </a:rPr>
-              <a:t>Stall torque </a:t>
-            </a:r>
-            <a:r>
-              <a:rPr lang="en-US" sz="1400" dirty="0" smtClean="0"/>
-              <a:t>– max torque produced when it stops moving</a:t>
-            </a:r>
-          </a:p>
-          <a:p>
-            <a:r>
-              <a:rPr lang="en-US" sz="1400" i="1" dirty="0" smtClean="0">
-                <a:solidFill>
-                  <a:srgbClr val="7030A0"/>
-                </a:solidFill>
-              </a:rPr>
-              <a:t>Voltage</a:t>
-            </a:r>
-            <a:r>
-              <a:rPr lang="en-US" sz="1400" dirty="0" smtClean="0">
-                <a:solidFill>
-                  <a:srgbClr val="7030A0"/>
-                </a:solidFill>
-              </a:rPr>
-              <a:t> </a:t>
-            </a:r>
-            <a:r>
-              <a:rPr lang="en-US" sz="1400" dirty="0" smtClean="0"/>
-              <a:t>– operating voltage (higher V, lower current)</a:t>
-            </a:r>
-          </a:p>
-          <a:p>
-            <a:r>
-              <a:rPr lang="en-US" sz="1400" i="1" dirty="0" smtClean="0">
-                <a:solidFill>
-                  <a:srgbClr val="7030A0"/>
-                </a:solidFill>
-              </a:rPr>
-              <a:t>No load current </a:t>
-            </a:r>
-            <a:r>
-              <a:rPr lang="en-US" sz="1400" dirty="0" smtClean="0"/>
-              <a:t>– min free running current</a:t>
-            </a:r>
-          </a:p>
-          <a:p>
-            <a:r>
-              <a:rPr lang="en-US" sz="1400" i="1" dirty="0" smtClean="0">
-                <a:solidFill>
-                  <a:srgbClr val="7030A0"/>
-                </a:solidFill>
-              </a:rPr>
-              <a:t>Stall current </a:t>
-            </a:r>
-            <a:r>
-              <a:rPr lang="en-US" sz="1400" dirty="0" smtClean="0"/>
-              <a:t>– max current at stall</a:t>
-            </a:r>
-            <a:endParaRPr lang="en-US" sz="1400" dirty="0"/>
-          </a:p>
-        </p:txBody>
-      </p:sp>
-      <p:sp>
-        <p:nvSpPr>
-          <p:cNvPr id="3" name="TextBox 2"/>
-          <p:cNvSpPr txBox="1"/>
-          <p:nvPr/>
-        </p:nvSpPr>
-        <p:spPr>
-          <a:xfrm>
-            <a:off x="4724400" y="5819740"/>
-            <a:ext cx="2925288" cy="646331"/>
-          </a:xfrm>
-          <a:prstGeom prst="rect">
-            <a:avLst/>
-          </a:prstGeom>
-          <a:noFill/>
-        </p:spPr>
-        <p:txBody>
-          <a:bodyPr wrap="none" rtlCol="0">
-            <a:spAutoFit/>
-          </a:bodyPr>
-          <a:lstStyle/>
-          <a:p>
-            <a:r>
-              <a:rPr lang="en-US" dirty="0" smtClean="0"/>
-              <a:t>Horsepower: 2 </a:t>
-            </a:r>
-            <a:r>
-              <a:rPr lang="en-US" dirty="0" err="1" smtClean="0"/>
-              <a:t>hp</a:t>
-            </a:r>
-            <a:r>
-              <a:rPr lang="en-US" dirty="0" smtClean="0"/>
-              <a:t> = ~1492 W</a:t>
-            </a:r>
-          </a:p>
-          <a:p>
-            <a:r>
-              <a:rPr lang="en-US" dirty="0" smtClean="0"/>
-              <a:t>                        1 </a:t>
-            </a:r>
-            <a:r>
-              <a:rPr lang="en-US" dirty="0" err="1" smtClean="0"/>
-              <a:t>hp</a:t>
-            </a:r>
-            <a:r>
-              <a:rPr lang="en-US" dirty="0" smtClean="0"/>
-              <a:t> = 745.7 W</a:t>
-            </a:r>
-            <a:endParaRPr lang="en-US" dirty="0"/>
-          </a:p>
-        </p:txBody>
-      </p:sp>
-    </p:spTree>
-    <p:extLst>
-      <p:ext uri="{BB962C8B-B14F-4D97-AF65-F5344CB8AC3E}">
-        <p14:creationId xmlns:p14="http://schemas.microsoft.com/office/powerpoint/2010/main" val="3342446820"/>
-      </p:ext>
-    </p:extLst>
-  </p:cSld>
-  <p:clrMapOvr>
-    <a:masterClrMapping/>
-  </p:clrMapOvr>
-  <p:timing>
-    <p:tnLst>
-      <p:par>
-        <p:cTn id="1" dur="indefinite" restart="never" nodeType="tmRoot">
-          <p:childTnLst>
-            <p:seq concurrent="1" nextAc="seek">
-              <p:cTn id="2" dur="indefinite" nodeType="mainSeq">
-                <p:childTnLst>
-                  <p:par>
-                    <p:cTn id="3" fill="hold">
-                      <p:stCondLst>
-                        <p:cond delay="indefinite"/>
-                      </p:stCondLst>
-                      <p:childTnLst>
-                        <p:par>
-                          <p:cTn id="4" fill="hold">
-                            <p:stCondLst>
-                              <p:cond delay="0"/>
-                            </p:stCondLst>
-                            <p:childTnLst>
-                              <p:par>
-                                <p:cTn id="5" presetID="1" presetClass="entr" presetSubtype="0" fill="hold" nodeType="clickEffect">
-                                  <p:stCondLst>
-                                    <p:cond delay="0"/>
-                                  </p:stCondLst>
-                                  <p:childTnLst>
-                                    <p:set>
-                                      <p:cBhvr>
-                                        <p:cTn id="6" dur="1" fill="hold">
-                                          <p:stCondLst>
-                                            <p:cond delay="0"/>
-                                          </p:stCondLst>
-                                        </p:cTn>
-                                        <p:tgtEl>
-                                          <p:spTgt spid="1027"/>
-                                        </p:tgtEl>
-                                        <p:attrNameLst>
-                                          <p:attrName>style.visibility</p:attrName>
-                                        </p:attrNameLst>
-                                      </p:cBhvr>
-                                      <p:to>
-                                        <p:strVal val="visible"/>
-                                      </p:to>
-                                    </p:set>
-                                  </p:childTnLst>
-                                </p:cTn>
-                              </p:par>
-                            </p:childTnLst>
-                          </p:cTn>
-                        </p:par>
-                      </p:childTnLst>
-                    </p:cTn>
-                  </p:par>
-                  <p:par>
-                    <p:cTn id="7" fill="hold">
-                      <p:stCondLst>
-                        <p:cond delay="indefinite"/>
-                      </p:stCondLst>
-                      <p:childTnLst>
-                        <p:par>
-                          <p:cTn id="8" fill="hold">
-                            <p:stCondLst>
-                              <p:cond delay="0"/>
-                            </p:stCondLst>
-                            <p:childTnLst>
-                              <p:par>
-                                <p:cTn id="9" presetID="1" presetClass="entr" presetSubtype="0" fill="hold" nodeType="clickEffect">
-                                  <p:stCondLst>
-                                    <p:cond delay="0"/>
-                                  </p:stCondLst>
-                                  <p:childTnLst>
-                                    <p:set>
-                                      <p:cBhvr>
-                                        <p:cTn id="10" dur="1" fill="hold">
-                                          <p:stCondLst>
-                                            <p:cond delay="0"/>
-                                          </p:stCondLst>
-                                        </p:cTn>
-                                        <p:tgtEl>
-                                          <p:spTgt spid="1029"/>
-                                        </p:tgtEl>
-                                        <p:attrNameLst>
-                                          <p:attrName>style.visibility</p:attrName>
-                                        </p:attrNameLst>
-                                      </p:cBhvr>
-                                      <p:to>
-                                        <p:strVal val="visible"/>
-                                      </p:to>
-                                    </p:set>
-                                  </p:childTnLst>
-                                </p:cTn>
-                              </p:par>
-                            </p:childTnLst>
-                          </p:cTn>
-                        </p:par>
-                      </p:childTnLst>
-                    </p:cTn>
-                  </p:par>
-                  <p:par>
-                    <p:cTn id="11" fill="hold">
-                      <p:stCondLst>
-                        <p:cond delay="indefinite"/>
-                      </p:stCondLst>
-                      <p:childTnLst>
-                        <p:par>
-                          <p:cTn id="12" fill="hold">
-                            <p:stCondLst>
-                              <p:cond delay="0"/>
-                            </p:stCondLst>
-                            <p:childTnLst>
-                              <p:par>
-                                <p:cTn id="13" presetID="1" presetClass="entr" presetSubtype="0" fill="hold" grpId="0" nodeType="clickEffect">
-                                  <p:stCondLst>
-                                    <p:cond delay="0"/>
-                                  </p:stCondLst>
-                                  <p:childTnLst>
-                                    <p:set>
-                                      <p:cBhvr>
-                                        <p:cTn id="14" dur="1" fill="hold">
-                                          <p:stCondLst>
-                                            <p:cond delay="0"/>
-                                          </p:stCondLst>
-                                        </p:cTn>
-                                        <p:tgtEl>
-                                          <p:spTgt spid="2"/>
-                                        </p:tgtEl>
-                                        <p:attrNameLst>
-                                          <p:attrName>style.visibility</p:attrName>
-                                        </p:attrNameLst>
-                                      </p:cBhvr>
-                                      <p:to>
-                                        <p:strVal val="visible"/>
-                                      </p:to>
-                                    </p:set>
-                                  </p:childTnLst>
-                                </p:cTn>
-                              </p:par>
-                              <p:par>
-                                <p:cTn id="15" presetID="1" presetClass="entr" presetSubtype="0" fill="hold" grpId="0" nodeType="withEffect">
-                                  <p:stCondLst>
-                                    <p:cond delay="0"/>
-                                  </p:stCondLst>
-                                  <p:childTnLst>
-                                    <p:set>
-                                      <p:cBhvr>
-                                        <p:cTn id="16" dur="1" fill="hold">
-                                          <p:stCondLst>
-                                            <p:cond delay="0"/>
-                                          </p:stCondLst>
-                                        </p:cTn>
-                                        <p:tgtEl>
-                                          <p:spTgt spid="3"/>
-                                        </p:tgtEl>
-                                        <p:attrNameLst>
-                                          <p:attrName>style.visibility</p:attrName>
-                                        </p:attrNameLst>
-                                      </p:cBhvr>
-                                      <p:to>
-                                        <p:strVal val="visible"/>
-                                      </p:to>
-                                    </p:set>
-                                  </p:childTnLst>
-                                </p:cTn>
-                              </p:par>
-                            </p:childTnLst>
-                          </p:cTn>
-                        </p:par>
-                      </p:childTnLst>
-                    </p:cTn>
-                  </p:par>
-                </p:childTnLst>
-              </p:cTn>
-              <p:prevCondLst>
-                <p:cond evt="onPrev" delay="0">
-                  <p:tgtEl>
-                    <p:sldTgt/>
-                  </p:tgtEl>
-                </p:cond>
-              </p:prevCondLst>
-              <p:nextCondLst>
-                <p:cond evt="onNext" delay="0">
-                  <p:tgtEl>
-                    <p:sldTgt/>
-                  </p:tgtEl>
-                </p:cond>
-              </p:nextCondLst>
-            </p:seq>
-          </p:childTnLst>
-        </p:cTn>
-      </p:par>
-    </p:tnLst>
-    <p:bldLst>
-      <p:bldP spid="2" grpId="0"/>
-      <p:bldP spid="3" grpId="0"/>
-    </p:bldLst>
-  </p:timing>
-</p:sld>
-</file>
-
-<file path=ppt/slides/slide29.xml><?xml version="1.0" encoding="utf-8"?>
-<p:sld xmlns:a="http://schemas.openxmlformats.org/drawingml/2006/main" xmlns:r="http://schemas.openxmlformats.org/officeDocument/2006/relationships" xmlns:p="http://schemas.openxmlformats.org/presentationml/2006/main">
-  <p:cSld>
-    <p:spTree>
-      <p:nvGrpSpPr>
-        <p:cNvPr id="1" name=""/>
-        <p:cNvGrpSpPr/>
-        <p:nvPr/>
-      </p:nvGrpSpPr>
-      <p:grpSpPr>
-        <a:xfrm>
-          <a:off x="0" y="0"/>
-          <a:ext cx="0" cy="0"/>
-          <a:chOff x="0" y="0"/>
-          <a:chExt cx="0" cy="0"/>
-        </a:xfrm>
-      </p:grpSpPr>
-      <p:sp>
-        <p:nvSpPr>
-          <p:cNvPr id="2" name="Title 1"/>
-          <p:cNvSpPr>
-            <a:spLocks noGrp="1"/>
-          </p:cNvSpPr>
-          <p:nvPr>
-            <p:ph type="title"/>
-          </p:nvPr>
-        </p:nvSpPr>
-        <p:spPr/>
-        <p:txBody>
-          <a:bodyPr/>
-          <a:lstStyle/>
-          <a:p>
-            <a:r>
-              <a:rPr lang="en-US" dirty="0" smtClean="0"/>
-              <a:t>Motor Torque</a:t>
-            </a:r>
-            <a:endParaRPr lang="en-US" dirty="0"/>
-          </a:p>
-        </p:txBody>
-      </p:sp>
-      <p:sp>
-        <p:nvSpPr>
-          <p:cNvPr id="3" name="Slide Number Placeholder 2"/>
-          <p:cNvSpPr>
-            <a:spLocks noGrp="1"/>
-          </p:cNvSpPr>
-          <p:nvPr>
-            <p:ph type="sldNum" sz="quarter" idx="4294967295"/>
-          </p:nvPr>
-        </p:nvSpPr>
-        <p:spPr>
-          <a:xfrm>
-            <a:off x="6934200" y="6492875"/>
-            <a:ext cx="2133600" cy="365125"/>
-          </a:xfrm>
-          <a:prstGeom prst="rect">
-            <a:avLst/>
-          </a:prstGeom>
-        </p:spPr>
-        <p:txBody>
-          <a:bodyPr/>
-          <a:lstStyle/>
-          <a:p>
-            <a:pPr algn="r"/>
-            <a:fld id="{B18D9980-6E72-4E73-925C-1AB0FE8C6AC2}" type="slidenum">
-              <a:rPr lang="en-US" smtClean="0"/>
-              <a:pPr algn="r"/>
-              <a:t>29</a:t>
-            </a:fld>
-            <a:endParaRPr lang="en-US" dirty="0"/>
-          </a:p>
-        </p:txBody>
-      </p:sp>
-      <p:pic>
-        <p:nvPicPr>
-          <p:cNvPr id="2050" name="Picture 2" descr="C:\Users\Kevin.Walchko\Desktop\buildmoa.gif"/>
-          <p:cNvPicPr>
-            <a:picLocks noChangeAspect="1" noChangeArrowheads="1"/>
-          </p:cNvPicPr>
-          <p:nvPr/>
-        </p:nvPicPr>
-        <p:blipFill>
-          <a:blip r:embed="rId2">
-            <a:extLst>
-              <a:ext uri="{28A0092B-C50C-407E-A947-70E740481C1C}">
-                <a14:useLocalDpi xmlns:a14="http://schemas.microsoft.com/office/drawing/2010/main" val="0"/>
-              </a:ext>
-            </a:extLst>
-          </a:blip>
-          <a:srcRect/>
-          <a:stretch>
-            <a:fillRect/>
-          </a:stretch>
-        </p:blipFill>
-        <p:spPr bwMode="auto">
-          <a:xfrm>
-            <a:off x="651439" y="1941731"/>
-            <a:ext cx="5143500" cy="2543175"/>
-          </a:xfrm>
-          <a:prstGeom prst="rect">
-            <a:avLst/>
-          </a:prstGeom>
-          <a:noFill/>
-          <a:extLst>
-            <a:ext uri="{909E8E84-426E-40DD-AFC4-6F175D3DCCD1}">
-              <a14:hiddenFill xmlns:a14="http://schemas.microsoft.com/office/drawing/2010/main">
-                <a:solidFill>
-                  <a:srgbClr val="FFFFFF"/>
-                </a:solidFill>
-              </a14:hiddenFill>
-            </a:ext>
-          </a:extLst>
-        </p:spPr>
-      </p:pic>
-      <p:sp>
-        <p:nvSpPr>
-          <p:cNvPr id="5" name="Rectangle 4"/>
-          <p:cNvSpPr/>
-          <p:nvPr/>
-        </p:nvSpPr>
-        <p:spPr>
-          <a:xfrm>
-            <a:off x="742950" y="1295400"/>
-            <a:ext cx="5276850" cy="646331"/>
-          </a:xfrm>
-          <a:prstGeom prst="rect">
-            <a:avLst/>
-          </a:prstGeom>
-        </p:spPr>
-        <p:txBody>
-          <a:bodyPr wrap="square">
-            <a:spAutoFit/>
-          </a:bodyPr>
-          <a:lstStyle/>
-          <a:p>
-            <a:r>
-              <a:rPr lang="en-US" b="1" i="1" dirty="0"/>
-              <a:t>Torque</a:t>
-            </a:r>
-            <a:r>
-              <a:rPr lang="en-US" dirty="0"/>
-              <a:t> is a measure of how much a force acting on an object causes that object to rotate. </a:t>
-            </a:r>
-          </a:p>
-        </p:txBody>
-      </p:sp>
-      <p:pic>
-        <p:nvPicPr>
-          <p:cNvPr id="2052" name="Picture 4" descr="C:\Users\Kevin.Walchko\Desktop\Gear_Torque1.jpg"/>
-          <p:cNvPicPr>
-            <a:picLocks noChangeAspect="1" noChangeArrowheads="1"/>
-          </p:cNvPicPr>
-          <p:nvPr/>
-        </p:nvPicPr>
-        <p:blipFill>
-          <a:blip r:embed="rId3">
-            <a:extLst>
-              <a:ext uri="{28A0092B-C50C-407E-A947-70E740481C1C}">
-                <a14:useLocalDpi xmlns:a14="http://schemas.microsoft.com/office/drawing/2010/main" val="0"/>
-              </a:ext>
-            </a:extLst>
-          </a:blip>
-          <a:srcRect/>
-          <a:stretch>
-            <a:fillRect/>
-          </a:stretch>
-        </p:blipFill>
-        <p:spPr bwMode="auto">
-          <a:xfrm>
-            <a:off x="6275913" y="1272948"/>
-            <a:ext cx="2258487" cy="2040031"/>
-          </a:xfrm>
-          <a:prstGeom prst="rect">
-            <a:avLst/>
-          </a:prstGeom>
-          <a:noFill/>
-          <a:extLst>
-            <a:ext uri="{909E8E84-426E-40DD-AFC4-6F175D3DCCD1}">
-              <a14:hiddenFill xmlns:a14="http://schemas.microsoft.com/office/drawing/2010/main">
-                <a:solidFill>
-                  <a:srgbClr val="FFFFFF"/>
-                </a:solidFill>
-              </a14:hiddenFill>
-            </a:ext>
-          </a:extLst>
-        </p:spPr>
-      </p:pic>
-      <p:pic>
-        <p:nvPicPr>
-          <p:cNvPr id="9219" name="Picture 3"/>
-          <p:cNvPicPr>
-            <a:picLocks noChangeAspect="1" noChangeArrowheads="1"/>
-          </p:cNvPicPr>
-          <p:nvPr/>
-        </p:nvPicPr>
-        <p:blipFill>
-          <a:blip r:embed="rId4">
-            <a:extLst>
-              <a:ext uri="{28A0092B-C50C-407E-A947-70E740481C1C}">
-                <a14:useLocalDpi xmlns:a14="http://schemas.microsoft.com/office/drawing/2010/main" val="0"/>
-              </a:ext>
-            </a:extLst>
-          </a:blip>
-          <a:srcRect/>
-          <a:stretch>
-            <a:fillRect/>
-          </a:stretch>
-        </p:blipFill>
-        <p:spPr bwMode="auto">
-          <a:xfrm>
-            <a:off x="457200" y="4612154"/>
-            <a:ext cx="7848600" cy="730967"/>
-          </a:xfrm>
-          <a:prstGeom prst="rect">
-            <a:avLst/>
-          </a:prstGeom>
-          <a:noFill/>
-          <a:ln>
-            <a:noFill/>
-          </a:ln>
-          <a:effectLst/>
-          <a:extLst>
-            <a:ext uri="{909E8E84-426E-40DD-AFC4-6F175D3DCCD1}">
-              <a14:hiddenFill xmlns:a14="http://schemas.microsoft.com/office/drawing/2010/main">
-                <a:solidFill>
-                  <a:schemeClr val="accent1"/>
-                </a:solidFill>
-              </a14:hiddenFill>
-            </a:ext>
-            <a:ext uri="{91240B29-F687-4F45-9708-019B960494DF}">
-              <a14:hiddenLine xmlns:a14="http://schemas.microsoft.com/office/drawing/2010/main" w="9525">
-                <a:solidFill>
-                  <a:schemeClr val="tx1"/>
-                </a:solidFill>
-                <a:miter lim="800000"/>
-                <a:headEnd/>
-                <a:tailEnd/>
-              </a14:hiddenLine>
-            </a:ext>
-            <a:ext uri="{AF507438-7753-43E0-B8FC-AC1667EBCBE1}">
-              <a14:hiddenEffects xmlns:a14="http://schemas.microsoft.com/office/drawing/2010/main">
-                <a:effectLst>
-                  <a:outerShdw dist="35921" dir="2700000" algn="ctr" rotWithShape="0">
-                    <a:schemeClr val="bg2"/>
-                  </a:outerShdw>
-                </a:effectLst>
-              </a14:hiddenEffects>
-            </a:ext>
-          </a:extLst>
-        </p:spPr>
-      </p:pic>
-      <p:pic>
-        <p:nvPicPr>
-          <p:cNvPr id="9220" name="Picture 4"/>
-          <p:cNvPicPr>
-            <a:picLocks noChangeAspect="1" noChangeArrowheads="1"/>
-          </p:cNvPicPr>
-          <p:nvPr/>
-        </p:nvPicPr>
-        <p:blipFill>
-          <a:blip r:embed="rId5">
-            <a:extLst>
-              <a:ext uri="{28A0092B-C50C-407E-A947-70E740481C1C}">
-                <a14:useLocalDpi xmlns:a14="http://schemas.microsoft.com/office/drawing/2010/main" val="0"/>
-              </a:ext>
-            </a:extLst>
-          </a:blip>
-          <a:srcRect/>
-          <a:stretch>
-            <a:fillRect/>
-          </a:stretch>
-        </p:blipFill>
-        <p:spPr bwMode="auto">
-          <a:xfrm>
-            <a:off x="4800600" y="5486400"/>
-            <a:ext cx="1622079" cy="762000"/>
-          </a:xfrm>
-          <a:prstGeom prst="rect">
-            <a:avLst/>
-          </a:prstGeom>
-          <a:noFill/>
-          <a:ln>
-            <a:noFill/>
-          </a:ln>
-          <a:effectLst/>
-          <a:extLst>
-            <a:ext uri="{909E8E84-426E-40DD-AFC4-6F175D3DCCD1}">
-              <a14:hiddenFill xmlns:a14="http://schemas.microsoft.com/office/drawing/2010/main">
-                <a:solidFill>
-                  <a:schemeClr val="accent1"/>
-                </a:solidFill>
-              </a14:hiddenFill>
-            </a:ext>
-            <a:ext uri="{91240B29-F687-4F45-9708-019B960494DF}">
-              <a14:hiddenLine xmlns:a14="http://schemas.microsoft.com/office/drawing/2010/main" w="9525">
-                <a:solidFill>
-                  <a:schemeClr val="tx1"/>
-                </a:solidFill>
-                <a:miter lim="800000"/>
-                <a:headEnd/>
-                <a:tailEnd/>
-              </a14:hiddenLine>
-            </a:ext>
-            <a:ext uri="{AF507438-7753-43E0-B8FC-AC1667EBCBE1}">
-              <a14:hiddenEffects xmlns:a14="http://schemas.microsoft.com/office/drawing/2010/main">
-                <a:effectLst>
-                  <a:outerShdw dist="35921" dir="2700000" algn="ctr" rotWithShape="0">
-                    <a:schemeClr val="bg2"/>
-                  </a:outerShdw>
-                </a:effectLst>
-              </a14:hiddenEffects>
-            </a:ext>
-          </a:extLst>
-        </p:spPr>
-      </p:pic>
-    </p:spTree>
-    <p:extLst>
-      <p:ext uri="{BB962C8B-B14F-4D97-AF65-F5344CB8AC3E}">
-        <p14:creationId xmlns:p14="http://schemas.microsoft.com/office/powerpoint/2010/main" val="2690683670"/>
-      </p:ext>
-    </p:extLst>
-  </p:cSld>
-  <p:clrMapOvr>
-    <a:masterClrMapping/>
-  </p:clrMapOvr>
-  <p:timing>
-    <p:tnLst>
-      <p:par>
-        <p:cTn id="1" dur="indefinite" restart="never" nodeType="tmRoot">
-          <p:childTnLst>
-            <p:seq concurrent="1" nextAc="seek">
-              <p:cTn id="2" dur="indefinite" nodeType="mainSeq">
-                <p:childTnLst>
-                  <p:par>
-                    <p:cTn id="3" fill="hold">
-                      <p:stCondLst>
-                        <p:cond delay="indefinite"/>
-                      </p:stCondLst>
-                      <p:childTnLst>
-                        <p:par>
-                          <p:cTn id="4" fill="hold">
-                            <p:stCondLst>
-                              <p:cond delay="0"/>
-                            </p:stCondLst>
-                            <p:childTnLst>
-                              <p:par>
-                                <p:cTn id="5" presetID="1" presetClass="entr" presetSubtype="0" fill="hold" nodeType="clickEffect">
-                                  <p:stCondLst>
-                                    <p:cond delay="0"/>
-                                  </p:stCondLst>
-                                  <p:childTnLst>
-                                    <p:set>
-                                      <p:cBhvr>
-                                        <p:cTn id="6" dur="1" fill="hold">
-                                          <p:stCondLst>
-                                            <p:cond delay="0"/>
-                                          </p:stCondLst>
-                                        </p:cTn>
-                                        <p:tgtEl>
-                                          <p:spTgt spid="2052"/>
-                                        </p:tgtEl>
-                                        <p:attrNameLst>
-                                          <p:attrName>style.visibility</p:attrName>
-                                        </p:attrNameLst>
-                                      </p:cBhvr>
-                                      <p:to>
-                                        <p:strVal val="visible"/>
-                                      </p:to>
-                                    </p:set>
-                                  </p:childTnLst>
-                                </p:cTn>
-                              </p:par>
-                            </p:childTnLst>
-                          </p:cTn>
-                        </p:par>
-                      </p:childTnLst>
-                    </p:cTn>
-                  </p:par>
-                  <p:par>
-                    <p:cTn id="7" fill="hold">
-                      <p:stCondLst>
-                        <p:cond delay="indefinite"/>
-                      </p:stCondLst>
-                      <p:childTnLst>
-                        <p:par>
-                          <p:cTn id="8" fill="hold">
-                            <p:stCondLst>
-                              <p:cond delay="0"/>
-                            </p:stCondLst>
-                            <p:childTnLst>
-                              <p:par>
-                                <p:cTn id="9" presetID="1" presetClass="entr" presetSubtype="0" fill="hold" nodeType="clickEffect">
-                                  <p:stCondLst>
-                                    <p:cond delay="0"/>
-                                  </p:stCondLst>
-                                  <p:childTnLst>
-                                    <p:set>
-                                      <p:cBhvr>
-                                        <p:cTn id="10" dur="1" fill="hold">
-                                          <p:stCondLst>
-                                            <p:cond delay="0"/>
-                                          </p:stCondLst>
-                                        </p:cTn>
-                                        <p:tgtEl>
-                                          <p:spTgt spid="2050"/>
-                                        </p:tgtEl>
-                                        <p:attrNameLst>
-                                          <p:attrName>style.visibility</p:attrName>
-                                        </p:attrNameLst>
-                                      </p:cBhvr>
-                                      <p:to>
-                                        <p:strVal val="visible"/>
-                                      </p:to>
-                                    </p:set>
-                                  </p:childTnLst>
-                                </p:cTn>
-                              </p:par>
-                            </p:childTnLst>
-                          </p:cTn>
-                        </p:par>
-                      </p:childTnLst>
-                    </p:cTn>
-                  </p:par>
-                  <p:par>
-                    <p:cTn id="11" fill="hold">
-                      <p:stCondLst>
-                        <p:cond delay="indefinite"/>
-                      </p:stCondLst>
-                      <p:childTnLst>
-                        <p:par>
-                          <p:cTn id="12" fill="hold">
-                            <p:stCondLst>
-                              <p:cond delay="0"/>
-                            </p:stCondLst>
-                            <p:childTnLst>
-                              <p:par>
-                                <p:cTn id="13" presetID="1" presetClass="entr" presetSubtype="0" fill="hold" nodeType="clickEffect">
-                                  <p:stCondLst>
-                                    <p:cond delay="0"/>
-                                  </p:stCondLst>
-                                  <p:childTnLst>
-                                    <p:set>
-                                      <p:cBhvr>
-                                        <p:cTn id="14" dur="1" fill="hold">
-                                          <p:stCondLst>
-                                            <p:cond delay="0"/>
-                                          </p:stCondLst>
-                                        </p:cTn>
-                                        <p:tgtEl>
-                                          <p:spTgt spid="9219"/>
-                                        </p:tgtEl>
-                                        <p:attrNameLst>
-                                          <p:attrName>style.visibility</p:attrName>
-                                        </p:attrNameLst>
-                                      </p:cBhvr>
-                                      <p:to>
-                                        <p:strVal val="visible"/>
-                                      </p:to>
-                                    </p:set>
-                                  </p:childTnLst>
-                                </p:cTn>
-                              </p:par>
-                            </p:childTnLst>
-                          </p:cTn>
-                        </p:par>
-                      </p:childTnLst>
-                    </p:cTn>
-                  </p:par>
-                  <p:par>
-                    <p:cTn id="15" fill="hold">
-                      <p:stCondLst>
-                        <p:cond delay="indefinite"/>
-                      </p:stCondLst>
-                      <p:childTnLst>
-                        <p:par>
-                          <p:cTn id="16" fill="hold">
-                            <p:stCondLst>
-                              <p:cond delay="0"/>
-                            </p:stCondLst>
-                            <p:childTnLst>
-                              <p:par>
-                                <p:cTn id="17" presetID="1" presetClass="entr" presetSubtype="0" fill="hold" nodeType="clickEffect">
-                                  <p:stCondLst>
-                                    <p:cond delay="0"/>
-                                  </p:stCondLst>
-                                  <p:childTnLst>
-                                    <p:set>
-                                      <p:cBhvr>
-                                        <p:cTn id="18" dur="1" fill="hold">
-                                          <p:stCondLst>
-                                            <p:cond delay="0"/>
-                                          </p:stCondLst>
-                                        </p:cTn>
-                                        <p:tgtEl>
-                                          <p:spTgt spid="9220"/>
-                                        </p:tgtEl>
-                                        <p:attrNameLst>
-                                          <p:attrName>style.visibility</p:attrName>
-                                        </p:attrNameLst>
-                                      </p:cBhvr>
-                                      <p:to>
-                                        <p:strVal val="visible"/>
-                                      </p:to>
-                                    </p:set>
-                                  </p:childTnLst>
-                                </p:cTn>
-                              </p:par>
-                            </p:childTnLst>
-                          </p:cTn>
-                        </p:par>
-                      </p:childTnLst>
-                    </p:cTn>
-                  </p:par>
-                </p:childTnLst>
-              </p:cTn>
-              <p:prevCondLst>
-                <p:cond evt="onPrev" delay="0">
-                  <p:tgtEl>
-                    <p:sldTgt/>
-                  </p:tgtEl>
-                </p:cond>
-              </p:prevCondLst>
-              <p:nextCondLst>
-                <p:cond evt="onNext" delay="0">
-                  <p:tgtEl>
-                    <p:sldTgt/>
-                  </p:tgtEl>
-                </p:cond>
-              </p:nextCondLst>
-            </p:seq>
-          </p:childTnLst>
-        </p:cTn>
-      </p:par>
-    </p:tnLst>
-  </p:timing>
-</p:sld>
-</file>
-
 <file path=ppt/slides/slide3.xml><?xml version="1.0" encoding="utf-8"?>
 <p:sld xmlns:a="http://schemas.openxmlformats.org/drawingml/2006/main" xmlns:r="http://schemas.openxmlformats.org/officeDocument/2006/relationships" xmlns:p="http://schemas.openxmlformats.org/presentationml/2006/main">
   <p:cSld>
@@ -15754,411 +13762,6 @@
     <p:extLst>
       <p:ext uri="{BB962C8B-B14F-4D97-AF65-F5344CB8AC3E}">
         <p14:creationId xmlns:p14="http://schemas.microsoft.com/office/powerpoint/2010/main" val="129474434"/>
-      </p:ext>
-    </p:extLst>
-  </p:cSld>
-  <p:clrMapOvr>
-    <a:masterClrMapping/>
-  </p:clrMapOvr>
-  <p:timing>
-    <p:tnLst>
-      <p:par>
-        <p:cTn id="1" dur="indefinite" restart="never" nodeType="tmRoot"/>
-      </p:par>
-    </p:tnLst>
-  </p:timing>
-</p:sld>
-</file>
-
-<file path=ppt/slides/slide30.xml><?xml version="1.0" encoding="utf-8"?>
-<p:sld xmlns:a="http://schemas.openxmlformats.org/drawingml/2006/main" xmlns:r="http://schemas.openxmlformats.org/officeDocument/2006/relationships" xmlns:p="http://schemas.openxmlformats.org/presentationml/2006/main">
-  <p:cSld>
-    <p:spTree>
-      <p:nvGrpSpPr>
-        <p:cNvPr id="1" name=""/>
-        <p:cNvGrpSpPr/>
-        <p:nvPr/>
-      </p:nvGrpSpPr>
-      <p:grpSpPr>
-        <a:xfrm>
-          <a:off x="0" y="0"/>
-          <a:ext cx="0" cy="0"/>
-          <a:chOff x="0" y="0"/>
-          <a:chExt cx="0" cy="0"/>
-        </a:xfrm>
-      </p:grpSpPr>
-      <p:sp>
-        <p:nvSpPr>
-          <p:cNvPr id="2" name="Title 1"/>
-          <p:cNvSpPr>
-            <a:spLocks noGrp="1"/>
-          </p:cNvSpPr>
-          <p:nvPr>
-            <p:ph type="title"/>
-          </p:nvPr>
-        </p:nvSpPr>
-        <p:spPr/>
-        <p:txBody>
-          <a:bodyPr/>
-          <a:lstStyle/>
-          <a:p>
-            <a:r>
-              <a:rPr lang="en-US" b="1" dirty="0" smtClean="0"/>
-              <a:t>Using DC Motors</a:t>
-            </a:r>
-            <a:endParaRPr lang="en-US" b="1" dirty="0"/>
-          </a:p>
-        </p:txBody>
-      </p:sp>
-      <p:sp>
-        <p:nvSpPr>
-          <p:cNvPr id="3" name="Content Placeholder 2"/>
-          <p:cNvSpPr>
-            <a:spLocks noGrp="1"/>
-          </p:cNvSpPr>
-          <p:nvPr>
-            <p:ph idx="1"/>
-          </p:nvPr>
-        </p:nvSpPr>
-        <p:spPr>
-          <a:xfrm>
-            <a:off x="348339" y="847679"/>
-            <a:ext cx="8083562" cy="5747330"/>
-          </a:xfrm>
-        </p:spPr>
-        <p:txBody>
-          <a:bodyPr/>
-          <a:lstStyle/>
-          <a:p>
-            <a:pPr marL="0" indent="0">
-              <a:buNone/>
-            </a:pPr>
-            <a:r>
-              <a:rPr lang="en-US" sz="2000" dirty="0" smtClean="0"/>
-              <a:t>How do DC motors work?    How do you make them go faster?</a:t>
-            </a:r>
-          </a:p>
-          <a:p>
-            <a:pPr lvl="1"/>
-            <a:r>
-              <a:rPr lang="en-US" sz="1600" dirty="0" smtClean="0">
-                <a:solidFill>
-                  <a:schemeClr val="accent2"/>
-                </a:solidFill>
-              </a:rPr>
-              <a:t>Provide analog DC voltage… The higher the voltage, the faster it spins</a:t>
-            </a:r>
-            <a:endParaRPr lang="en-US" sz="1600" dirty="0">
-              <a:solidFill>
-                <a:schemeClr val="accent2"/>
-              </a:solidFill>
-            </a:endParaRPr>
-          </a:p>
-          <a:p>
-            <a:pPr marL="0" indent="0">
-              <a:buNone/>
-            </a:pPr>
-            <a:r>
-              <a:rPr lang="en-US" sz="2000" dirty="0" smtClean="0"/>
-              <a:t>Two issues interfacing MSP430 with a DC motor?</a:t>
-            </a:r>
-          </a:p>
-          <a:p>
-            <a:pPr lvl="1"/>
-            <a:r>
-              <a:rPr lang="en-US" sz="1600" dirty="0" smtClean="0">
-                <a:solidFill>
-                  <a:schemeClr val="accent2"/>
-                </a:solidFill>
-              </a:rPr>
-              <a:t>MSP430 only produces two voltages (</a:t>
-            </a:r>
-            <a:r>
-              <a:rPr lang="en-US" sz="1600" dirty="0" err="1" smtClean="0">
-                <a:solidFill>
-                  <a:schemeClr val="accent2"/>
-                </a:solidFill>
-              </a:rPr>
-              <a:t>Vcc</a:t>
-            </a:r>
-            <a:r>
-              <a:rPr lang="en-US" sz="1600" dirty="0" smtClean="0">
-                <a:solidFill>
-                  <a:schemeClr val="accent2"/>
-                </a:solidFill>
-              </a:rPr>
-              <a:t> and </a:t>
-            </a:r>
-            <a:r>
-              <a:rPr lang="en-US" sz="1600" dirty="0" err="1" smtClean="0">
-                <a:solidFill>
-                  <a:schemeClr val="accent2"/>
-                </a:solidFill>
-              </a:rPr>
-              <a:t>Gnd</a:t>
-            </a:r>
-            <a:r>
-              <a:rPr lang="en-US" sz="1600" dirty="0" smtClean="0">
-                <a:solidFill>
-                  <a:schemeClr val="accent2"/>
-                </a:solidFill>
-              </a:rPr>
-              <a:t>)</a:t>
-            </a:r>
-          </a:p>
-          <a:p>
-            <a:pPr marL="0" indent="0">
-              <a:buNone/>
-            </a:pPr>
-            <a:r>
-              <a:rPr lang="en-US" sz="2000" dirty="0" smtClean="0"/>
-              <a:t>	Solution?     </a:t>
-            </a:r>
-            <a:r>
-              <a:rPr lang="en-US" sz="2000" dirty="0" smtClean="0">
-                <a:solidFill>
-                  <a:schemeClr val="accent2"/>
-                </a:solidFill>
-              </a:rPr>
-              <a:t>PWM- pulse width modulation  (remember this?)</a:t>
-            </a:r>
-            <a:endParaRPr lang="en-US" sz="2000" dirty="0">
-              <a:solidFill>
-                <a:schemeClr val="accent2"/>
-              </a:solidFill>
-            </a:endParaRPr>
-          </a:p>
-          <a:p>
-            <a:pPr lvl="1"/>
-            <a:r>
-              <a:rPr lang="en-US" sz="1600" dirty="0" smtClean="0">
-                <a:solidFill>
-                  <a:schemeClr val="accent2"/>
-                </a:solidFill>
-              </a:rPr>
-              <a:t>MSP430 does not source enough current to power the motors (blow the </a:t>
-            </a:r>
-            <a:r>
-              <a:rPr lang="en-US" sz="1600" dirty="0">
-                <a:solidFill>
-                  <a:schemeClr val="accent2"/>
-                </a:solidFill>
-              </a:rPr>
-              <a:t>chip)</a:t>
-            </a:r>
-          </a:p>
-          <a:p>
-            <a:pPr marL="0" indent="0">
-              <a:buNone/>
-            </a:pPr>
-            <a:r>
-              <a:rPr lang="en-US" sz="2000" dirty="0"/>
-              <a:t>	Solution?     </a:t>
-            </a:r>
-            <a:r>
-              <a:rPr lang="en-US" sz="2000" dirty="0" smtClean="0">
-                <a:solidFill>
-                  <a:schemeClr val="accent2"/>
-                </a:solidFill>
-              </a:rPr>
-              <a:t>Motor driver chip (SN754410)</a:t>
-            </a:r>
-            <a:endParaRPr lang="en-US" sz="2000" dirty="0">
-              <a:solidFill>
-                <a:schemeClr val="accent2"/>
-              </a:solidFill>
-            </a:endParaRPr>
-          </a:p>
-          <a:p>
-            <a:pPr lvl="1"/>
-            <a:endParaRPr lang="en-US" sz="1600" dirty="0" smtClean="0">
-              <a:solidFill>
-                <a:schemeClr val="accent2"/>
-              </a:solidFill>
-            </a:endParaRPr>
-          </a:p>
-          <a:p>
-            <a:pPr lvl="1"/>
-            <a:endParaRPr lang="en-US" sz="1200" dirty="0" smtClean="0">
-              <a:solidFill>
-                <a:schemeClr val="accent2"/>
-              </a:solidFill>
-            </a:endParaRPr>
-          </a:p>
-          <a:p>
-            <a:pPr marL="0" indent="0">
-              <a:buNone/>
-            </a:pPr>
-            <a:r>
-              <a:rPr lang="en-US" sz="2000" dirty="0" smtClean="0"/>
-              <a:t>MSP430 Timer system helps</a:t>
-            </a:r>
-          </a:p>
-          <a:p>
-            <a:r>
-              <a:rPr lang="en-US" sz="2000" b="1" dirty="0" smtClean="0"/>
-              <a:t>Input Capture</a:t>
-            </a:r>
-            <a:r>
-              <a:rPr lang="en-US" sz="2000" b="1" dirty="0"/>
-              <a:t>:</a:t>
-            </a:r>
-            <a:r>
-              <a:rPr lang="en-US" sz="2000" dirty="0"/>
-              <a:t> </a:t>
-            </a:r>
-            <a:r>
-              <a:rPr lang="en-US" sz="2000" dirty="0">
-                <a:solidFill>
-                  <a:schemeClr val="accent2"/>
-                </a:solidFill>
-              </a:rPr>
-              <a:t>Monitor a pin for a specified signal (rising edge, falling edge, either edge) and record when it occurs</a:t>
-            </a:r>
-            <a:r>
-              <a:rPr lang="en-US" sz="2000" dirty="0" smtClean="0">
-                <a:solidFill>
-                  <a:schemeClr val="accent2"/>
-                </a:solidFill>
-              </a:rPr>
-              <a:t>.  </a:t>
-            </a:r>
-            <a:r>
-              <a:rPr lang="en-US" sz="2000" dirty="0" smtClean="0">
-                <a:solidFill>
-                  <a:schemeClr val="accent2"/>
-                </a:solidFill>
-                <a:sym typeface="Wingdings" panose="05000000000000000000" pitchFamily="2" charset="2"/>
-              </a:rPr>
-              <a:t> </a:t>
-            </a:r>
-            <a:r>
-              <a:rPr lang="en-US" sz="2000" b="1" dirty="0" smtClean="0">
-                <a:solidFill>
-                  <a:schemeClr val="accent2"/>
-                </a:solidFill>
-              </a:rPr>
-              <a:t>Ultrasonic sensor</a:t>
-            </a:r>
-            <a:endParaRPr lang="en-US" sz="2000" b="1" dirty="0">
-              <a:solidFill>
-                <a:schemeClr val="accent2"/>
-              </a:solidFill>
-            </a:endParaRPr>
-          </a:p>
-          <a:p>
-            <a:r>
-              <a:rPr lang="en-US" sz="2000" b="1" dirty="0" smtClean="0"/>
-              <a:t>Output Compare</a:t>
-            </a:r>
-            <a:r>
-              <a:rPr lang="en-US" sz="2000" b="1" dirty="0"/>
-              <a:t>:</a:t>
-            </a:r>
-            <a:r>
-              <a:rPr lang="en-US" sz="2000" dirty="0"/>
-              <a:t> </a:t>
-            </a:r>
-            <a:r>
-              <a:rPr lang="en-US" sz="2000" dirty="0">
-                <a:solidFill>
-                  <a:schemeClr val="accent2"/>
-                </a:solidFill>
-              </a:rPr>
-              <a:t>Generate a </a:t>
-            </a:r>
-            <a:r>
-              <a:rPr lang="en-US" sz="2000" dirty="0" smtClean="0">
-                <a:solidFill>
-                  <a:schemeClr val="accent2"/>
-                </a:solidFill>
-              </a:rPr>
-              <a:t>specified </a:t>
-            </a:r>
-            <a:r>
-              <a:rPr lang="en-US" sz="2000" dirty="0">
-                <a:solidFill>
-                  <a:schemeClr val="accent2"/>
-                </a:solidFill>
-              </a:rPr>
-              <a:t>signal with precise timing</a:t>
-            </a:r>
-            <a:r>
-              <a:rPr lang="en-US" sz="2000" dirty="0" smtClean="0">
-                <a:solidFill>
-                  <a:schemeClr val="accent2"/>
-                </a:solidFill>
-              </a:rPr>
-              <a:t>. (can make a PWM signal) </a:t>
-            </a:r>
-            <a:r>
-              <a:rPr lang="en-US" sz="2000" dirty="0" smtClean="0">
-                <a:solidFill>
-                  <a:schemeClr val="accent2"/>
-                </a:solidFill>
-                <a:sym typeface="Wingdings" panose="05000000000000000000" pitchFamily="2" charset="2"/>
-              </a:rPr>
-              <a:t> </a:t>
-            </a:r>
-            <a:r>
-              <a:rPr lang="en-US" sz="2000" b="1" dirty="0" smtClean="0">
-                <a:solidFill>
-                  <a:schemeClr val="accent2"/>
-                </a:solidFill>
-                <a:sym typeface="Wingdings" panose="05000000000000000000" pitchFamily="2" charset="2"/>
-              </a:rPr>
-              <a:t>drive motors, servos</a:t>
-            </a:r>
-            <a:endParaRPr lang="en-US" sz="2000" b="1" dirty="0">
-              <a:solidFill>
-                <a:schemeClr val="accent2"/>
-              </a:solidFill>
-            </a:endParaRPr>
-          </a:p>
-        </p:txBody>
-      </p:sp>
-      <p:sp>
-        <p:nvSpPr>
-          <p:cNvPr id="5" name="TextBox 4"/>
-          <p:cNvSpPr txBox="1"/>
-          <p:nvPr/>
-        </p:nvSpPr>
-        <p:spPr>
-          <a:xfrm>
-            <a:off x="3551971" y="3231960"/>
-            <a:ext cx="4960962" cy="830997"/>
-          </a:xfrm>
-          <a:prstGeom prst="rect">
-            <a:avLst/>
-          </a:prstGeom>
-          <a:noFill/>
-        </p:spPr>
-        <p:txBody>
-          <a:bodyPr wrap="square" rtlCol="0">
-            <a:spAutoFit/>
-          </a:bodyPr>
-          <a:lstStyle/>
-          <a:p>
-            <a:r>
-              <a:rPr lang="en-US" dirty="0" smtClean="0">
-                <a:solidFill>
-                  <a:srgbClr val="FF0000"/>
-                </a:solidFill>
-              </a:rPr>
-              <a:t>Do Not Exceed the 1A current rating (i.e. ~60% Duty Cycle)</a:t>
-            </a:r>
-            <a:endParaRPr lang="en-US" dirty="0">
-              <a:solidFill>
-                <a:srgbClr val="FF0000"/>
-              </a:solidFill>
-            </a:endParaRPr>
-          </a:p>
-        </p:txBody>
-      </p:sp>
-    </p:spTree>
-    <p:extLst>
-      <p:ext uri="{BB962C8B-B14F-4D97-AF65-F5344CB8AC3E}">
-        <p14:creationId xmlns:p14="http://schemas.microsoft.com/office/powerpoint/2010/main" val="1178469788"/>
       </p:ext>
     </p:extLst>
   </p:cSld>
@@ -17241,7 +14844,7 @@
         </p:blipFill>
         <p:spPr bwMode="auto">
           <a:xfrm>
-            <a:off x="1682550" y="14783"/>
+            <a:off x="1682550" y="22666"/>
             <a:ext cx="5778901" cy="6843217"/>
           </a:xfrm>
           <a:prstGeom prst="rect">

--- a/source/lessons/lsn31/Lsn30.pptx
+++ b/source/lessons/lsn31/Lsn30.pptx
@@ -1372,7 +1372,7 @@
           <a:p>
             <a:fld id="{834513E8-165F-4932-9E2D-FD497CB9A4FD}" type="datetimeFigureOut">
               <a:rPr lang="en-US" smtClean="0"/>
-              <a:t>8/8/2018</a:t>
+              <a:t>8/16/2018</a:t>
             </a:fld>
             <a:endParaRPr lang="en-US"/>
           </a:p>
@@ -1649,7 +1649,7 @@
           <a:p>
             <a:fld id="{834513E8-165F-4932-9E2D-FD497CB9A4FD}" type="datetimeFigureOut">
               <a:rPr lang="en-US" smtClean="0"/>
-              <a:t>8/8/2018</a:t>
+              <a:t>8/16/2018</a:t>
             </a:fld>
             <a:endParaRPr lang="en-US"/>
           </a:p>
@@ -1902,7 +1902,7 @@
           <a:p>
             <a:fld id="{834513E8-165F-4932-9E2D-FD497CB9A4FD}" type="datetimeFigureOut">
               <a:rPr lang="en-US" smtClean="0"/>
-              <a:t>8/8/2018</a:t>
+              <a:t>8/16/2018</a:t>
             </a:fld>
             <a:endParaRPr lang="en-US"/>
           </a:p>
@@ -2072,7 +2072,7 @@
           <a:p>
             <a:fld id="{834513E8-165F-4932-9E2D-FD497CB9A4FD}" type="datetimeFigureOut">
               <a:rPr lang="en-US" smtClean="0"/>
-              <a:t>8/8/2018</a:t>
+              <a:t>8/16/2018</a:t>
             </a:fld>
             <a:endParaRPr lang="en-US"/>
           </a:p>
@@ -2252,7 +2252,7 @@
           <a:p>
             <a:fld id="{834513E8-165F-4932-9E2D-FD497CB9A4FD}" type="datetimeFigureOut">
               <a:rPr lang="en-US" smtClean="0"/>
-              <a:t>8/8/2018</a:t>
+              <a:t>8/16/2018</a:t>
             </a:fld>
             <a:endParaRPr lang="en-US"/>
           </a:p>
@@ -2996,7 +2996,7 @@
           <a:p>
             <a:fld id="{834513E8-165F-4932-9E2D-FD497CB9A4FD}" type="datetimeFigureOut">
               <a:rPr lang="en-US" smtClean="0"/>
-              <a:t>8/8/2018</a:t>
+              <a:t>8/16/2018</a:t>
             </a:fld>
             <a:endParaRPr lang="en-US"/>
           </a:p>
@@ -3166,7 +3166,7 @@
           <a:p>
             <a:fld id="{834513E8-165F-4932-9E2D-FD497CB9A4FD}" type="datetimeFigureOut">
               <a:rPr lang="en-US" smtClean="0"/>
-              <a:t>8/8/2018</a:t>
+              <a:t>8/16/2018</a:t>
             </a:fld>
             <a:endParaRPr lang="en-US"/>
           </a:p>
@@ -3412,7 +3412,7 @@
           <a:p>
             <a:fld id="{834513E8-165F-4932-9E2D-FD497CB9A4FD}" type="datetimeFigureOut">
               <a:rPr lang="en-US" smtClean="0"/>
-              <a:t>8/8/2018</a:t>
+              <a:t>8/16/2018</a:t>
             </a:fld>
             <a:endParaRPr lang="en-US"/>
           </a:p>
@@ -3644,7 +3644,7 @@
           <a:p>
             <a:fld id="{834513E8-165F-4932-9E2D-FD497CB9A4FD}" type="datetimeFigureOut">
               <a:rPr lang="en-US" smtClean="0"/>
-              <a:t>8/8/2018</a:t>
+              <a:t>8/16/2018</a:t>
             </a:fld>
             <a:endParaRPr lang="en-US"/>
           </a:p>
@@ -4011,7 +4011,7 @@
           <a:p>
             <a:fld id="{834513E8-165F-4932-9E2D-FD497CB9A4FD}" type="datetimeFigureOut">
               <a:rPr lang="en-US" smtClean="0"/>
-              <a:t>8/8/2018</a:t>
+              <a:t>8/16/2018</a:t>
             </a:fld>
             <a:endParaRPr lang="en-US"/>
           </a:p>
@@ -4129,7 +4129,7 @@
           <a:p>
             <a:fld id="{834513E8-165F-4932-9E2D-FD497CB9A4FD}" type="datetimeFigureOut">
               <a:rPr lang="en-US" smtClean="0"/>
-              <a:t>8/8/2018</a:t>
+              <a:t>8/16/2018</a:t>
             </a:fld>
             <a:endParaRPr lang="en-US"/>
           </a:p>
@@ -5945,7 +5945,7 @@
           <a:p>
             <a:fld id="{834513E8-165F-4932-9E2D-FD497CB9A4FD}" type="datetimeFigureOut">
               <a:rPr lang="en-US" smtClean="0"/>
-              <a:t>8/8/2018</a:t>
+              <a:t>8/16/2018</a:t>
             </a:fld>
             <a:endParaRPr lang="en-US"/>
           </a:p>
@@ -11742,6 +11742,38 @@
               <a:t>By timing how wide these pulses are, we can translate the pulses into 0’s or 1’s (binary) and understand what the remote is telling us</a:t>
             </a:r>
             <a:endParaRPr lang="en-US" dirty="0"/>
+          </a:p>
+        </p:txBody>
+      </p:sp>
+      <p:sp>
+        <p:nvSpPr>
+          <p:cNvPr id="10" name="TextBox 9"/>
+          <p:cNvSpPr txBox="1"/>
+          <p:nvPr/>
+        </p:nvSpPr>
+        <p:spPr>
+          <a:xfrm>
+            <a:off x="1258684" y="2814088"/>
+            <a:ext cx="487634" cy="276999"/>
+          </a:xfrm>
+          <a:prstGeom prst="rect">
+            <a:avLst/>
+          </a:prstGeom>
+          <a:solidFill>
+            <a:schemeClr val="bg1"/>
+          </a:solidFill>
+        </p:spPr>
+        <p:txBody>
+          <a:bodyPr wrap="none" rtlCol="0">
+            <a:spAutoFit/>
+          </a:bodyPr>
+          <a:lstStyle/>
+          <a:p>
+            <a:r>
+              <a:rPr lang="en-US" sz="1200" smtClean="0"/>
+              <a:t>3.3V</a:t>
+            </a:r>
+            <a:endParaRPr lang="en-US" sz="1200"/>
           </a:p>
         </p:txBody>
       </p:sp>
